--- a/ICCEA.pptx
+++ b/ICCEA.pptx
@@ -6317,7 +6317,7 @@
                 <a:latin typeface="华文细黑" panose="02010600040101010101" pitchFamily="2" charset="-122"/>
                 <a:ea typeface="华文细黑" panose="02010600040101010101" pitchFamily="2" charset="-122"/>
               </a:rPr>
-              <a:t>Source-Level Debugging Tool for Operating Systems Supporting the Rust Language</a:t>
+              <a:t>A Source-Code-Level Debugging Tool for Operating Systems Supporting the Rust Language</a:t>
             </a:r>
             <a:endParaRPr lang="zh-CN" altLang="en-US" sz="3600" dirty="0">
               <a:solidFill>

--- a/ICCEA.pptx
+++ b/ICCEA.pptx
@@ -256,7 +256,7 @@
           <a:p>
             <a:fld id="{01E11255-470B-438C-B19B-B431156CBA32}" type="datetimeFigureOut">
               <a:rPr lang="zh-CN" altLang="en-US" smtClean="0"/>
-              <a:t>2025/4/16</a:t>
+              <a:t>2025/4/27</a:t>
             </a:fld>
             <a:endParaRPr lang="zh-CN" altLang="en-US"/>
           </a:p>
@@ -569,7 +569,14 @@
           <a:p>
             <a:r>
               <a:rPr lang="en-US" altLang="zh-CN" dirty="0"/>
-              <a:t>Hi everyone, I’m Chen </a:t>
+              <a:t>“Good morning.</a:t>
+            </a:r>
+            <a:br>
+              <a:rPr lang="en-US" altLang="zh-CN" dirty="0"/>
+            </a:br>
+            <a:r>
+              <a:rPr lang="en-US" altLang="zh-CN" dirty="0"/>
+              <a:t>I’m </a:t>
             </a:r>
             <a:r>
               <a:rPr lang="en-US" altLang="zh-CN" dirty="0" err="1"/>
@@ -577,7 +584,65 @@
             </a:r>
             <a:r>
               <a:rPr lang="en-US" altLang="zh-CN" dirty="0"/>
+              <a:t> Chen from Beijing Technology and Business University.</a:t>
+            </a:r>
+            <a:br>
+              <a:rPr lang="en-US" altLang="zh-CN" dirty="0"/>
+            </a:br>
+            <a:r>
+              <a:rPr lang="en-US" altLang="zh-CN" dirty="0"/>
+              <a:t>Today I present our project, </a:t>
+            </a:r>
+            <a:r>
+              <a:rPr lang="en-US" altLang="zh-CN" i="1" dirty="0"/>
+              <a:t>‘A Source-Level Debugging Tool for </a:t>
+            </a:r>
+            <a:r>
+              <a:rPr lang="en-US" altLang="zh-CN" sz="1200" dirty="0">
+                <a:solidFill>
+                  <a:schemeClr val="bg1"/>
+                </a:solidFill>
+                <a:latin typeface="华文细黑" panose="02010600040101010101" pitchFamily="2" charset="-122"/>
+                <a:ea typeface="华文细黑" panose="02010600040101010101" pitchFamily="2" charset="-122"/>
+              </a:rPr>
+              <a:t>Operating Systems Supporting the Rust Language</a:t>
+            </a:r>
+            <a:r>
+              <a:rPr lang="en-US" altLang="zh-CN" i="1" dirty="0"/>
+              <a:t>.’</a:t>
+            </a:r>
+            <a:br>
+              <a:rPr lang="en-US" altLang="zh-CN" dirty="0"/>
+            </a:br>
+            <a:r>
+              <a:rPr lang="en-US" altLang="zh-CN" dirty="0"/>
+              <a:t>If you want to try it later, the code is already on GitHub—link’s right here.</a:t>
+            </a:r>
+          </a:p>
+          <a:p>
+            <a:endParaRPr lang="en-US" altLang="zh-CN" dirty="0"/>
+          </a:p>
+          <a:p>
+            <a:r>
+              <a:rPr lang="en-US" altLang="zh-CN" dirty="0"/>
+              <a:t>Hi everyone, I’m Chen </a:t>
+            </a:r>
+            <a:r>
+              <a:rPr lang="en-US" altLang="zh-CN" dirty="0" err="1"/>
+              <a:t>Zhiyang</a:t>
+            </a:r>
+            <a:r>
+              <a:rPr lang="en-US" altLang="zh-CN" dirty="0"/>
               <a:t> from Beijing Technology and Business University and today I’m going to introduce the project we’re doing, which is a source-level debugging tool for operating systems supporting the rust language.</a:t>
+            </a:r>
+          </a:p>
+          <a:p>
+            <a:endParaRPr lang="en-US" altLang="zh-CN" dirty="0"/>
+          </a:p>
+          <a:p>
+            <a:r>
+              <a:rPr lang="en-US" altLang="zh-CN" dirty="0"/>
+              <a:t>33</a:t>
             </a:r>
           </a:p>
         </p:txBody>
@@ -661,6 +726,37 @@
         <p:txBody>
           <a:bodyPr/>
           <a:lstStyle/>
+          <a:p>
+            <a:pPr>
+              <a:buNone/>
+            </a:pPr>
+            <a:r>
+              <a:rPr lang="en-US" altLang="zh-CN" sz="2800" dirty="0"/>
+              <a:t>This solution works seamlessly with both virtual and real environments.</a:t>
+            </a:r>
+          </a:p>
+          <a:p>
+            <a:r>
+              <a:rPr lang="en-US" altLang="zh-CN" sz="2800" dirty="0"/>
+              <a:t>When debugging on QEMU, we use its built-in </a:t>
+            </a:r>
+            <a:r>
+              <a:rPr lang="en-US" altLang="zh-CN" sz="2800" dirty="0" err="1"/>
+              <a:t>GDBStub</a:t>
+            </a:r>
+            <a:r>
+              <a:rPr lang="en-US" altLang="zh-CN" sz="2800" dirty="0"/>
+              <a:t>. For real hardware, we rely on </a:t>
+            </a:r>
+            <a:r>
+              <a:rPr lang="en-US" altLang="zh-CN" sz="2800" dirty="0" err="1"/>
+              <a:t>OpenOCD</a:t>
+            </a:r>
+            <a:r>
+              <a:rPr lang="en-US" altLang="zh-CN" sz="2800" dirty="0"/>
+              <a:t> with JTAG. Because of this design, users get exactly the same debugging experience no matter if they are using virtual machines or actual hardware.</a:t>
+            </a:r>
+          </a:p>
           <a:p>
             <a:pPr algn="just"/>
             <a:endParaRPr lang="zh-CN" altLang="zh-CN" sz="1800" kern="100" dirty="0">
@@ -757,6 +853,73 @@
           <a:bodyPr/>
           <a:lstStyle/>
           <a:p>
+            <a:pPr>
+              <a:buNone/>
+            </a:pPr>
+            <a:r>
+              <a:rPr lang="en-US" altLang="zh-CN" sz="2800" dirty="0"/>
+              <a:t>To show how effective our tool is, let me share a quick example.</a:t>
+            </a:r>
+          </a:p>
+          <a:p>
+            <a:pPr>
+              <a:buNone/>
+            </a:pPr>
+            <a:r>
+              <a:rPr lang="en-US" altLang="zh-CN" sz="2800" dirty="0"/>
+              <a:t>We tested it with an HTTP server application. The bug was tricky—when users opened multiple browser tabs requesting the same webpage, some tabs failed to load. Using our debugger, we combined static breakpoints and dynamic </a:t>
+            </a:r>
+            <a:r>
+              <a:rPr lang="en-US" altLang="zh-CN" sz="2800" dirty="0" err="1"/>
+              <a:t>eBPF</a:t>
+            </a:r>
+            <a:r>
+              <a:rPr lang="en-US" altLang="zh-CN" sz="2800" dirty="0"/>
+              <a:t> tracing. This allowed us to pinpoint exactly which part of the code caused the issue. </a:t>
+            </a:r>
+          </a:p>
+          <a:p>
+            <a:r>
+              <a:rPr lang="en-US" altLang="zh-CN" sz="2800" dirty="0"/>
+              <a:t>(Due to time constraints, I won't show the video here, but you can visit out </a:t>
+            </a:r>
+            <a:r>
+              <a:rPr lang="en-US" altLang="zh-CN" sz="2800" dirty="0" err="1"/>
+              <a:t>github</a:t>
+            </a:r>
+            <a:r>
+              <a:rPr lang="en-US" altLang="zh-CN" sz="2800" dirty="0"/>
+              <a:t> repo for that.)</a:t>
+            </a:r>
+          </a:p>
+          <a:p>
+            <a:pPr algn="just"/>
+            <a:endParaRPr lang="en-US" altLang="zh-CN" sz="1800" kern="100" dirty="0">
+              <a:effectLst/>
+              <a:latin typeface="等线" panose="02010600030101010101" pitchFamily="2" charset="-122"/>
+              <a:ea typeface="等线" panose="02010600030101010101" pitchFamily="2" charset="-122"/>
+              <a:cs typeface="Times New Roman" panose="02020603050405020304" pitchFamily="18" charset="0"/>
+            </a:endParaRPr>
+          </a:p>
+          <a:p>
+            <a:pPr algn="just"/>
+            <a:endParaRPr lang="en-US" altLang="zh-CN" sz="1800" kern="100" dirty="0">
+              <a:effectLst/>
+              <a:latin typeface="等线" panose="02010600030101010101" pitchFamily="2" charset="-122"/>
+              <a:ea typeface="等线" panose="02010600030101010101" pitchFamily="2" charset="-122"/>
+              <a:cs typeface="Times New Roman" panose="02020603050405020304" pitchFamily="18" charset="0"/>
+            </a:endParaRPr>
+          </a:p>
+          <a:p>
+            <a:pPr algn="just"/>
+            <a:endParaRPr lang="en-US" altLang="zh-CN" sz="1800" kern="100" dirty="0">
+              <a:effectLst/>
+              <a:latin typeface="等线" panose="02010600030101010101" pitchFamily="2" charset="-122"/>
+              <a:ea typeface="等线" panose="02010600030101010101" pitchFamily="2" charset="-122"/>
+              <a:cs typeface="Times New Roman" panose="02020603050405020304" pitchFamily="18" charset="0"/>
+            </a:endParaRPr>
+          </a:p>
+          <a:p>
             <a:pPr algn="just"/>
             <a:r>
               <a:rPr lang="zh-CN" altLang="en-US" sz="1800" kern="100" dirty="0">
@@ -874,6 +1037,10 @@
           <a:bodyPr/>
           <a:lstStyle/>
           <a:p>
+            <a:r>
+              <a:rPr lang="en-US" altLang="zh-CN" dirty="0"/>
+              <a:t>Thank you very much for your attention! You can find our project on GitHub through the link here. I'm happy to answer any questions you might have.</a:t>
+            </a:r>
             <a:endParaRPr lang="zh-CN" altLang="en-US" dirty="0"/>
           </a:p>
         </p:txBody>
@@ -958,15 +1125,52 @@
           <a:bodyPr/>
           <a:lstStyle/>
           <a:p>
+            <a:pPr>
+              <a:buNone/>
+            </a:pPr>
             <a:r>
               <a:rPr lang="en-US" altLang="zh-CN" dirty="0"/>
-              <a:t>And I will explain what we’re doing in four parts. The first being system framework, then key problems we have solved, after that we will explain 3 implementation techniques, finally then will introduce three </a:t>
-            </a:r>
-            <a:r>
-              <a:rPr lang="en-US" altLang="zh-CN" dirty="0" err="1"/>
-              <a:t>impl</a:t>
-            </a:r>
-            <a:endParaRPr lang="en-US" altLang="zh-CN" dirty="0"/>
+              <a:t>I will first share the </a:t>
+            </a:r>
+            <a:r>
+              <a:rPr lang="en-US" altLang="zh-CN" b="1" dirty="0"/>
+              <a:t>system framework</a:t>
+            </a:r>
+            <a:r>
+              <a:rPr lang="en-US" altLang="zh-CN" dirty="0"/>
+              <a:t>, then the </a:t>
+            </a:r>
+            <a:r>
+              <a:rPr lang="en-US" altLang="zh-CN" b="1" dirty="0"/>
+              <a:t>key problems</a:t>
+            </a:r>
+            <a:r>
+              <a:rPr lang="en-US" altLang="zh-CN" dirty="0"/>
+              <a:t> we had to solve, next the </a:t>
+            </a:r>
+            <a:r>
+              <a:rPr lang="en-US" altLang="zh-CN" b="1" dirty="0"/>
+              <a:t>implementation</a:t>
+            </a:r>
+            <a:r>
+              <a:rPr lang="en-US" altLang="zh-CN" dirty="0"/>
+              <a:t>, and finally a quick </a:t>
+            </a:r>
+            <a:r>
+              <a:rPr lang="en-US" altLang="zh-CN" b="1" dirty="0"/>
+              <a:t>application case</a:t>
+            </a:r>
+            <a:r>
+              <a:rPr lang="en-US" altLang="zh-CN" dirty="0"/>
+              <a:t>.</a:t>
+            </a:r>
+            <a:br>
+              <a:rPr lang="en-US" altLang="zh-CN" dirty="0"/>
+            </a:br>
+            <a:r>
+              <a:rPr lang="en-US" altLang="zh-CN" dirty="0"/>
+              <a:t>I’ll begin with why we started this work</a:t>
+            </a:r>
           </a:p>
         </p:txBody>
       </p:sp>
@@ -1055,6 +1259,108 @@
           <a:bodyPr/>
           <a:lstStyle/>
           <a:p>
+            <a:pPr>
+              <a:buNone/>
+            </a:pPr>
+            <a:r>
+              <a:rPr lang="en-US" altLang="zh-CN" sz="4000" dirty="0"/>
+              <a:t>Rust is getting popular for OS work, but there’s still </a:t>
+            </a:r>
+            <a:r>
+              <a:rPr lang="en-US" altLang="zh-CN" sz="4000" b="1" dirty="0"/>
+              <a:t>no handy debugger</a:t>
+            </a:r>
+            <a:r>
+              <a:rPr lang="en-US" altLang="zh-CN" sz="4000" dirty="0"/>
+              <a:t> for full Rust kernels.</a:t>
+            </a:r>
+            <a:br>
+              <a:rPr lang="en-US" altLang="zh-CN" sz="4000" dirty="0"/>
+            </a:br>
+            <a:r>
+              <a:rPr lang="en-US" altLang="zh-CN" sz="4000" dirty="0"/>
+              <a:t>Also, Setting up development environments like toolchains is painful, and debuggers will break whenever the OS switches between kernel mode and user mode.</a:t>
+            </a:r>
+            <a:br>
+              <a:rPr lang="en-US" altLang="zh-CN" sz="4000" dirty="0"/>
+            </a:br>
+            <a:r>
+              <a:rPr lang="en-US" altLang="zh-CN" sz="4000" dirty="0"/>
+              <a:t>So those obstacles make our goal clear:</a:t>
+            </a:r>
+            <a:br>
+              <a:rPr lang="en-US" altLang="zh-CN" sz="4000" dirty="0"/>
+            </a:br>
+            <a:r>
+              <a:rPr lang="en-US" altLang="zh-CN" sz="4000" dirty="0"/>
+              <a:t>We </a:t>
+            </a:r>
+            <a:r>
+              <a:rPr lang="en-US" altLang="zh-CN" sz="4000" dirty="0" err="1"/>
+              <a:t>wanma</a:t>
+            </a:r>
+            <a:r>
+              <a:rPr lang="en-US" altLang="zh-CN" sz="4000" dirty="0"/>
+              <a:t> build </a:t>
+            </a:r>
+            <a:r>
+              <a:rPr lang="en-US" altLang="zh-CN" sz="4000" b="1" dirty="0"/>
+              <a:t>a tool</a:t>
+            </a:r>
+            <a:r>
+              <a:rPr lang="en-US" altLang="zh-CN" sz="4000" dirty="0"/>
+              <a:t> that gives </a:t>
+            </a:r>
+            <a:r>
+              <a:rPr lang="en-US" altLang="zh-CN" sz="4000" i="1" dirty="0"/>
+              <a:t>source-code breakpoints</a:t>
+            </a:r>
+            <a:r>
+              <a:rPr lang="en-US" altLang="zh-CN" sz="4000" dirty="0"/>
+              <a:t> plus </a:t>
+            </a:r>
+            <a:r>
+              <a:rPr lang="en-US" altLang="zh-CN" sz="4000" i="1" dirty="0"/>
+              <a:t>live tracing</a:t>
+            </a:r>
+            <a:r>
+              <a:rPr lang="en-US" altLang="zh-CN" sz="4000" dirty="0"/>
+              <a:t>, works in both kernel and user processes, and runs inside a </a:t>
+            </a:r>
+            <a:r>
+              <a:rPr lang="en-US" altLang="zh-CN" sz="4000" b="1" dirty="0"/>
+              <a:t>browser-based VS Code window</a:t>
+            </a:r>
+            <a:r>
+              <a:rPr lang="en-US" altLang="zh-CN" sz="4000" dirty="0"/>
+              <a:t>—on QEMU or real RISC-V boards.</a:t>
+            </a:r>
+            <a:endParaRPr lang="en-US" altLang="zh-CN" sz="1800" kern="100" dirty="0">
+              <a:effectLst/>
+              <a:latin typeface="等线" panose="02010600030101010101" pitchFamily="2" charset="-122"/>
+              <a:ea typeface="等线" panose="02010600030101010101" pitchFamily="2" charset="-122"/>
+              <a:cs typeface="Times New Roman" panose="02020603050405020304" pitchFamily="18" charset="0"/>
+            </a:endParaRPr>
+          </a:p>
+          <a:p>
+            <a:pPr algn="just"/>
+            <a:endParaRPr lang="en-US" altLang="zh-CN" sz="1800" kern="100" dirty="0">
+              <a:effectLst/>
+              <a:latin typeface="等线" panose="02010600030101010101" pitchFamily="2" charset="-122"/>
+              <a:ea typeface="等线" panose="02010600030101010101" pitchFamily="2" charset="-122"/>
+              <a:cs typeface="Times New Roman" panose="02020603050405020304" pitchFamily="18" charset="0"/>
+            </a:endParaRPr>
+          </a:p>
+          <a:p>
+            <a:pPr algn="just"/>
+            <a:endParaRPr lang="en-US" altLang="zh-CN" sz="1800" kern="100" dirty="0">
+              <a:effectLst/>
+              <a:latin typeface="等线" panose="02010600030101010101" pitchFamily="2" charset="-122"/>
+              <a:ea typeface="等线" panose="02010600030101010101" pitchFamily="2" charset="-122"/>
+              <a:cs typeface="Times New Roman" panose="02020603050405020304" pitchFamily="18" charset="0"/>
+            </a:endParaRPr>
+          </a:p>
+          <a:p>
             <a:pPr algn="just"/>
             <a:r>
               <a:rPr lang="zh-CN" altLang="en-US" sz="1800" kern="100" dirty="0">
@@ -1258,6 +1564,138 @@
           <a:bodyPr/>
           <a:lstStyle/>
           <a:p>
+            <a:pPr marL="0" marR="0" lvl="0" indent="0" algn="l" defTabSz="914400" rtl="0" eaLnBrk="1" fontAlgn="auto" latinLnBrk="0" hangingPunct="1">
+              <a:lnSpc>
+                <a:spcPct val="100000"/>
+              </a:lnSpc>
+              <a:spcBef>
+                <a:spcPts val="0"/>
+              </a:spcBef>
+              <a:spcAft>
+                <a:spcPts val="0"/>
+              </a:spcAft>
+              <a:buClrTx/>
+              <a:buSzTx/>
+              <a:buFontTx/>
+              <a:buNone/>
+              <a:tabLst/>
+              <a:defRPr/>
+            </a:pPr>
+            <a:r>
+              <a:rPr lang="en-US" altLang="zh-CN" sz="4000" dirty="0"/>
+              <a:t>Here’s the big picture of</a:t>
+            </a:r>
+            <a:r>
+              <a:rPr lang="zh-CN" altLang="en-US" sz="4000" dirty="0"/>
+              <a:t> </a:t>
+            </a:r>
+            <a:r>
+              <a:rPr lang="en-US" altLang="zh-CN" sz="4000" dirty="0"/>
+              <a:t>our</a:t>
+            </a:r>
+            <a:r>
+              <a:rPr lang="zh-CN" altLang="en-US" sz="4000" dirty="0"/>
+              <a:t> </a:t>
+            </a:r>
+            <a:r>
+              <a:rPr lang="en-US" altLang="zh-CN" sz="4000" dirty="0"/>
+              <a:t>project.</a:t>
+            </a:r>
+            <a:br>
+              <a:rPr lang="en-US" altLang="zh-CN" sz="4000" dirty="0"/>
+            </a:br>
+            <a:r>
+              <a:rPr lang="en-US" altLang="zh-CN" sz="4000" dirty="0"/>
+              <a:t>On a </a:t>
+            </a:r>
+            <a:r>
+              <a:rPr lang="en-US" altLang="zh-CN" sz="4000" b="1" dirty="0"/>
+              <a:t>remote dev box</a:t>
+            </a:r>
+            <a:r>
+              <a:rPr lang="en-US" altLang="zh-CN" sz="4000" dirty="0"/>
+              <a:t> we run QEMU—or real hardware through </a:t>
+            </a:r>
+            <a:r>
+              <a:rPr lang="en-US" altLang="zh-CN" sz="4000" dirty="0" err="1"/>
+              <a:t>OpenOCD</a:t>
+            </a:r>
+            <a:r>
+              <a:rPr lang="en-US" altLang="zh-CN" sz="4000" dirty="0"/>
+              <a:t>—plus GDB and the source code.</a:t>
+            </a:r>
+            <a:br>
+              <a:rPr lang="en-US" altLang="zh-CN" sz="4000" dirty="0"/>
+            </a:br>
+            <a:r>
+              <a:rPr lang="en-US" altLang="zh-CN" sz="4000" dirty="0"/>
+              <a:t>In the </a:t>
+            </a:r>
+            <a:r>
+              <a:rPr lang="en-US" altLang="zh-CN" sz="4000" b="1" dirty="0"/>
+              <a:t>browser</a:t>
+            </a:r>
+            <a:r>
+              <a:rPr lang="en-US" altLang="zh-CN" sz="4000" dirty="0"/>
+              <a:t> we have the VS Code.</a:t>
+            </a:r>
+            <a:br>
+              <a:rPr lang="en-US" altLang="zh-CN" sz="4000" dirty="0"/>
+            </a:br>
+            <a:r>
+              <a:rPr lang="en-US" altLang="zh-CN" sz="4000" dirty="0"/>
+              <a:t>The two sides talk through our Debug Adapter.</a:t>
+            </a:r>
+            <a:br>
+              <a:rPr lang="en-US" altLang="zh-CN" sz="4000" dirty="0"/>
+            </a:br>
+            <a:r>
+              <a:rPr lang="en-US" altLang="zh-CN" sz="4000" dirty="0"/>
+              <a:t>This means no heavyweight local install; you just open the page and debug.</a:t>
+            </a:r>
+            <a:endParaRPr lang="en-US" altLang="zh-CN" sz="1800" dirty="0"/>
+          </a:p>
+          <a:p>
+            <a:pPr marL="0" marR="0" lvl="0" indent="0" algn="just" defTabSz="914400" rtl="0" eaLnBrk="1" fontAlgn="auto" latinLnBrk="0" hangingPunct="1">
+              <a:lnSpc>
+                <a:spcPct val="100000"/>
+              </a:lnSpc>
+              <a:spcBef>
+                <a:spcPts val="0"/>
+              </a:spcBef>
+              <a:spcAft>
+                <a:spcPts val="0"/>
+              </a:spcAft>
+              <a:buClrTx/>
+              <a:buSzTx/>
+              <a:buFontTx/>
+              <a:buNone/>
+              <a:tabLst/>
+              <a:defRPr/>
+            </a:pPr>
+            <a:endParaRPr lang="en-US" altLang="zh-CN" sz="1800" dirty="0"/>
+          </a:p>
+          <a:p>
+            <a:pPr marL="0" marR="0" lvl="0" indent="0" algn="just" defTabSz="914400" rtl="0" eaLnBrk="1" fontAlgn="auto" latinLnBrk="0" hangingPunct="1">
+              <a:lnSpc>
+                <a:spcPct val="100000"/>
+              </a:lnSpc>
+              <a:spcBef>
+                <a:spcPts val="0"/>
+              </a:spcBef>
+              <a:spcAft>
+                <a:spcPts val="0"/>
+              </a:spcAft>
+              <a:buClrTx/>
+              <a:buSzTx/>
+              <a:buFontTx/>
+              <a:buNone/>
+              <a:tabLst/>
+              <a:defRPr/>
+            </a:pPr>
+            <a:endParaRPr lang="en-US" altLang="zh-CN" sz="1800" dirty="0"/>
+          </a:p>
+          <a:p>
             <a:pPr marL="0" marR="0" lvl="0" indent="0" algn="just" defTabSz="914400" rtl="0" eaLnBrk="1" fontAlgn="auto" latinLnBrk="0" hangingPunct="1">
               <a:lnSpc>
                 <a:spcPct val="100000"/>
@@ -1559,6 +1997,141 @@
               </a:spcAft>
             </a:pPr>
             <a:r>
+              <a:rPr lang="en-US" altLang="zh-CN" sz="4000" dirty="0"/>
+              <a:t>Here is another way of showing our project, here you can see one GDB instance connecting multiple </a:t>
+            </a:r>
+            <a:r>
+              <a:rPr lang="en-US" altLang="zh-CN" sz="4000" dirty="0" err="1"/>
+              <a:t>GDBServers</a:t>
+            </a:r>
+            <a:r>
+              <a:rPr lang="en-US" altLang="zh-CN" sz="4000" dirty="0"/>
+              <a:t> at the same time, we have implemented this so that we can use multiple debugging methods like GDB breakpoints and </a:t>
+            </a:r>
+            <a:r>
+              <a:rPr lang="en-US" altLang="zh-CN" sz="4000" dirty="0" err="1"/>
+              <a:t>eBPF</a:t>
+            </a:r>
+            <a:r>
+              <a:rPr lang="en-US" altLang="zh-CN" sz="4000" dirty="0"/>
+              <a:t> profiling at the same time. </a:t>
+            </a:r>
+            <a:endParaRPr lang="en-US" altLang="zh-CN" sz="2800" b="1" dirty="0">
+              <a:solidFill>
+                <a:schemeClr val="accent1">
+                  <a:lumMod val="75000"/>
+                </a:schemeClr>
+              </a:solidFill>
+              <a:latin typeface="微软雅黑" panose="020B0503020204020204" pitchFamily="34" charset="-122"/>
+              <a:ea typeface="微软雅黑" panose="020B0503020204020204" pitchFamily="34" charset="-122"/>
+              <a:cs typeface="Times New Roman" panose="02020603050405020304" pitchFamily="18" charset="0"/>
+            </a:endParaRPr>
+          </a:p>
+          <a:p>
+            <a:pPr lvl="1">
+              <a:lnSpc>
+                <a:spcPct val="150000"/>
+              </a:lnSpc>
+              <a:spcBef>
+                <a:spcPts val="600"/>
+              </a:spcBef>
+              <a:spcAft>
+                <a:spcPts val="600"/>
+              </a:spcAft>
+            </a:pPr>
+            <a:endParaRPr lang="en-US" altLang="zh-CN" sz="2800" b="1" dirty="0">
+              <a:solidFill>
+                <a:schemeClr val="accent1">
+                  <a:lumMod val="75000"/>
+                </a:schemeClr>
+              </a:solidFill>
+              <a:latin typeface="微软雅黑" panose="020B0503020204020204" pitchFamily="34" charset="-122"/>
+              <a:ea typeface="微软雅黑" panose="020B0503020204020204" pitchFamily="34" charset="-122"/>
+              <a:cs typeface="Times New Roman" panose="02020603050405020304" pitchFamily="18" charset="0"/>
+            </a:endParaRPr>
+          </a:p>
+          <a:p>
+            <a:pPr lvl="1">
+              <a:lnSpc>
+                <a:spcPct val="150000"/>
+              </a:lnSpc>
+              <a:spcBef>
+                <a:spcPts val="600"/>
+              </a:spcBef>
+              <a:spcAft>
+                <a:spcPts val="600"/>
+              </a:spcAft>
+            </a:pPr>
+            <a:endParaRPr lang="en-US" altLang="zh-CN" sz="2800" b="1" dirty="0">
+              <a:solidFill>
+                <a:schemeClr val="accent1">
+                  <a:lumMod val="75000"/>
+                </a:schemeClr>
+              </a:solidFill>
+              <a:latin typeface="微软雅黑" panose="020B0503020204020204" pitchFamily="34" charset="-122"/>
+              <a:ea typeface="微软雅黑" panose="020B0503020204020204" pitchFamily="34" charset="-122"/>
+              <a:cs typeface="Times New Roman" panose="02020603050405020304" pitchFamily="18" charset="0"/>
+            </a:endParaRPr>
+          </a:p>
+          <a:p>
+            <a:pPr lvl="1">
+              <a:lnSpc>
+                <a:spcPct val="150000"/>
+              </a:lnSpc>
+              <a:spcBef>
+                <a:spcPts val="600"/>
+              </a:spcBef>
+              <a:spcAft>
+                <a:spcPts val="600"/>
+              </a:spcAft>
+            </a:pPr>
+            <a:endParaRPr lang="en-US" altLang="zh-CN" sz="2800" b="1" dirty="0">
+              <a:solidFill>
+                <a:schemeClr val="accent1">
+                  <a:lumMod val="75000"/>
+                </a:schemeClr>
+              </a:solidFill>
+              <a:latin typeface="微软雅黑" panose="020B0503020204020204" pitchFamily="34" charset="-122"/>
+              <a:ea typeface="微软雅黑" panose="020B0503020204020204" pitchFamily="34" charset="-122"/>
+              <a:cs typeface="Times New Roman" panose="02020603050405020304" pitchFamily="18" charset="0"/>
+            </a:endParaRPr>
+          </a:p>
+          <a:p>
+            <a:pPr lvl="1">
+              <a:lnSpc>
+                <a:spcPct val="150000"/>
+              </a:lnSpc>
+              <a:spcBef>
+                <a:spcPts val="600"/>
+              </a:spcBef>
+              <a:spcAft>
+                <a:spcPts val="600"/>
+              </a:spcAft>
+            </a:pPr>
+            <a:endParaRPr lang="en-US" altLang="zh-CN" sz="2800" b="1" dirty="0">
+              <a:solidFill>
+                <a:schemeClr val="accent1">
+                  <a:lumMod val="75000"/>
+                </a:schemeClr>
+              </a:solidFill>
+              <a:latin typeface="微软雅黑" panose="020B0503020204020204" pitchFamily="34" charset="-122"/>
+              <a:ea typeface="微软雅黑" panose="020B0503020204020204" pitchFamily="34" charset="-122"/>
+              <a:cs typeface="Times New Roman" panose="02020603050405020304" pitchFamily="18" charset="0"/>
+            </a:endParaRPr>
+          </a:p>
+          <a:p>
+            <a:pPr lvl="1">
+              <a:lnSpc>
+                <a:spcPct val="150000"/>
+              </a:lnSpc>
+              <a:spcBef>
+                <a:spcPts val="600"/>
+              </a:spcBef>
+              <a:spcAft>
+                <a:spcPts val="600"/>
+              </a:spcAft>
+            </a:pPr>
+            <a:r>
               <a:rPr lang="zh-CN" altLang="en-US" sz="2800" b="1" dirty="0">
                 <a:solidFill>
                   <a:schemeClr val="accent1">
@@ -1899,13 +2472,45 @@
           <a:bodyPr/>
           <a:lstStyle/>
           <a:p>
-            <a:pPr algn="just"/>
-            <a:endParaRPr lang="zh-CN" altLang="zh-CN" sz="1800" kern="100" dirty="0">
-              <a:effectLst/>
-              <a:latin typeface="等线" panose="02010600030101010101" pitchFamily="2" charset="-122"/>
-              <a:ea typeface="等线" panose="02010600030101010101" pitchFamily="2" charset="-122"/>
-              <a:cs typeface="Times New Roman" panose="02020603050405020304" pitchFamily="18" charset="0"/>
-            </a:endParaRPr>
+            <a:pPr>
+              <a:buNone/>
+            </a:pPr>
+            <a:r>
+              <a:rPr lang="en-US" altLang="zh-CN" sz="2800" dirty="0"/>
+              <a:t>Our debugging tool solves three key issues:</a:t>
+            </a:r>
+          </a:p>
+          <a:p>
+            <a:pPr>
+              <a:buNone/>
+            </a:pPr>
+            <a:r>
+              <a:rPr lang="en-US" altLang="zh-CN" sz="4000" dirty="0"/>
+              <a:t>First, we enabled debugging across the kernel and user processes, solving the issue of debugging context changing when page table switches.</a:t>
+            </a:r>
+          </a:p>
+          <a:p>
+            <a:pPr>
+              <a:buNone/>
+            </a:pPr>
+            <a:r>
+              <a:rPr lang="en-US" altLang="zh-CN" sz="4000" dirty="0"/>
+              <a:t>Second, we used </a:t>
+            </a:r>
+            <a:r>
+              <a:rPr lang="en-US" altLang="zh-CN" sz="4000" dirty="0" err="1"/>
+              <a:t>eBPF</a:t>
+            </a:r>
+            <a:r>
+              <a:rPr lang="en-US" altLang="zh-CN" sz="4000" dirty="0"/>
+              <a:t> to add dynamic tracing and performance analysis.</a:t>
+            </a:r>
+          </a:p>
+          <a:p>
+            <a:r>
+              <a:rPr lang="en-US" altLang="zh-CN" sz="4000" dirty="0"/>
+              <a:t>Third, we built everything into one IDE. It integrates breakpoint debugging, dynamic tracing, and performance analysis, and it works consistently whether you’re debugging in QEMU or on actual hardware.</a:t>
+            </a:r>
           </a:p>
         </p:txBody>
       </p:sp>
@@ -1994,6 +2599,304 @@
           <a:bodyPr/>
           <a:lstStyle/>
           <a:p>
+            <a:pPr>
+              <a:buNone/>
+            </a:pPr>
+            <a:r>
+              <a:rPr lang="en-US" altLang="zh-CN" sz="2800" dirty="0"/>
+              <a:t>Let me explain how we handle breakpoints between kernel and user space. We have explained this issue in detail in our paper. I’ll give you an overview here.</a:t>
+            </a:r>
+          </a:p>
+          <a:p>
+            <a:pPr>
+              <a:buNone/>
+            </a:pPr>
+            <a:r>
+              <a:rPr lang="en-US" altLang="zh-CN" sz="2800" dirty="0"/>
+              <a:t>Normally, GDB can't handle debugging across different page tables. To overcome this, we designed the "Breakpoint Group Management" module.</a:t>
+            </a:r>
+          </a:p>
+          <a:p>
+            <a:pPr marL="0" marR="0" lvl="0" indent="0" algn="l" defTabSz="914400" rtl="0" eaLnBrk="1" fontAlgn="auto" latinLnBrk="0" hangingPunct="1">
+              <a:lnSpc>
+                <a:spcPct val="100000"/>
+              </a:lnSpc>
+              <a:spcBef>
+                <a:spcPts val="0"/>
+              </a:spcBef>
+              <a:spcAft>
+                <a:spcPts val="0"/>
+              </a:spcAft>
+              <a:buClrTx/>
+              <a:buSzTx/>
+              <a:buFontTx/>
+              <a:buNone/>
+              <a:tabLst/>
+              <a:defRPr/>
+            </a:pPr>
+            <a:r>
+              <a:rPr lang="en-US" altLang="zh-CN" sz="2800" dirty="0"/>
+              <a:t>We group breakpoints based on their address spaces. When switching between kernel and user-space processes, we use special breakpoints called "Exit breakpoints" as a signal to switch these groups. </a:t>
+            </a:r>
+            <a:r>
+              <a:rPr lang="en-US" altLang="zh-CN" sz="2800" b="1" dirty="0">
+                <a:solidFill>
+                  <a:schemeClr val="accent1">
+                    <a:lumMod val="75000"/>
+                  </a:schemeClr>
+                </a:solidFill>
+                <a:latin typeface="微软雅黑" panose="020B0503020204020204" pitchFamily="34" charset="-122"/>
+                <a:ea typeface="微软雅黑" panose="020B0503020204020204" pitchFamily="34" charset="-122"/>
+              </a:rPr>
+              <a:t>Switching breakpoint groups and their corresponding symbol tables is based on the process name; so, it is necessary to obtain the name of the next process to be executed before it was being switched. That’s why we have </a:t>
+            </a:r>
+            <a:r>
+              <a:rPr lang="en-US" altLang="zh-CN" sz="2800" dirty="0"/>
+              <a:t>"Hook breakpoints“. It will fetch kernel context to helps us automatically figure out the next process to debug. This way, we can smoothly debug multi-process scenarios without limitations.</a:t>
+            </a:r>
+          </a:p>
+          <a:p>
+            <a:pPr marL="457200" lvl="1" indent="0">
+              <a:spcBef>
+                <a:spcPts val="600"/>
+              </a:spcBef>
+              <a:spcAft>
+                <a:spcPts val="600"/>
+              </a:spcAft>
+              <a:buFont typeface="Wingdings" panose="05000000000000000000" pitchFamily="2" charset="2"/>
+              <a:buNone/>
+            </a:pPr>
+            <a:endParaRPr lang="en-US" altLang="zh-CN" sz="1800" b="1" dirty="0">
+              <a:solidFill>
+                <a:schemeClr val="accent1">
+                  <a:lumMod val="75000"/>
+                </a:schemeClr>
+              </a:solidFill>
+              <a:latin typeface="微软雅黑" panose="020B0503020204020204" pitchFamily="34" charset="-122"/>
+              <a:ea typeface="微软雅黑" panose="020B0503020204020204" pitchFamily="34" charset="-122"/>
+            </a:endParaRPr>
+          </a:p>
+          <a:p>
+            <a:pPr marL="457200" lvl="1" indent="0">
+              <a:spcBef>
+                <a:spcPts val="600"/>
+              </a:spcBef>
+              <a:spcAft>
+                <a:spcPts val="600"/>
+              </a:spcAft>
+              <a:buFont typeface="Wingdings" panose="05000000000000000000" pitchFamily="2" charset="2"/>
+              <a:buNone/>
+            </a:pPr>
+            <a:endParaRPr lang="en-US" altLang="zh-CN" sz="1800" b="1" dirty="0">
+              <a:solidFill>
+                <a:schemeClr val="accent1">
+                  <a:lumMod val="75000"/>
+                </a:schemeClr>
+              </a:solidFill>
+              <a:latin typeface="微软雅黑" panose="020B0503020204020204" pitchFamily="34" charset="-122"/>
+              <a:ea typeface="微软雅黑" panose="020B0503020204020204" pitchFamily="34" charset="-122"/>
+            </a:endParaRPr>
+          </a:p>
+          <a:p>
+            <a:pPr marL="457200" lvl="1" indent="0">
+              <a:spcBef>
+                <a:spcPts val="600"/>
+              </a:spcBef>
+              <a:spcAft>
+                <a:spcPts val="600"/>
+              </a:spcAft>
+              <a:buFont typeface="Wingdings" panose="05000000000000000000" pitchFamily="2" charset="2"/>
+              <a:buNone/>
+            </a:pPr>
+            <a:endParaRPr lang="en-US" altLang="zh-CN" sz="1800" b="1" dirty="0">
+              <a:solidFill>
+                <a:schemeClr val="accent1">
+                  <a:lumMod val="75000"/>
+                </a:schemeClr>
+              </a:solidFill>
+              <a:latin typeface="微软雅黑" panose="020B0503020204020204" pitchFamily="34" charset="-122"/>
+              <a:ea typeface="微软雅黑" panose="020B0503020204020204" pitchFamily="34" charset="-122"/>
+            </a:endParaRPr>
+          </a:p>
+          <a:p>
+            <a:pPr marL="457200" marR="0" lvl="1" indent="0" algn="l" defTabSz="914400" rtl="0" eaLnBrk="1" fontAlgn="auto" latinLnBrk="0" hangingPunct="1">
+              <a:lnSpc>
+                <a:spcPct val="100000"/>
+              </a:lnSpc>
+              <a:spcBef>
+                <a:spcPts val="600"/>
+              </a:spcBef>
+              <a:spcAft>
+                <a:spcPts val="600"/>
+              </a:spcAft>
+              <a:buClrTx/>
+              <a:buSzTx/>
+              <a:buFont typeface="Wingdings" panose="05000000000000000000" pitchFamily="2" charset="2"/>
+              <a:buNone/>
+              <a:tabLst/>
+              <a:defRPr/>
+            </a:pPr>
+            <a:r>
+              <a:rPr lang="en-US" altLang="zh-CN" sz="1800" b="1" dirty="0">
+                <a:solidFill>
+                  <a:srgbClr val="FF0000"/>
+                </a:solidFill>
+                <a:latin typeface="微软雅黑" panose="020B0503020204020204" pitchFamily="34" charset="-122"/>
+                <a:ea typeface="微软雅黑" panose="020B0503020204020204" pitchFamily="34" charset="-122"/>
+              </a:rPr>
+              <a:t>A hook breakpoint is set before the privilege level switch, and after stepping over, both the symbol table and breakpoints are switched, thereby circumventing GDB’s single address space limitation.</a:t>
+            </a:r>
+          </a:p>
+          <a:p>
+            <a:pPr marL="457200" lvl="1" indent="0">
+              <a:spcBef>
+                <a:spcPts val="600"/>
+              </a:spcBef>
+              <a:spcAft>
+                <a:spcPts val="600"/>
+              </a:spcAft>
+              <a:buFont typeface="Wingdings" panose="05000000000000000000" pitchFamily="2" charset="2"/>
+              <a:buNone/>
+            </a:pPr>
+            <a:endParaRPr lang="en-US" altLang="zh-CN" sz="1800" b="1" dirty="0">
+              <a:solidFill>
+                <a:schemeClr val="accent1">
+                  <a:lumMod val="75000"/>
+                </a:schemeClr>
+              </a:solidFill>
+              <a:latin typeface="微软雅黑" panose="020B0503020204020204" pitchFamily="34" charset="-122"/>
+              <a:ea typeface="微软雅黑" panose="020B0503020204020204" pitchFamily="34" charset="-122"/>
+            </a:endParaRPr>
+          </a:p>
+          <a:p>
+            <a:pPr marL="360000">
+              <a:lnSpc>
+                <a:spcPct val="150000"/>
+              </a:lnSpc>
+              <a:spcBef>
+                <a:spcPts val="600"/>
+              </a:spcBef>
+              <a:spcAft>
+                <a:spcPts val="600"/>
+              </a:spcAft>
+            </a:pPr>
+            <a:endParaRPr lang="en-US" altLang="zh-CN" sz="1800" b="1" dirty="0">
+              <a:solidFill>
+                <a:schemeClr val="accent1">
+                  <a:lumMod val="75000"/>
+                </a:schemeClr>
+              </a:solidFill>
+              <a:latin typeface="微软雅黑" panose="020B0503020204020204" pitchFamily="34" charset="-122"/>
+              <a:ea typeface="微软雅黑" panose="020B0503020204020204" pitchFamily="34" charset="-122"/>
+            </a:endParaRPr>
+          </a:p>
+          <a:p>
+            <a:pPr marL="360000">
+              <a:lnSpc>
+                <a:spcPct val="150000"/>
+              </a:lnSpc>
+              <a:spcBef>
+                <a:spcPts val="600"/>
+              </a:spcBef>
+              <a:spcAft>
+                <a:spcPts val="600"/>
+              </a:spcAft>
+            </a:pPr>
+            <a:endParaRPr lang="en-US" altLang="zh-CN" sz="1800" b="1" dirty="0">
+              <a:solidFill>
+                <a:schemeClr val="accent1">
+                  <a:lumMod val="75000"/>
+                </a:schemeClr>
+              </a:solidFill>
+              <a:latin typeface="微软雅黑" panose="020B0503020204020204" pitchFamily="34" charset="-122"/>
+              <a:ea typeface="微软雅黑" panose="020B0503020204020204" pitchFamily="34" charset="-122"/>
+            </a:endParaRPr>
+          </a:p>
+          <a:p>
+            <a:pPr marL="360000">
+              <a:lnSpc>
+                <a:spcPct val="150000"/>
+              </a:lnSpc>
+              <a:spcBef>
+                <a:spcPts val="600"/>
+              </a:spcBef>
+              <a:spcAft>
+                <a:spcPts val="600"/>
+              </a:spcAft>
+            </a:pPr>
+            <a:endParaRPr lang="en-US" altLang="zh-CN" sz="1800" b="1" dirty="0">
+              <a:solidFill>
+                <a:srgbClr val="FF0000"/>
+              </a:solidFill>
+              <a:latin typeface="微软雅黑" panose="020B0503020204020204" pitchFamily="34" charset="-122"/>
+              <a:ea typeface="微软雅黑" panose="020B0503020204020204" pitchFamily="34" charset="-122"/>
+            </a:endParaRPr>
+          </a:p>
+          <a:p>
+            <a:pPr marL="360000">
+              <a:lnSpc>
+                <a:spcPct val="150000"/>
+              </a:lnSpc>
+              <a:spcBef>
+                <a:spcPts val="600"/>
+              </a:spcBef>
+              <a:spcAft>
+                <a:spcPts val="600"/>
+              </a:spcAft>
+            </a:pPr>
+            <a:endParaRPr lang="en-US" altLang="zh-CN" sz="1800" b="1" dirty="0">
+              <a:solidFill>
+                <a:schemeClr val="accent1">
+                  <a:lumMod val="75000"/>
+                </a:schemeClr>
+              </a:solidFill>
+              <a:latin typeface="微软雅黑" panose="020B0503020204020204" pitchFamily="34" charset="-122"/>
+              <a:ea typeface="微软雅黑" panose="020B0503020204020204" pitchFamily="34" charset="-122"/>
+            </a:endParaRPr>
+          </a:p>
+          <a:p>
+            <a:pPr marL="742950" lvl="1" indent="-285750">
+              <a:spcBef>
+                <a:spcPts val="600"/>
+              </a:spcBef>
+              <a:spcAft>
+                <a:spcPts val="600"/>
+              </a:spcAft>
+              <a:buFont typeface="Wingdings" panose="05000000000000000000" pitchFamily="2" charset="2"/>
+              <a:buChar char="Ø"/>
+            </a:pPr>
+            <a:endParaRPr lang="en-US" altLang="zh-CN" sz="1800" b="1" dirty="0">
+              <a:solidFill>
+                <a:schemeClr val="accent1">
+                  <a:lumMod val="75000"/>
+                </a:schemeClr>
+              </a:solidFill>
+              <a:latin typeface="微软雅黑" panose="020B0503020204020204" pitchFamily="34" charset="-122"/>
+              <a:ea typeface="微软雅黑" panose="020B0503020204020204" pitchFamily="34" charset="-122"/>
+            </a:endParaRPr>
+          </a:p>
+          <a:p>
+            <a:pPr marL="742950" lvl="1" indent="-285750">
+              <a:spcBef>
+                <a:spcPts val="600"/>
+              </a:spcBef>
+              <a:spcAft>
+                <a:spcPts val="600"/>
+              </a:spcAft>
+              <a:buFont typeface="Wingdings" panose="05000000000000000000" pitchFamily="2" charset="2"/>
+              <a:buChar char="Ø"/>
+            </a:pPr>
+            <a:endParaRPr lang="en-US" altLang="zh-CN" sz="1800" b="1" dirty="0">
+              <a:solidFill>
+                <a:schemeClr val="accent1">
+                  <a:lumMod val="75000"/>
+                </a:schemeClr>
+              </a:solidFill>
+              <a:latin typeface="微软雅黑" panose="020B0503020204020204" pitchFamily="34" charset="-122"/>
+              <a:ea typeface="微软雅黑" panose="020B0503020204020204" pitchFamily="34" charset="-122"/>
+            </a:endParaRPr>
+          </a:p>
+          <a:p>
             <a:pPr marL="742950" lvl="1" indent="-285750">
               <a:spcBef>
                 <a:spcPts val="600"/>
@@ -2485,6 +3388,108 @@
           <a:bodyPr/>
           <a:lstStyle/>
           <a:p>
+            <a:pPr>
+              <a:buNone/>
+            </a:pPr>
+            <a:r>
+              <a:rPr lang="en-US" altLang="zh-CN" sz="2800" dirty="0"/>
+              <a:t>Next, we use </a:t>
+            </a:r>
+            <a:r>
+              <a:rPr lang="en-US" altLang="zh-CN" sz="2800" dirty="0" err="1"/>
+              <a:t>eBPF</a:t>
+            </a:r>
+            <a:r>
+              <a:rPr lang="en-US" altLang="zh-CN" sz="2800" dirty="0"/>
+              <a:t> for dynamic tracing and performance checks on real hardware.</a:t>
+            </a:r>
+          </a:p>
+          <a:p>
+            <a:r>
+              <a:rPr lang="en-US" altLang="zh-CN" sz="2800" dirty="0"/>
+              <a:t>Since </a:t>
+            </a:r>
+            <a:r>
+              <a:rPr lang="en-US" altLang="zh-CN" sz="2800" dirty="0" err="1"/>
+              <a:t>eBPF</a:t>
+            </a:r>
+            <a:r>
+              <a:rPr lang="en-US" altLang="zh-CN" sz="2800" dirty="0"/>
+              <a:t> debugging data needs its own channel without interfering with default output, we added an extra serial port to QEMU specifically for </a:t>
+            </a:r>
+            <a:r>
+              <a:rPr lang="en-US" altLang="zh-CN" sz="2800" dirty="0" err="1"/>
+              <a:t>eBPF</a:t>
+            </a:r>
+            <a:r>
+              <a:rPr lang="en-US" altLang="zh-CN" sz="2800" dirty="0"/>
+              <a:t> outputs. We modified the hardware initialization code and memory protection (PMP) settings to support this new port., and GDB receives these data packets through a Python script. This approach is clean and doesn't affect normal OS execution.</a:t>
+            </a:r>
+          </a:p>
+          <a:p>
+            <a:pPr lvl="0" eaLnBrk="1" fontAlgn="auto" hangingPunct="1">
+              <a:lnSpc>
+                <a:spcPct val="150000"/>
+              </a:lnSpc>
+              <a:spcBef>
+                <a:spcPts val="0"/>
+              </a:spcBef>
+              <a:spcAft>
+                <a:spcPts val="0"/>
+              </a:spcAft>
+              <a:defRPr/>
+            </a:pPr>
+            <a:endParaRPr lang="en-US" altLang="zh-CN" sz="1700" dirty="0">
+              <a:solidFill>
+                <a:schemeClr val="tx1"/>
+              </a:solidFill>
+              <a:latin typeface="微软雅黑" panose="020B0503020204020204" pitchFamily="34" charset="-122"/>
+              <a:ea typeface="微软雅黑" panose="020B0503020204020204" pitchFamily="34" charset="-122"/>
+            </a:endParaRPr>
+          </a:p>
+          <a:p>
+            <a:pPr lvl="0" eaLnBrk="1" fontAlgn="auto" hangingPunct="1">
+              <a:lnSpc>
+                <a:spcPct val="150000"/>
+              </a:lnSpc>
+              <a:spcBef>
+                <a:spcPts val="0"/>
+              </a:spcBef>
+              <a:spcAft>
+                <a:spcPts val="0"/>
+              </a:spcAft>
+              <a:defRPr/>
+            </a:pPr>
+            <a:endParaRPr lang="en-US" altLang="zh-CN" sz="1700" dirty="0">
+              <a:solidFill>
+                <a:schemeClr val="tx1"/>
+              </a:solidFill>
+              <a:latin typeface="微软雅黑" panose="020B0503020204020204" pitchFamily="34" charset="-122"/>
+              <a:ea typeface="微软雅黑" panose="020B0503020204020204" pitchFamily="34" charset="-122"/>
+            </a:endParaRPr>
+          </a:p>
+          <a:p>
+            <a:pPr lvl="0" eaLnBrk="1" fontAlgn="auto" hangingPunct="1">
+              <a:lnSpc>
+                <a:spcPct val="150000"/>
+              </a:lnSpc>
+              <a:spcBef>
+                <a:spcPts val="0"/>
+              </a:spcBef>
+              <a:spcAft>
+                <a:spcPts val="0"/>
+              </a:spcAft>
+              <a:defRPr/>
+            </a:pPr>
+            <a:endParaRPr lang="en-US" altLang="zh-CN" sz="1700" dirty="0">
+              <a:solidFill>
+                <a:schemeClr val="tx1"/>
+              </a:solidFill>
+              <a:latin typeface="微软雅黑" panose="020B0503020204020204" pitchFamily="34" charset="-122"/>
+              <a:ea typeface="微软雅黑" panose="020B0503020204020204" pitchFamily="34" charset="-122"/>
+            </a:endParaRPr>
+          </a:p>
+          <a:p>
             <a:pPr lvl="0" eaLnBrk="1" fontAlgn="auto" hangingPunct="1">
               <a:lnSpc>
                 <a:spcPct val="150000"/>
@@ -3044,6 +4049,97 @@
         <p:txBody>
           <a:bodyPr/>
           <a:lstStyle/>
+          <a:p>
+            <a:pPr>
+              <a:buNone/>
+            </a:pPr>
+            <a:r>
+              <a:rPr lang="en-US" altLang="zh-CN" sz="2800" dirty="0"/>
+              <a:t>Then, we integrated all this functionality into </a:t>
+            </a:r>
+            <a:r>
+              <a:rPr lang="en-US" altLang="zh-CN" sz="2800" dirty="0" err="1"/>
+              <a:t>VSCode</a:t>
+            </a:r>
+            <a:r>
+              <a:rPr lang="en-US" altLang="zh-CN" sz="2800" dirty="0"/>
+              <a:t> to create a complete remote debugging solution.</a:t>
+            </a:r>
+          </a:p>
+          <a:p>
+            <a:r>
+              <a:rPr lang="en-US" altLang="zh-CN" sz="2800" dirty="0"/>
+              <a:t>GDB collects debugging data from both QEMU/</a:t>
+            </a:r>
+            <a:r>
+              <a:rPr lang="en-US" altLang="zh-CN" sz="2800" dirty="0" err="1"/>
+              <a:t>OpenOCD</a:t>
+            </a:r>
+            <a:r>
+              <a:rPr lang="en-US" altLang="zh-CN" sz="2800" dirty="0"/>
+              <a:t> and </a:t>
+            </a:r>
+            <a:r>
+              <a:rPr lang="en-US" altLang="zh-CN" sz="2800" dirty="0" err="1"/>
+              <a:t>eBPF</a:t>
+            </a:r>
+            <a:r>
+              <a:rPr lang="en-US" altLang="zh-CN" sz="2800" dirty="0"/>
+              <a:t>. The Debug Adapter inside </a:t>
+            </a:r>
+            <a:r>
+              <a:rPr lang="en-US" altLang="zh-CN" sz="2800" dirty="0" err="1"/>
+              <a:t>VSCode</a:t>
+            </a:r>
+            <a:r>
+              <a:rPr lang="en-US" altLang="zh-CN" sz="2800" dirty="0"/>
+              <a:t> then organizes and distributes this data to different modules in the </a:t>
+            </a:r>
+            <a:r>
+              <a:rPr lang="en-US" altLang="zh-CN" sz="2800" dirty="0" err="1"/>
+              <a:t>VSCode</a:t>
+            </a:r>
+            <a:r>
+              <a:rPr lang="en-US" altLang="zh-CN" sz="2800" dirty="0"/>
+              <a:t> interface. This integration lets developers perform breakpoint debugging and dynamic tracing conveniently through one consistent UI.</a:t>
+            </a:r>
+          </a:p>
+          <a:p>
+            <a:pPr algn="just"/>
+            <a:endParaRPr lang="en-US" altLang="zh-CN" sz="1800" kern="100" dirty="0">
+              <a:effectLst/>
+              <a:latin typeface="等线" panose="02010600030101010101" pitchFamily="2" charset="-122"/>
+              <a:ea typeface="等线" panose="02010600030101010101" pitchFamily="2" charset="-122"/>
+              <a:cs typeface="Times New Roman" panose="02020603050405020304" pitchFamily="18" charset="0"/>
+            </a:endParaRPr>
+          </a:p>
+          <a:p>
+            <a:pPr algn="just"/>
+            <a:endParaRPr lang="en-US" altLang="zh-CN" sz="1800" kern="100" dirty="0">
+              <a:effectLst/>
+              <a:latin typeface="等线" panose="02010600030101010101" pitchFamily="2" charset="-122"/>
+              <a:ea typeface="等线" panose="02010600030101010101" pitchFamily="2" charset="-122"/>
+              <a:cs typeface="Times New Roman" panose="02020603050405020304" pitchFamily="18" charset="0"/>
+            </a:endParaRPr>
+          </a:p>
+          <a:p>
+            <a:pPr algn="just"/>
+            <a:endParaRPr lang="en-US" altLang="zh-CN" sz="1800" kern="100" dirty="0">
+              <a:effectLst/>
+              <a:latin typeface="等线" panose="02010600030101010101" pitchFamily="2" charset="-122"/>
+              <a:ea typeface="等线" panose="02010600030101010101" pitchFamily="2" charset="-122"/>
+              <a:cs typeface="Times New Roman" panose="02020603050405020304" pitchFamily="18" charset="0"/>
+            </a:endParaRPr>
+          </a:p>
+          <a:p>
+            <a:pPr algn="just"/>
+            <a:endParaRPr lang="en-US" altLang="zh-CN" sz="1800" kern="100" dirty="0">
+              <a:effectLst/>
+              <a:latin typeface="等线" panose="02010600030101010101" pitchFamily="2" charset="-122"/>
+              <a:ea typeface="等线" panose="02010600030101010101" pitchFamily="2" charset="-122"/>
+              <a:cs typeface="Times New Roman" panose="02020603050405020304" pitchFamily="18" charset="0"/>
+            </a:endParaRPr>
+          </a:p>
           <a:p>
             <a:pPr algn="just"/>
             <a:r>
@@ -3282,7 +4378,7 @@
           <a:p>
             <a:fld id="{E34EA0FB-2016-487A-9F67-306F08B46D6D}" type="datetime1">
               <a:rPr lang="zh-CN" altLang="en-US" smtClean="0"/>
-              <a:t>2025/4/16</a:t>
+              <a:t>2025/4/27</a:t>
             </a:fld>
             <a:endParaRPr lang="zh-CN" altLang="en-US"/>
           </a:p>
@@ -3455,7 +4551,7 @@
           <a:p>
             <a:fld id="{13718282-4CF2-4CC6-8645-A7769D2C8361}" type="datetime1">
               <a:rPr lang="zh-CN" altLang="en-US" smtClean="0"/>
-              <a:t>2025/4/16</a:t>
+              <a:t>2025/4/27</a:t>
             </a:fld>
             <a:endParaRPr lang="zh-CN" altLang="en-US"/>
           </a:p>
@@ -3628,7 +4724,7 @@
           <a:p>
             <a:fld id="{C1A8B067-1D8B-4866-9C7B-1AFD0E6395FF}" type="datetime1">
               <a:rPr lang="zh-CN" altLang="en-US" smtClean="0"/>
-              <a:t>2025/4/16</a:t>
+              <a:t>2025/4/27</a:t>
             </a:fld>
             <a:endParaRPr lang="zh-CN" altLang="en-US"/>
           </a:p>
@@ -3791,7 +4887,7 @@
           <a:p>
             <a:fld id="{3BE64F57-1F44-48CF-9782-9D5AF6DA55EF}" type="datetime1">
               <a:rPr lang="zh-CN" altLang="en-US" smtClean="0"/>
-              <a:t>2025/4/16</a:t>
+              <a:t>2025/4/27</a:t>
             </a:fld>
             <a:endParaRPr lang="zh-CN" altLang="en-US"/>
           </a:p>
@@ -4031,7 +5127,7 @@
           <a:p>
             <a:fld id="{B8668CF8-1691-49E8-A229-B8EE86BF3599}" type="datetime1">
               <a:rPr lang="zh-CN" altLang="en-US" smtClean="0"/>
-              <a:t>2025/4/16</a:t>
+              <a:t>2025/4/27</a:t>
             </a:fld>
             <a:endParaRPr lang="zh-CN" altLang="en-US"/>
           </a:p>
@@ -4255,7 +5351,7 @@
           <a:p>
             <a:fld id="{508C205B-2642-4193-AD69-2A6FD759F725}" type="datetime1">
               <a:rPr lang="zh-CN" altLang="en-US" smtClean="0"/>
-              <a:t>2025/4/16</a:t>
+              <a:t>2025/4/27</a:t>
             </a:fld>
             <a:endParaRPr lang="zh-CN" altLang="en-US"/>
           </a:p>
@@ -4614,7 +5710,7 @@
           <a:p>
             <a:fld id="{142251FE-D9E7-4301-97EC-C90A79787E9E}" type="datetime1">
               <a:rPr lang="zh-CN" altLang="en-US" smtClean="0"/>
-              <a:t>2025/4/16</a:t>
+              <a:t>2025/4/27</a:t>
             </a:fld>
             <a:endParaRPr lang="zh-CN" altLang="en-US"/>
           </a:p>
@@ -4726,7 +5822,7 @@
           <a:p>
             <a:fld id="{BD5B4C2B-3137-4E06-9AFB-01F796F8AFE9}" type="datetime1">
               <a:rPr lang="zh-CN" altLang="en-US" smtClean="0"/>
-              <a:t>2025/4/16</a:t>
+              <a:t>2025/4/27</a:t>
             </a:fld>
             <a:endParaRPr lang="zh-CN" altLang="en-US"/>
           </a:p>
@@ -4816,7 +5912,7 @@
           <a:p>
             <a:fld id="{D12D2C38-33B7-46C3-BECD-71EAD1BAD7A5}" type="datetime1">
               <a:rPr lang="zh-CN" altLang="en-US" smtClean="0"/>
-              <a:t>2025/4/16</a:t>
+              <a:t>2025/4/27</a:t>
             </a:fld>
             <a:endParaRPr lang="zh-CN" altLang="en-US"/>
           </a:p>
@@ -5086,7 +6182,7 @@
           <a:p>
             <a:fld id="{CA16B3D2-AA1F-4158-AC4A-BA73FF3D5FB6}" type="datetime1">
               <a:rPr lang="zh-CN" altLang="en-US" smtClean="0"/>
-              <a:t>2025/4/16</a:t>
+              <a:t>2025/4/27</a:t>
             </a:fld>
             <a:endParaRPr lang="zh-CN" altLang="en-US"/>
           </a:p>
@@ -5333,7 +6429,7 @@
           <a:p>
             <a:fld id="{64B4BB52-28F2-42CC-B2E1-123AF5DFA1E7}" type="datetime1">
               <a:rPr lang="zh-CN" altLang="en-US" smtClean="0"/>
-              <a:t>2025/4/16</a:t>
+              <a:t>2025/4/27</a:t>
             </a:fld>
             <a:endParaRPr lang="zh-CN" altLang="en-US"/>
           </a:p>
@@ -5539,7 +6635,7 @@
           <a:p>
             <a:fld id="{54FEBD31-2B5F-40A3-9BE0-B58B6304807D}" type="datetime1">
               <a:rPr lang="zh-CN" altLang="en-US" smtClean="0"/>
-              <a:t>2025/4/16</a:t>
+              <a:t>2025/4/27</a:t>
             </a:fld>
             <a:endParaRPr lang="zh-CN" altLang="en-US"/>
           </a:p>
@@ -6317,7 +7413,7 @@
                 <a:latin typeface="华文细黑" panose="02010600040101010101" pitchFamily="2" charset="-122"/>
                 <a:ea typeface="华文细黑" panose="02010600040101010101" pitchFamily="2" charset="-122"/>
               </a:rPr>
-              <a:t>A Source-Code-Level Debugging Tool for Operating Systems Supporting the Rust Language</a:t>
+              <a:t>A Source-Level Debugging Tool for Operating Systems Supporting the Rust Language</a:t>
             </a:r>
             <a:endParaRPr lang="zh-CN" altLang="en-US" sz="3600" dirty="0">
               <a:solidFill>
@@ -6752,7 +7848,7 @@
                 <a:latin typeface="微软雅黑" panose="020B0503020204020204" pitchFamily="34" charset="-122"/>
                 <a:ea typeface="微软雅黑" panose="020B0503020204020204" pitchFamily="34" charset="-122"/>
               </a:rPr>
-              <a:t>A remote development environment is built on </a:t>
+              <a:t>Construct a remote development environment based on </a:t>
             </a:r>
             <a:r>
               <a:rPr lang="en-US" altLang="zh-CN" b="1" kern="100" dirty="0" err="1">
@@ -6772,7 +7868,7 @@
                 <a:latin typeface="微软雅黑" panose="020B0503020204020204" pitchFamily="34" charset="-122"/>
                 <a:ea typeface="微软雅黑" panose="020B0503020204020204" pitchFamily="34" charset="-122"/>
               </a:rPr>
-              <a:t>, combining breakpoint debugging and performance detection functionalities.</a:t>
+              <a:t> that integrates breakpoint debugging and performance analysis.</a:t>
             </a:r>
             <a:endParaRPr lang="zh-CN" altLang="en-US" b="1" kern="100" dirty="0">
               <a:solidFill>
@@ -7179,7 +8275,7 @@
         <p:spPr>
           <a:xfrm>
             <a:off x="602194" y="1491468"/>
-            <a:ext cx="10343374" cy="2249462"/>
+            <a:ext cx="10343374" cy="1510798"/>
           </a:xfrm>
           <a:prstGeom prst="rect">
             <a:avLst/>
@@ -7209,7 +8305,7 @@
                 <a:ea typeface="微软雅黑" panose="020B0503020204020204" pitchFamily="34" charset="-122"/>
                 <a:cs typeface="Times New Roman" panose="02020603050405020304" pitchFamily="18" charset="0"/>
               </a:rPr>
-              <a:t>2. Supporting Both QEMU and Actual Hardware</a:t>
+              <a:t>Supporting both QEMU and Real Hardware</a:t>
             </a:r>
             <a:endParaRPr lang="en-US" altLang="zh-CN" sz="1600" b="1" dirty="0">
               <a:solidFill>
@@ -7258,7 +8354,7 @@
                 <a:ea typeface="微软雅黑" panose="020B0503020204020204" pitchFamily="34" charset="-122"/>
                 <a:cs typeface="Times New Roman" panose="02020603050405020304" pitchFamily="18" charset="0"/>
               </a:rPr>
-              <a:t>Perform OS debugging on the virtual machine via the </a:t>
+              <a:t>QEMU </a:t>
             </a:r>
             <a:r>
               <a:rPr lang="en-US" altLang="zh-CN" sz="1600" b="1" dirty="0" err="1">
@@ -7284,33 +8380,7 @@
                 <a:ea typeface="微软雅黑" panose="020B0503020204020204" pitchFamily="34" charset="-122"/>
                 <a:cs typeface="Times New Roman" panose="02020603050405020304" pitchFamily="18" charset="0"/>
               </a:rPr>
-              <a:t> (</a:t>
-            </a:r>
-            <a:r>
-              <a:rPr lang="en-US" altLang="zh-CN" sz="1600" b="1" dirty="0" err="1">
-                <a:solidFill>
-                  <a:schemeClr val="accent1">
-                    <a:lumMod val="75000"/>
-                  </a:schemeClr>
-                </a:solidFill>
-                <a:latin typeface="微软雅黑" panose="020B0503020204020204" pitchFamily="34" charset="-122"/>
-                <a:ea typeface="微软雅黑" panose="020B0503020204020204" pitchFamily="34" charset="-122"/>
-                <a:cs typeface="Times New Roman" panose="02020603050405020304" pitchFamily="18" charset="0"/>
-              </a:rPr>
-              <a:t>GDBServer</a:t>
-            </a:r>
-            <a:r>
-              <a:rPr lang="en-US" altLang="zh-CN" sz="1600" b="1" dirty="0">
-                <a:solidFill>
-                  <a:schemeClr val="accent1">
-                    <a:lumMod val="75000"/>
-                  </a:schemeClr>
-                </a:solidFill>
-                <a:latin typeface="微软雅黑" panose="020B0503020204020204" pitchFamily="34" charset="-122"/>
-                <a:ea typeface="微软雅黑" panose="020B0503020204020204" pitchFamily="34" charset="-122"/>
-                <a:cs typeface="Times New Roman" panose="02020603050405020304" pitchFamily="18" charset="0"/>
-              </a:rPr>
-              <a:t>) provided by QEMU.</a:t>
+              <a:t>.</a:t>
             </a:r>
             <a:endParaRPr lang="zh-CN" altLang="en-US" sz="1600" b="1" dirty="0">
               <a:solidFill>
@@ -7349,7 +8419,7 @@
               <a:t>Actual Hardware Debugging: </a:t>
             </a:r>
             <a:r>
-              <a:rPr lang="en-US" altLang="zh-CN" sz="1600" b="1" dirty="0">
+              <a:rPr lang="en-US" altLang="zh-CN" sz="1600" b="1" dirty="0" err="1">
                 <a:solidFill>
                   <a:schemeClr val="accent1">
                     <a:lumMod val="75000"/>
@@ -7359,10 +8429,10 @@
                 <a:ea typeface="微软雅黑" panose="020B0503020204020204" pitchFamily="34" charset="-122"/>
                 <a:cs typeface="Times New Roman" panose="02020603050405020304" pitchFamily="18" charset="0"/>
               </a:rPr>
-              <a:t>Use the </a:t>
-            </a:r>
-            <a:r>
-              <a:rPr lang="en-US" altLang="zh-CN" sz="1600" b="1" dirty="0" err="1">
+              <a:t>OpenOCD</a:t>
+            </a:r>
+            <a:r>
+              <a:rPr lang="en-US" altLang="zh-CN" sz="1600" b="1" dirty="0">
                 <a:solidFill>
                   <a:schemeClr val="accent1">
                     <a:lumMod val="75000"/>
@@ -7372,10 +8442,10 @@
                 <a:ea typeface="微软雅黑" panose="020B0503020204020204" pitchFamily="34" charset="-122"/>
                 <a:cs typeface="Times New Roman" panose="02020603050405020304" pitchFamily="18" charset="0"/>
               </a:rPr>
-              <a:t>GDBServer</a:t>
-            </a:r>
-            <a:r>
-              <a:rPr lang="en-US" altLang="zh-CN" sz="1600" b="1" dirty="0">
+              <a:t> JTAG </a:t>
+            </a:r>
+            <a:r>
+              <a:rPr lang="en-US" altLang="zh-CN" sz="1600" b="1" dirty="0" err="1">
                 <a:solidFill>
                   <a:schemeClr val="accent1">
                     <a:lumMod val="75000"/>
@@ -7385,10 +8455,10 @@
                 <a:ea typeface="微软雅黑" panose="020B0503020204020204" pitchFamily="34" charset="-122"/>
                 <a:cs typeface="Times New Roman" panose="02020603050405020304" pitchFamily="18" charset="0"/>
               </a:rPr>
-              <a:t> provided by </a:t>
-            </a:r>
-            <a:r>
-              <a:rPr lang="en-US" altLang="zh-CN" sz="1600" b="1" dirty="0" err="1">
+              <a:t>GDBServer</a:t>
+            </a:r>
+            <a:r>
+              <a:rPr lang="en-US" altLang="zh-CN" sz="1600" b="1" dirty="0">
                 <a:solidFill>
                   <a:schemeClr val="accent1">
                     <a:lumMod val="75000"/>
@@ -7398,20 +8468,7 @@
                 <a:ea typeface="微软雅黑" panose="020B0503020204020204" pitchFamily="34" charset="-122"/>
                 <a:cs typeface="Times New Roman" panose="02020603050405020304" pitchFamily="18" charset="0"/>
               </a:rPr>
-              <a:t>OpenOCD</a:t>
-            </a:r>
-            <a:r>
-              <a:rPr lang="en-US" altLang="zh-CN" sz="1600" b="1" dirty="0">
-                <a:solidFill>
-                  <a:schemeClr val="accent1">
-                    <a:lumMod val="75000"/>
-                  </a:schemeClr>
-                </a:solidFill>
-                <a:latin typeface="微软雅黑" panose="020B0503020204020204" pitchFamily="34" charset="-122"/>
-                <a:ea typeface="微软雅黑" panose="020B0503020204020204" pitchFamily="34" charset="-122"/>
-                <a:cs typeface="Times New Roman" panose="02020603050405020304" pitchFamily="18" charset="0"/>
-              </a:rPr>
-              <a:t> for debugging on real hardware.</a:t>
+              <a:t>.</a:t>
             </a:r>
             <a:endParaRPr lang="zh-CN" altLang="en-US" sz="1600" b="1" dirty="0">
               <a:solidFill>
@@ -7486,7 +8543,7 @@
                 <a:latin typeface="微软雅黑" panose="020B0503020204020204" pitchFamily="34" charset="-122"/>
                 <a:ea typeface="微软雅黑" panose="020B0503020204020204" pitchFamily="34" charset="-122"/>
               </a:rPr>
-              <a:t>Application Cases</a:t>
+              <a:t>Application</a:t>
             </a:r>
             <a:endParaRPr lang="zh-CN" altLang="en-US" sz="1600" dirty="0">
               <a:latin typeface="微软雅黑" panose="020B0503020204020204" pitchFamily="34" charset="-122"/>
@@ -7837,7 +8894,7 @@
         </p:blipFill>
         <p:spPr>
           <a:xfrm>
-            <a:off x="1456282" y="3677754"/>
+            <a:off x="1180031" y="3232708"/>
             <a:ext cx="9190592" cy="3134119"/>
           </a:xfrm>
           <a:prstGeom prst="rect">
@@ -8206,7 +9263,27 @@
                 <a:latin typeface="微软雅黑" panose="020B0503020204020204" pitchFamily="34" charset="-122"/>
                 <a:ea typeface="微软雅黑" panose="020B0503020204020204" pitchFamily="34" charset="-122"/>
               </a:rPr>
-              <a:t>Debug Process: Use a combination of static breakpoint debugging and dynamic tracing to narrow down the issue and ultimately pinpoint the faulty code.</a:t>
+              <a:t>Debug Process: Use a combination of breakpoint debugging and dynamic </a:t>
+            </a:r>
+            <a:r>
+              <a:rPr lang="en-US" altLang="zh-CN" sz="1600" b="1" kern="100" dirty="0" err="1">
+                <a:solidFill>
+                  <a:schemeClr val="tx1"/>
+                </a:solidFill>
+                <a:latin typeface="微软雅黑" panose="020B0503020204020204" pitchFamily="34" charset="-122"/>
+                <a:ea typeface="微软雅黑" panose="020B0503020204020204" pitchFamily="34" charset="-122"/>
+              </a:rPr>
+              <a:t>eBPF</a:t>
+            </a:r>
+            <a:r>
+              <a:rPr lang="en-US" altLang="zh-CN" sz="1600" b="1" kern="100" dirty="0">
+                <a:solidFill>
+                  <a:schemeClr val="tx1"/>
+                </a:solidFill>
+                <a:latin typeface="微软雅黑" panose="020B0503020204020204" pitchFamily="34" charset="-122"/>
+                <a:ea typeface="微软雅黑" panose="020B0503020204020204" pitchFamily="34" charset="-122"/>
+              </a:rPr>
+              <a:t> tracing to narrow down the issue and pinpoint the wrong codes.</a:t>
             </a:r>
           </a:p>
           <a:p>
@@ -8460,7 +9537,7 @@
                 <a:latin typeface="微软雅黑" panose="020B0503020204020204" pitchFamily="34" charset="-122"/>
                 <a:ea typeface="微软雅黑" panose="020B0503020204020204" pitchFamily="34" charset="-122"/>
               </a:rPr>
-              <a:t>Application Cases</a:t>
+              <a:t>Application</a:t>
             </a:r>
             <a:endParaRPr lang="zh-CN" altLang="en-US" sz="1600" dirty="0">
               <a:latin typeface="微软雅黑" panose="020B0503020204020204" pitchFamily="34" charset="-122"/>
@@ -8684,7 +9761,7 @@
         <p:spPr>
           <a:xfrm>
             <a:off x="4239362" y="3258723"/>
-            <a:ext cx="2742552" cy="2221314"/>
+            <a:ext cx="2742552" cy="743986"/>
           </a:xfrm>
           <a:prstGeom prst="rect">
             <a:avLst/>
@@ -8710,7 +9787,7 @@
                 <a:latin typeface="微软雅黑" panose="020B0503020204020204" pitchFamily="34" charset="-122"/>
                 <a:ea typeface="微软雅黑" panose="020B0503020204020204" pitchFamily="34" charset="-122"/>
               </a:rPr>
-              <a:t>Video Demonstration</a:t>
+              <a:t>Video</a:t>
             </a:r>
           </a:p>
         </p:txBody>
@@ -10816,7 +11893,7 @@
                 <a:ea typeface="微软雅黑" panose="020B0503020204020204" pitchFamily="34" charset="-122"/>
                 <a:sym typeface="微软雅黑" panose="020B0503020204020204" pitchFamily="34" charset="-122"/>
               </a:rPr>
-              <a:t>System Framework</a:t>
+              <a:t>System framework</a:t>
             </a:r>
             <a:endParaRPr lang="zh-CN" altLang="en-US" sz="2000" b="1" dirty="0">
               <a:solidFill>
@@ -11143,7 +12220,7 @@
                 <a:ea typeface="微软雅黑" panose="020B0503020204020204" pitchFamily="34" charset="-122"/>
                 <a:sym typeface="微软雅黑" panose="020B0503020204020204" pitchFamily="34" charset="-122"/>
               </a:rPr>
-              <a:t>Key Problems Solved</a:t>
+              <a:t>Key problems</a:t>
             </a:r>
             <a:endParaRPr lang="zh-CN" altLang="en-US" sz="1600" dirty="0">
               <a:solidFill>
@@ -11797,7 +12874,7 @@
                 <a:ea typeface="微软雅黑" panose="020B0503020204020204" pitchFamily="34" charset="-122"/>
                 <a:sym typeface="微软雅黑" panose="020B0503020204020204" pitchFamily="34" charset="-122"/>
               </a:rPr>
-              <a:t>Application Cases</a:t>
+              <a:t>Application</a:t>
             </a:r>
             <a:endParaRPr lang="zh-CN" altLang="en-US" sz="1600" dirty="0">
               <a:solidFill>
@@ -11983,7 +13060,7 @@
                 <a:latin typeface="微软雅黑" panose="020B0503020204020204" pitchFamily="34" charset="-122"/>
                 <a:ea typeface="微软雅黑" panose="020B0503020204020204" pitchFamily="34" charset="-122"/>
               </a:rPr>
-              <a:t>Application Cases</a:t>
+              <a:t>Application</a:t>
             </a:r>
             <a:endParaRPr lang="zh-CN" altLang="en-US" sz="1600" dirty="0">
               <a:latin typeface="微软雅黑" panose="020B0503020204020204" pitchFamily="34" charset="-122"/>
@@ -12136,8 +13213,8 @@
         </p:nvSpPr>
         <p:spPr>
           <a:xfrm>
-            <a:off x="1053547" y="1604636"/>
-            <a:ext cx="10084905" cy="1572354"/>
+            <a:off x="1053547" y="1723847"/>
+            <a:ext cx="10084905" cy="1422954"/>
           </a:xfrm>
           <a:prstGeom prst="rect">
             <a:avLst/>
@@ -12295,7 +13372,7 @@
               <a:buChar char="p"/>
             </a:pPr>
             <a:r>
-              <a:rPr lang="en-US" altLang="zh-CN" sz="1800" kern="100" dirty="0">
+              <a:rPr lang="en-US" altLang="zh-CN" sz="2000" kern="100" dirty="0">
                 <a:solidFill>
                   <a:schemeClr val="tx1"/>
                 </a:solidFill>
@@ -12304,7 +13381,7 @@
               </a:rPr>
               <a:t>Research Background:</a:t>
             </a:r>
-            <a:endParaRPr kumimoji="1" lang="en-US" altLang="zh-CN" b="0" dirty="0">
+            <a:endParaRPr kumimoji="1" lang="en-US" altLang="zh-CN" sz="2800" b="0" dirty="0">
               <a:solidFill>
                 <a:schemeClr val="tx1"/>
               </a:solidFill>
@@ -12313,7 +13390,7 @@
             </a:endParaRPr>
           </a:p>
           <a:p>
-            <a:pPr algn="just" eaLnBrk="1" fontAlgn="auto" hangingPunct="1">
+            <a:pPr marL="742950" lvl="1" indent="-285750" algn="just" eaLnBrk="1" fontAlgn="auto" hangingPunct="1">
               <a:lnSpc>
                 <a:spcPct val="150000"/>
               </a:lnSpc>
@@ -12323,26 +13400,43 @@
               <a:spcAft>
                 <a:spcPts val="0"/>
               </a:spcAft>
+              <a:buFont typeface="Wingdings" panose="05000000000000000000" pitchFamily="2" charset="2"/>
+              <a:buChar char="l"/>
             </a:pPr>
             <a:r>
-              <a:rPr kumimoji="1" lang="zh-CN" altLang="en-US" sz="1600" b="0" dirty="0">
+              <a:rPr kumimoji="1" lang="en-US" altLang="zh-CN" sz="2000" b="0" dirty="0">
                 <a:solidFill>
                   <a:schemeClr val="tx1"/>
                 </a:solidFill>
                 <a:latin typeface="微软雅黑" panose="020B0503020204020204" pitchFamily="34" charset="-122"/>
                 <a:ea typeface="微软雅黑" panose="020B0503020204020204" pitchFamily="34" charset="-122"/>
               </a:rPr>
-              <a:t>　　</a:t>
-            </a:r>
-            <a:r>
-              <a:rPr kumimoji="1" lang="en-US" altLang="zh-CN" sz="1600" b="0" dirty="0">
+              <a:t>lack of convenient Rust-OS debugger; </a:t>
+            </a:r>
+          </a:p>
+          <a:p>
+            <a:pPr marL="742950" lvl="1" indent="-285750" algn="just" eaLnBrk="1" fontAlgn="auto" hangingPunct="1">
+              <a:lnSpc>
+                <a:spcPct val="150000"/>
+              </a:lnSpc>
+              <a:spcBef>
+                <a:spcPts val="0"/>
+              </a:spcBef>
+              <a:spcAft>
+                <a:spcPts val="0"/>
+              </a:spcAft>
+              <a:buFont typeface="Wingdings" panose="05000000000000000000" pitchFamily="2" charset="2"/>
+              <a:buChar char="l"/>
+            </a:pPr>
+            <a:r>
+              <a:rPr kumimoji="1" lang="en-US" altLang="zh-CN" sz="2000" b="0" dirty="0">
                 <a:solidFill>
                   <a:schemeClr val="tx1"/>
                 </a:solidFill>
                 <a:latin typeface="微软雅黑" panose="020B0503020204020204" pitchFamily="34" charset="-122"/>
                 <a:ea typeface="微软雅黑" panose="020B0503020204020204" pitchFamily="34" charset="-122"/>
               </a:rPr>
-              <a:t>In the current field of Rust OS development, there is a lack of a source-code-level debugging tool. This results in high costs for setting up experimental environments, a steep learning curve, and poses challenges for learning and developing Rust OS kernel work.</a:t>
+              <a:t>Inconvenient environment setup.</a:t>
             </a:r>
           </a:p>
         </p:txBody>
@@ -12721,8 +13815,8 @@
         </p:nvSpPr>
         <p:spPr>
           <a:xfrm>
-            <a:off x="1053547" y="3548650"/>
-            <a:ext cx="10084906" cy="2998065"/>
+            <a:off x="1053547" y="3640441"/>
+            <a:ext cx="10084906" cy="2167068"/>
           </a:xfrm>
           <a:prstGeom prst="rect">
             <a:avLst/>
@@ -12912,7 +14006,7 @@
                 <a:latin typeface="微软雅黑" panose="020B0503020204020204" pitchFamily="34" charset="-122"/>
                 <a:ea typeface="微软雅黑" panose="020B0503020204020204" pitchFamily="34" charset="-122"/>
               </a:rPr>
-              <a:t>Develop a source-code-level debugging tool that supports Rust OS kernel development.</a:t>
+              <a:t>A source-code-level debugging tool that supports Rust OS kernel development.</a:t>
             </a:r>
           </a:p>
           <a:p>
@@ -12937,7 +14031,27 @@
                 <a:latin typeface="微软雅黑" panose="020B0503020204020204" pitchFamily="34" charset="-122"/>
                 <a:ea typeface="微软雅黑" panose="020B0503020204020204" pitchFamily="34" charset="-122"/>
               </a:rPr>
-              <a:t>It should offer static breakpoint debugging (across both user space and kernel space) plus dynamic tracing.</a:t>
+              <a:t>Dynamic tracing and consistent breakpoint debugging </a:t>
+            </a:r>
+            <a:r>
+              <a:rPr kumimoji="1" lang="en-US" altLang="zh-CN" sz="1800" dirty="0">
+                <a:solidFill>
+                  <a:schemeClr val="tx1"/>
+                </a:solidFill>
+                <a:latin typeface="微软雅黑" panose="020B0503020204020204" pitchFamily="34" charset="-122"/>
+                <a:ea typeface="微软雅黑" panose="020B0503020204020204" pitchFamily="34" charset="-122"/>
+              </a:rPr>
+              <a:t>across kernel and user space processes</a:t>
+            </a:r>
+            <a:r>
+              <a:rPr kumimoji="1" lang="en-US" altLang="zh-CN" sz="1800" b="0" dirty="0">
+                <a:solidFill>
+                  <a:schemeClr val="tx1"/>
+                </a:solidFill>
+                <a:latin typeface="微软雅黑" panose="020B0503020204020204" pitchFamily="34" charset="-122"/>
+                <a:ea typeface="微软雅黑" panose="020B0503020204020204" pitchFamily="34" charset="-122"/>
+              </a:rPr>
+              <a:t>.</a:t>
             </a:r>
             <a:endParaRPr kumimoji="1" lang="zh-CN" altLang="en-US" sz="1800" b="0" dirty="0">
               <a:solidFill>
@@ -12969,27 +14083,7 @@
                 <a:latin typeface="微软雅黑" panose="020B0503020204020204" pitchFamily="34" charset="-122"/>
                 <a:ea typeface="微软雅黑" panose="020B0503020204020204" pitchFamily="34" charset="-122"/>
               </a:rPr>
-              <a:t>The system is based on a client/server remote debugging and integrated development environment, supporting both </a:t>
-            </a:r>
-            <a:r>
-              <a:rPr kumimoji="1" lang="en-US" altLang="zh-CN" sz="1800" b="0" dirty="0" err="1">
-                <a:solidFill>
-                  <a:schemeClr val="tx1"/>
-                </a:solidFill>
-                <a:latin typeface="微软雅黑" panose="020B0503020204020204" pitchFamily="34" charset="-122"/>
-                <a:ea typeface="微软雅黑" panose="020B0503020204020204" pitchFamily="34" charset="-122"/>
-              </a:rPr>
-              <a:t>Qemu</a:t>
-            </a:r>
-            <a:r>
-              <a:rPr kumimoji="1" lang="en-US" altLang="zh-CN" sz="1800" b="0" dirty="0">
-                <a:solidFill>
-                  <a:schemeClr val="tx1"/>
-                </a:solidFill>
-                <a:latin typeface="微软雅黑" panose="020B0503020204020204" pitchFamily="34" charset="-122"/>
-                <a:ea typeface="微软雅黑" panose="020B0503020204020204" pitchFamily="34" charset="-122"/>
-              </a:rPr>
-              <a:t> and actual hardware.</a:t>
+              <a:t>Remote, browser-based IDE; works on QEMU &amp; real boards..</a:t>
             </a:r>
             <a:endParaRPr kumimoji="1" lang="zh-CN" altLang="en-US" sz="1800" b="0" dirty="0">
               <a:solidFill>
@@ -13367,7 +14461,7 @@
           <a:lstStyle/>
           <a:p>
             <a:pPr algn="ctr"/>
-            <a:endParaRPr lang="zh-CN" altLang="en-US" sz="1600">
+            <a:endParaRPr lang="zh-CN" altLang="en-US" sz="1200">
               <a:latin typeface="微软雅黑" panose="020B0503020204020204" pitchFamily="34" charset="-122"/>
               <a:ea typeface="微软雅黑" panose="020B0503020204020204" pitchFamily="34" charset="-122"/>
             </a:endParaRPr>
@@ -13440,10 +14534,10 @@
           <a:lstStyle/>
           <a:p>
             <a:fld id="{69C45E28-4883-469F-A6A9-D05A5639DFCA}" type="slidenum">
-              <a:rPr lang="zh-CN" altLang="en-US" smtClean="0"/>
+              <a:rPr lang="zh-CN" altLang="en-US" sz="1600" smtClean="0"/>
               <a:t>4</a:t>
             </a:fld>
-            <a:endParaRPr lang="zh-CN" altLang="en-US"/>
+            <a:endParaRPr lang="zh-CN" altLang="en-US" sz="1600"/>
           </a:p>
         </p:txBody>
       </p:sp>
@@ -13495,7 +14589,7 @@
           <a:bodyPr rtlCol="0" anchor="ctr"/>
           <a:lstStyle/>
           <a:p>
-            <a:endParaRPr lang="en-US" altLang="zh-CN" b="1" kern="100" dirty="0">
+            <a:endParaRPr lang="en-US" altLang="zh-CN" sz="1400" b="1" kern="100" dirty="0">
               <a:solidFill>
                 <a:schemeClr val="tx1"/>
               </a:solidFill>
@@ -13566,7 +14660,7 @@
           <a:lstStyle/>
           <a:p>
             <a:pPr algn="ctr"/>
-            <a:endParaRPr lang="zh-CN" altLang="en-US"/>
+            <a:endParaRPr lang="zh-CN" altLang="en-US" sz="1400"/>
           </a:p>
         </p:txBody>
       </p:sp>
@@ -13585,7 +14679,7 @@
         <p:spPr>
           <a:xfrm>
             <a:off x="295120" y="1030470"/>
-            <a:ext cx="2823020" cy="6050502"/>
+            <a:ext cx="3009554" cy="4030014"/>
           </a:xfrm>
           <a:prstGeom prst="rect">
             <a:avLst/>
@@ -13735,7 +14829,7 @@
               <a:buChar char="p"/>
             </a:pPr>
             <a:r>
-              <a:rPr lang="en-US" altLang="zh-CN" sz="2000" kern="100" dirty="0">
+              <a:rPr lang="en-US" altLang="zh-CN" sz="1600" kern="100" dirty="0">
                 <a:solidFill>
                   <a:schemeClr val="tx1"/>
                 </a:solidFill>
@@ -13759,7 +14853,7 @@
               <a:buFont typeface="Wingdings" panose="05000000000000000000" pitchFamily="2" charset="2"/>
               <a:buChar char="p"/>
             </a:pPr>
-            <a:endParaRPr kumimoji="1" lang="en-US" altLang="zh-CN" sz="900" dirty="0">
+            <a:endParaRPr kumimoji="1" lang="en-US" altLang="zh-CN" sz="700" dirty="0">
               <a:solidFill>
                 <a:schemeClr val="tx1"/>
               </a:solidFill>
@@ -13780,14 +14874,60 @@
               </a:spcAft>
             </a:pPr>
             <a:r>
-              <a:rPr kumimoji="1" lang="en-US" altLang="zh-CN" sz="1800" dirty="0">
+              <a:rPr kumimoji="1" lang="en-US" altLang="zh-CN" sz="1400" dirty="0">
                 <a:solidFill>
                   <a:schemeClr val="tx1"/>
                 </a:solidFill>
                 <a:latin typeface="微软雅黑" panose="020B0503020204020204" pitchFamily="34" charset="-122"/>
                 <a:ea typeface="微软雅黑" panose="020B0503020204020204" pitchFamily="34" charset="-122"/>
               </a:rPr>
-              <a:t>1.Remote Development Environment</a:t>
+              <a:t>1.Remote </a:t>
+            </a:r>
+          </a:p>
+          <a:p>
+            <a:pPr algn="just" eaLnBrk="1" fontAlgn="auto" hangingPunct="1">
+              <a:lnSpc>
+                <a:spcPct val="150000"/>
+              </a:lnSpc>
+              <a:spcBef>
+                <a:spcPts val="0"/>
+              </a:spcBef>
+              <a:spcAft>
+                <a:spcPts val="0"/>
+              </a:spcAft>
+            </a:pPr>
+            <a:r>
+              <a:rPr kumimoji="1" lang="en-US" altLang="zh-CN" sz="1400" dirty="0">
+                <a:solidFill>
+                  <a:schemeClr val="tx1"/>
+                </a:solidFill>
+                <a:latin typeface="微软雅黑" panose="020B0503020204020204" pitchFamily="34" charset="-122"/>
+                <a:ea typeface="微软雅黑" panose="020B0503020204020204" pitchFamily="34" charset="-122"/>
+              </a:rPr>
+              <a:t>   Development      </a:t>
+            </a:r>
+          </a:p>
+          <a:p>
+            <a:pPr algn="just" eaLnBrk="1" fontAlgn="auto" hangingPunct="1">
+              <a:lnSpc>
+                <a:spcPct val="150000"/>
+              </a:lnSpc>
+              <a:spcBef>
+                <a:spcPts val="0"/>
+              </a:spcBef>
+              <a:spcAft>
+                <a:spcPts val="0"/>
+              </a:spcAft>
+            </a:pPr>
+            <a:r>
+              <a:rPr kumimoji="1" lang="en-US" altLang="zh-CN" sz="1400" dirty="0">
+                <a:solidFill>
+                  <a:schemeClr val="tx1"/>
+                </a:solidFill>
+                <a:latin typeface="微软雅黑" panose="020B0503020204020204" pitchFamily="34" charset="-122"/>
+                <a:ea typeface="微软雅黑" panose="020B0503020204020204" pitchFamily="34" charset="-122"/>
+              </a:rPr>
+              <a:t>   Environment</a:t>
             </a:r>
           </a:p>
           <a:p>
@@ -13804,7 +14944,7 @@
               <a:buFont typeface="Wingdings" panose="05000000000000000000" pitchFamily="2" charset="2"/>
               <a:buChar char="Ø"/>
             </a:pPr>
-            <a:endParaRPr kumimoji="1" lang="en-US" altLang="zh-CN" sz="900" dirty="0">
+            <a:endParaRPr kumimoji="1" lang="en-US" altLang="zh-CN" sz="700" dirty="0">
               <a:solidFill>
                 <a:schemeClr val="tx1"/>
               </a:solidFill>
@@ -13825,7 +14965,7 @@
               </a:spcAft>
             </a:pPr>
             <a:r>
-              <a:rPr kumimoji="1" lang="en-US" altLang="zh-CN" sz="1800" dirty="0">
+              <a:rPr kumimoji="1" lang="en-US" altLang="zh-CN" sz="1400" dirty="0">
                 <a:solidFill>
                   <a:schemeClr val="tx1"/>
                 </a:solidFill>
@@ -13834,7 +14974,7 @@
               </a:rPr>
               <a:t>2. Server:</a:t>
             </a:r>
-            <a:endParaRPr kumimoji="1" lang="zh-CN" altLang="en-US" sz="1800" dirty="0">
+            <a:endParaRPr kumimoji="1" lang="zh-CN" altLang="en-US" sz="1400" dirty="0">
               <a:solidFill>
                 <a:schemeClr val="tx1"/>
               </a:solidFill>
@@ -13857,7 +14997,7 @@
               <a:buChar char="Ø"/>
             </a:pPr>
             <a:r>
-              <a:rPr lang="en-US" altLang="zh-CN" sz="1600" dirty="0" err="1">
+              <a:rPr lang="en-US" altLang="zh-CN" sz="1200" dirty="0" err="1">
                 <a:solidFill>
                   <a:schemeClr val="accent1">
                     <a:lumMod val="75000"/>
@@ -13870,7 +15010,7 @@
               <a:t>Qemu</a:t>
             </a:r>
             <a:r>
-              <a:rPr lang="en-US" altLang="zh-CN" sz="1600" dirty="0">
+              <a:rPr lang="en-US" altLang="zh-CN" sz="1200" dirty="0">
                 <a:solidFill>
                   <a:schemeClr val="accent1">
                     <a:lumMod val="75000"/>
@@ -13882,7 +15022,7 @@
               </a:rPr>
               <a:t>/Hardware</a:t>
             </a:r>
-            <a:endParaRPr lang="zh-CN" altLang="en-US" sz="1600" dirty="0">
+            <a:endParaRPr lang="zh-CN" altLang="en-US" sz="1200" dirty="0">
               <a:solidFill>
                 <a:schemeClr val="accent1">
                   <a:lumMod val="75000"/>
@@ -13908,7 +15048,7 @@
               <a:buChar char="Ø"/>
             </a:pPr>
             <a:r>
-              <a:rPr lang="en-US" altLang="zh-CN" sz="1600" dirty="0">
+              <a:rPr lang="en-US" altLang="zh-CN" sz="1200" dirty="0">
                 <a:solidFill>
                   <a:schemeClr val="accent1">
                     <a:lumMod val="75000"/>
@@ -13920,7 +15060,7 @@
               </a:rPr>
               <a:t>GDB</a:t>
             </a:r>
-            <a:endParaRPr lang="zh-CN" altLang="en-US" sz="1600" dirty="0">
+            <a:endParaRPr lang="zh-CN" altLang="en-US" sz="1200" dirty="0">
               <a:solidFill>
                 <a:schemeClr val="accent1">
                   <a:lumMod val="75000"/>
@@ -13946,7 +15086,7 @@
               <a:buChar char="Ø"/>
             </a:pPr>
             <a:r>
-              <a:rPr lang="en-US" altLang="zh-CN" sz="1600" dirty="0">
+              <a:rPr lang="en-US" altLang="zh-CN" sz="1200" dirty="0">
                 <a:solidFill>
                   <a:schemeClr val="accent1">
                     <a:lumMod val="75000"/>
@@ -13956,9 +15096,9 @@
                 <a:ea typeface="微软雅黑" panose="020B0503020204020204" pitchFamily="34" charset="-122"/>
                 <a:cs typeface="Times New Roman" panose="02020603050405020304" pitchFamily="18" charset="0"/>
               </a:rPr>
-              <a:t>Source Code</a:t>
-            </a:r>
-            <a:endParaRPr kumimoji="1" lang="zh-CN" altLang="en-US" sz="900" dirty="0">
+              <a:t>Source code</a:t>
+            </a:r>
+            <a:endParaRPr kumimoji="1" lang="zh-CN" altLang="en-US" sz="700" dirty="0">
               <a:solidFill>
                 <a:schemeClr val="tx1"/>
               </a:solidFill>
@@ -13979,7 +15119,7 @@
               </a:spcAft>
             </a:pPr>
             <a:r>
-              <a:rPr kumimoji="1" lang="en-US" altLang="zh-CN" sz="1800" dirty="0">
+              <a:rPr kumimoji="1" lang="en-US" altLang="zh-CN" sz="1400" dirty="0">
                 <a:solidFill>
                   <a:schemeClr val="tx1"/>
                 </a:solidFill>
@@ -13988,7 +15128,7 @@
               </a:rPr>
               <a:t>3. Client (Browser):</a:t>
             </a:r>
-            <a:endParaRPr kumimoji="1" lang="zh-CN" altLang="en-US" sz="1600" dirty="0">
+            <a:endParaRPr kumimoji="1" lang="zh-CN" altLang="en-US" sz="1200" dirty="0">
               <a:solidFill>
                 <a:schemeClr val="tx1"/>
               </a:solidFill>
@@ -14011,7 +15151,7 @@
               <a:buChar char="Ø"/>
             </a:pPr>
             <a:r>
-              <a:rPr lang="en-US" altLang="zh-CN" sz="1600" dirty="0">
+              <a:rPr lang="en-US" altLang="zh-CN" sz="1200" dirty="0">
                 <a:solidFill>
                   <a:schemeClr val="accent1">
                     <a:lumMod val="75000"/>
@@ -14021,9 +15161,9 @@
                 <a:ea typeface="微软雅黑" panose="020B0503020204020204" pitchFamily="34" charset="-122"/>
                 <a:cs typeface="Times New Roman" panose="02020603050405020304" pitchFamily="18" charset="0"/>
               </a:rPr>
-              <a:t>Code Caching</a:t>
-            </a:r>
-            <a:endParaRPr lang="zh-CN" altLang="en-US" sz="1600" dirty="0">
+              <a:t>Cached code</a:t>
+            </a:r>
+            <a:endParaRPr lang="zh-CN" altLang="en-US" sz="1200" dirty="0">
               <a:solidFill>
                 <a:schemeClr val="accent1">
                   <a:lumMod val="75000"/>
@@ -14049,7 +15189,7 @@
               <a:buChar char="Ø"/>
             </a:pPr>
             <a:r>
-              <a:rPr lang="en-US" altLang="zh-CN" sz="1600" dirty="0">
+              <a:rPr lang="en-US" altLang="zh-CN" sz="1200" dirty="0">
                 <a:solidFill>
                   <a:schemeClr val="accent1">
                     <a:lumMod val="75000"/>
@@ -14059,9 +15199,9 @@
                 <a:ea typeface="微软雅黑" panose="020B0503020204020204" pitchFamily="34" charset="-122"/>
                 <a:cs typeface="Times New Roman" panose="02020603050405020304" pitchFamily="18" charset="0"/>
               </a:rPr>
-              <a:t>Debugging Interface</a:t>
-            </a:r>
-            <a:endParaRPr lang="zh-CN" altLang="en-US" sz="1600" dirty="0">
+              <a:t>Debug UI</a:t>
+            </a:r>
+            <a:endParaRPr lang="zh-CN" altLang="en-US" sz="1200" dirty="0">
               <a:solidFill>
                 <a:schemeClr val="accent1">
                   <a:lumMod val="75000"/>
@@ -14086,7 +15226,7 @@
               <a:buFont typeface="Wingdings" panose="05000000000000000000" pitchFamily="2" charset="2"/>
               <a:buChar char="Ø"/>
             </a:pPr>
-            <a:endParaRPr kumimoji="1" lang="zh-CN" altLang="en-US" sz="1600" dirty="0">
+            <a:endParaRPr kumimoji="1" lang="zh-CN" altLang="en-US" sz="1200" dirty="0">
               <a:solidFill>
                 <a:srgbClr val="FF0000"/>
               </a:solidFill>
@@ -14118,8 +15258,8 @@
         </p:blipFill>
         <p:spPr>
           <a:xfrm>
-            <a:off x="2824984" y="1555064"/>
-            <a:ext cx="9298741" cy="4623374"/>
+            <a:off x="3000449" y="1484700"/>
+            <a:ext cx="9123276" cy="4536132"/>
           </a:xfrm>
           <a:prstGeom prst="rect">
             <a:avLst/>
@@ -14182,13 +15322,13 @@
           <a:p>
             <a:pPr algn="ctr"/>
             <a:r>
-              <a:rPr lang="en-US" altLang="zh-CN" sz="1600" dirty="0">
-                <a:latin typeface="微软雅黑" panose="020B0503020204020204" pitchFamily="34" charset="-122"/>
-                <a:ea typeface="微软雅黑" panose="020B0503020204020204" pitchFamily="34" charset="-122"/>
-              </a:rPr>
-              <a:t>Application Cases</a:t>
-            </a:r>
-            <a:endParaRPr lang="zh-CN" altLang="en-US" sz="1600" dirty="0">
+              <a:rPr lang="en-US" altLang="zh-CN" sz="1200" dirty="0">
+                <a:latin typeface="微软雅黑" panose="020B0503020204020204" pitchFamily="34" charset="-122"/>
+                <a:ea typeface="微软雅黑" panose="020B0503020204020204" pitchFamily="34" charset="-122"/>
+              </a:rPr>
+              <a:t>Application</a:t>
+            </a:r>
+            <a:endParaRPr lang="zh-CN" altLang="en-US" sz="1200" dirty="0">
               <a:latin typeface="微软雅黑" panose="020B0503020204020204" pitchFamily="34" charset="-122"/>
               <a:ea typeface="微软雅黑" panose="020B0503020204020204" pitchFamily="34" charset="-122"/>
             </a:endParaRPr>
@@ -14251,13 +15391,13 @@
           <a:p>
             <a:pPr algn="ctr"/>
             <a:r>
-              <a:rPr lang="en-US" altLang="zh-CN" sz="1400" dirty="0">
+              <a:rPr lang="en-US" altLang="zh-CN" sz="1100" dirty="0">
                 <a:latin typeface="微软雅黑" panose="020B0503020204020204" pitchFamily="34" charset="-122"/>
                 <a:ea typeface="微软雅黑" panose="020B0503020204020204" pitchFamily="34" charset="-122"/>
               </a:rPr>
               <a:t>Implementation III</a:t>
             </a:r>
-            <a:endParaRPr lang="zh-CN" altLang="en-US" sz="1400" dirty="0">
+            <a:endParaRPr lang="zh-CN" altLang="en-US" sz="1100" dirty="0">
               <a:latin typeface="微软雅黑" panose="020B0503020204020204" pitchFamily="34" charset="-122"/>
               <a:ea typeface="微软雅黑" panose="020B0503020204020204" pitchFamily="34" charset="-122"/>
             </a:endParaRPr>
@@ -14320,7 +15460,7 @@
           <a:p>
             <a:pPr algn="ctr"/>
             <a:r>
-              <a:rPr lang="en-US" altLang="zh-CN" sz="1400" dirty="0">
+              <a:rPr lang="en-US" altLang="zh-CN" sz="1100" dirty="0">
                 <a:latin typeface="微软雅黑" panose="020B0503020204020204" pitchFamily="34" charset="-122"/>
                 <a:ea typeface="微软雅黑" panose="020B0503020204020204" pitchFamily="34" charset="-122"/>
               </a:rPr>
@@ -14330,13 +15470,13 @@
           <a:p>
             <a:pPr algn="ctr"/>
             <a:r>
-              <a:rPr lang="en-US" altLang="zh-CN" sz="1400" dirty="0">
+              <a:rPr lang="en-US" altLang="zh-CN" sz="1100" dirty="0">
                 <a:latin typeface="微软雅黑" panose="020B0503020204020204" pitchFamily="34" charset="-122"/>
                 <a:ea typeface="微软雅黑" panose="020B0503020204020204" pitchFamily="34" charset="-122"/>
               </a:rPr>
               <a:t>I</a:t>
             </a:r>
-            <a:endParaRPr lang="zh-CN" altLang="en-US" sz="1400" dirty="0">
+            <a:endParaRPr lang="zh-CN" altLang="en-US" sz="1100" dirty="0">
               <a:latin typeface="微软雅黑" panose="020B0503020204020204" pitchFamily="34" charset="-122"/>
               <a:ea typeface="微软雅黑" panose="020B0503020204020204" pitchFamily="34" charset="-122"/>
             </a:endParaRPr>
@@ -14403,27 +15543,27 @@
           <a:p>
             <a:pPr algn="ctr"/>
             <a:r>
-              <a:rPr lang="en-US" altLang="zh-CN" sz="1600" dirty="0">
+              <a:rPr lang="en-US" altLang="zh-CN" sz="1200" dirty="0">
                 <a:latin typeface="微软雅黑" panose="020B0503020204020204" pitchFamily="34" charset="-122"/>
                 <a:ea typeface="微软雅黑" panose="020B0503020204020204" pitchFamily="34" charset="-122"/>
               </a:rPr>
               <a:t>System</a:t>
             </a:r>
             <a:r>
-              <a:rPr lang="zh-CN" altLang="en-US" sz="1600" dirty="0">
+              <a:rPr lang="zh-CN" altLang="en-US" sz="1200" dirty="0">
                 <a:latin typeface="微软雅黑" panose="020B0503020204020204" pitchFamily="34" charset="-122"/>
                 <a:ea typeface="微软雅黑" panose="020B0503020204020204" pitchFamily="34" charset="-122"/>
               </a:rPr>
               <a:t> </a:t>
             </a:r>
             <a:r>
-              <a:rPr lang="en-US" altLang="zh-CN" sz="1600" dirty="0">
+              <a:rPr lang="en-US" altLang="zh-CN" sz="1200" dirty="0">
                 <a:latin typeface="微软雅黑" panose="020B0503020204020204" pitchFamily="34" charset="-122"/>
                 <a:ea typeface="微软雅黑" panose="020B0503020204020204" pitchFamily="34" charset="-122"/>
               </a:rPr>
               <a:t>Framework</a:t>
             </a:r>
-            <a:endParaRPr lang="zh-CN" altLang="en-US" sz="1600" dirty="0">
+            <a:endParaRPr lang="zh-CN" altLang="en-US" sz="1200" dirty="0">
               <a:latin typeface="微软雅黑" panose="020B0503020204020204" pitchFamily="34" charset="-122"/>
               <a:ea typeface="微软雅黑" panose="020B0503020204020204" pitchFamily="34" charset="-122"/>
             </a:endParaRPr>
@@ -14486,41 +15626,41 @@
           <a:p>
             <a:pPr algn="ctr"/>
             <a:r>
-              <a:rPr lang="en-US" altLang="zh-CN" sz="1600" dirty="0">
+              <a:rPr lang="en-US" altLang="zh-CN" sz="1200" dirty="0">
                 <a:latin typeface="微软雅黑" panose="020B0503020204020204" pitchFamily="34" charset="-122"/>
                 <a:ea typeface="微软雅黑" panose="020B0503020204020204" pitchFamily="34" charset="-122"/>
               </a:rPr>
               <a:t>Key</a:t>
             </a:r>
             <a:r>
-              <a:rPr lang="zh-CN" altLang="en-US" sz="1600" dirty="0">
+              <a:rPr lang="zh-CN" altLang="en-US" sz="1200" dirty="0">
                 <a:latin typeface="微软雅黑" panose="020B0503020204020204" pitchFamily="34" charset="-122"/>
                 <a:ea typeface="微软雅黑" panose="020B0503020204020204" pitchFamily="34" charset="-122"/>
               </a:rPr>
               <a:t> </a:t>
             </a:r>
             <a:r>
-              <a:rPr lang="en-US" altLang="zh-CN" sz="1600" dirty="0">
+              <a:rPr lang="en-US" altLang="zh-CN" sz="1200" dirty="0">
                 <a:latin typeface="微软雅黑" panose="020B0503020204020204" pitchFamily="34" charset="-122"/>
                 <a:ea typeface="微软雅黑" panose="020B0503020204020204" pitchFamily="34" charset="-122"/>
               </a:rPr>
               <a:t>Problems</a:t>
             </a:r>
             <a:r>
-              <a:rPr lang="zh-CN" altLang="en-US" sz="1600" dirty="0">
+              <a:rPr lang="zh-CN" altLang="en-US" sz="1200" dirty="0">
                 <a:latin typeface="微软雅黑" panose="020B0503020204020204" pitchFamily="34" charset="-122"/>
                 <a:ea typeface="微软雅黑" panose="020B0503020204020204" pitchFamily="34" charset="-122"/>
               </a:rPr>
               <a:t> </a:t>
             </a:r>
             <a:r>
-              <a:rPr lang="en-US" altLang="zh-CN" sz="1600" dirty="0">
+              <a:rPr lang="en-US" altLang="zh-CN" sz="1200" dirty="0">
                 <a:latin typeface="微软雅黑" panose="020B0503020204020204" pitchFamily="34" charset="-122"/>
                 <a:ea typeface="微软雅黑" panose="020B0503020204020204" pitchFamily="34" charset="-122"/>
               </a:rPr>
               <a:t>Solved</a:t>
             </a:r>
-            <a:endParaRPr lang="zh-CN" altLang="en-US" sz="1600" dirty="0">
+            <a:endParaRPr lang="zh-CN" altLang="en-US" sz="1200" dirty="0">
               <a:latin typeface="微软雅黑" panose="020B0503020204020204" pitchFamily="34" charset="-122"/>
               <a:ea typeface="微软雅黑" panose="020B0503020204020204" pitchFamily="34" charset="-122"/>
             </a:endParaRPr>
@@ -14583,16 +15723,730 @@
           <a:p>
             <a:pPr algn="ctr"/>
             <a:r>
-              <a:rPr lang="en-US" altLang="zh-CN" sz="1400" dirty="0">
+              <a:rPr lang="en-US" altLang="zh-CN" sz="1100" dirty="0">
                 <a:latin typeface="微软雅黑" panose="020B0503020204020204" pitchFamily="34" charset="-122"/>
                 <a:ea typeface="微软雅黑" panose="020B0503020204020204" pitchFamily="34" charset="-122"/>
               </a:rPr>
               <a:t>Implementation II</a:t>
             </a:r>
-            <a:endParaRPr lang="zh-CN" altLang="en-US" sz="1400" dirty="0">
+            <a:endParaRPr lang="zh-CN" altLang="en-US" sz="1100" dirty="0">
               <a:latin typeface="微软雅黑" panose="020B0503020204020204" pitchFamily="34" charset="-122"/>
               <a:ea typeface="微软雅黑" panose="020B0503020204020204" pitchFamily="34" charset="-122"/>
             </a:endParaRPr>
+          </a:p>
+        </p:txBody>
+      </p:sp>
+      <p:sp>
+        <p:nvSpPr>
+          <p:cNvPr id="11" name="文本框 10">
+            <a:extLst>
+              <a:ext uri="{FF2B5EF4-FFF2-40B4-BE49-F238E27FC236}">
+                <a16:creationId xmlns:a16="http://schemas.microsoft.com/office/drawing/2014/main" id="{92906710-A0BB-EC29-9AB8-D382B1F49915}"/>
+              </a:ext>
+            </a:extLst>
+          </p:cNvPr>
+          <p:cNvSpPr txBox="1"/>
+          <p:nvPr/>
+        </p:nvSpPr>
+        <p:spPr>
+          <a:xfrm>
+            <a:off x="4766182" y="1377784"/>
+            <a:ext cx="1720343" cy="369332"/>
+          </a:xfrm>
+          <a:prstGeom prst="rect">
+            <a:avLst/>
+          </a:prstGeom>
+          <a:solidFill>
+            <a:schemeClr val="bg1"/>
+          </a:solidFill>
+        </p:spPr>
+        <p:txBody>
+          <a:bodyPr wrap="none" rtlCol="0">
+            <a:spAutoFit/>
+          </a:bodyPr>
+          <a:lstStyle/>
+          <a:p>
+            <a:r>
+              <a:rPr lang="en-US" altLang="zh-CN" dirty="0"/>
+              <a:t>Remote Deploy</a:t>
+            </a:r>
+            <a:endParaRPr lang="zh-CN" altLang="en-US" dirty="0"/>
+          </a:p>
+        </p:txBody>
+      </p:sp>
+      <p:sp>
+        <p:nvSpPr>
+          <p:cNvPr id="12" name="文本框 11">
+            <a:extLst>
+              <a:ext uri="{FF2B5EF4-FFF2-40B4-BE49-F238E27FC236}">
+                <a16:creationId xmlns:a16="http://schemas.microsoft.com/office/drawing/2014/main" id="{DEF12B8F-992C-75E5-8FF6-E303B437FF5B}"/>
+              </a:ext>
+            </a:extLst>
+          </p:cNvPr>
+          <p:cNvSpPr txBox="1"/>
+          <p:nvPr/>
+        </p:nvSpPr>
+        <p:spPr>
+          <a:xfrm>
+            <a:off x="4623340" y="2220673"/>
+            <a:ext cx="1082675" cy="584775"/>
+          </a:xfrm>
+          <a:prstGeom prst="rect">
+            <a:avLst/>
+          </a:prstGeom>
+          <a:solidFill>
+            <a:schemeClr val="bg1"/>
+          </a:solidFill>
+        </p:spPr>
+        <p:txBody>
+          <a:bodyPr wrap="square" rtlCol="0">
+            <a:spAutoFit/>
+          </a:bodyPr>
+          <a:lstStyle/>
+          <a:p>
+            <a:pPr algn="ctr"/>
+            <a:r>
+              <a:rPr lang="en-US" altLang="zh-CN" sz="1600" dirty="0"/>
+              <a:t>Source</a:t>
+            </a:r>
+          </a:p>
+          <a:p>
+            <a:pPr algn="ctr"/>
+            <a:r>
+              <a:rPr lang="en-US" altLang="zh-CN" sz="1600" dirty="0"/>
+              <a:t>Code</a:t>
+            </a:r>
+            <a:endParaRPr lang="zh-CN" altLang="en-US" sz="1600" dirty="0"/>
+          </a:p>
+        </p:txBody>
+      </p:sp>
+      <p:sp>
+        <p:nvSpPr>
+          <p:cNvPr id="13" name="文本框 12">
+            <a:extLst>
+              <a:ext uri="{FF2B5EF4-FFF2-40B4-BE49-F238E27FC236}">
+                <a16:creationId xmlns:a16="http://schemas.microsoft.com/office/drawing/2014/main" id="{689F6A5C-8D44-0A68-FDBA-4707833D8CC4}"/>
+              </a:ext>
+            </a:extLst>
+          </p:cNvPr>
+          <p:cNvSpPr txBox="1"/>
+          <p:nvPr/>
+        </p:nvSpPr>
+        <p:spPr>
+          <a:xfrm>
+            <a:off x="5867400" y="2426494"/>
+            <a:ext cx="440531" cy="169277"/>
+          </a:xfrm>
+          <a:prstGeom prst="rect">
+            <a:avLst/>
+          </a:prstGeom>
+          <a:solidFill>
+            <a:schemeClr val="bg1"/>
+          </a:solidFill>
+        </p:spPr>
+        <p:txBody>
+          <a:bodyPr wrap="square" rtlCol="0">
+            <a:spAutoFit/>
+          </a:bodyPr>
+          <a:lstStyle/>
+          <a:p>
+            <a:endParaRPr lang="zh-CN" altLang="en-US" sz="500" dirty="0"/>
+          </a:p>
+        </p:txBody>
+      </p:sp>
+      <p:sp>
+        <p:nvSpPr>
+          <p:cNvPr id="14" name="文本框 13">
+            <a:extLst>
+              <a:ext uri="{FF2B5EF4-FFF2-40B4-BE49-F238E27FC236}">
+                <a16:creationId xmlns:a16="http://schemas.microsoft.com/office/drawing/2014/main" id="{4D1ECADE-4AFA-0599-EA57-D5520F39C821}"/>
+              </a:ext>
+            </a:extLst>
+          </p:cNvPr>
+          <p:cNvSpPr txBox="1"/>
+          <p:nvPr/>
+        </p:nvSpPr>
+        <p:spPr>
+          <a:xfrm>
+            <a:off x="5847812" y="2411104"/>
+            <a:ext cx="914400" cy="200055"/>
+          </a:xfrm>
+          <a:prstGeom prst="rect">
+            <a:avLst/>
+          </a:prstGeom>
+          <a:noFill/>
+        </p:spPr>
+        <p:txBody>
+          <a:bodyPr wrap="square" rtlCol="0">
+            <a:spAutoFit/>
+          </a:bodyPr>
+          <a:lstStyle/>
+          <a:p>
+            <a:r>
+              <a:rPr lang="en-US" altLang="zh-CN" sz="700" dirty="0"/>
+              <a:t>Compile</a:t>
+            </a:r>
+            <a:endParaRPr lang="zh-CN" altLang="en-US" sz="700" dirty="0"/>
+          </a:p>
+        </p:txBody>
+      </p:sp>
+      <p:sp>
+        <p:nvSpPr>
+          <p:cNvPr id="15" name="文本框 14">
+            <a:extLst>
+              <a:ext uri="{FF2B5EF4-FFF2-40B4-BE49-F238E27FC236}">
+                <a16:creationId xmlns:a16="http://schemas.microsoft.com/office/drawing/2014/main" id="{DFB60966-9920-C179-68C3-E36C89D7DAA3}"/>
+              </a:ext>
+            </a:extLst>
+          </p:cNvPr>
+          <p:cNvSpPr txBox="1"/>
+          <p:nvPr/>
+        </p:nvSpPr>
+        <p:spPr>
+          <a:xfrm>
+            <a:off x="6486525" y="2251451"/>
+            <a:ext cx="1228725" cy="523220"/>
+          </a:xfrm>
+          <a:prstGeom prst="rect">
+            <a:avLst/>
+          </a:prstGeom>
+          <a:solidFill>
+            <a:schemeClr val="bg1"/>
+          </a:solidFill>
+        </p:spPr>
+        <p:txBody>
+          <a:bodyPr wrap="square" rtlCol="0">
+            <a:spAutoFit/>
+          </a:bodyPr>
+          <a:lstStyle/>
+          <a:p>
+            <a:pPr algn="ctr"/>
+            <a:r>
+              <a:rPr lang="en-US" altLang="zh-CN" sz="1400" dirty="0"/>
+              <a:t>Debug</a:t>
+            </a:r>
+          </a:p>
+          <a:p>
+            <a:pPr algn="ctr"/>
+            <a:r>
+              <a:rPr lang="en-US" altLang="zh-CN" sz="1400" dirty="0"/>
+              <a:t>Symbol</a:t>
+            </a:r>
+            <a:endParaRPr lang="zh-CN" altLang="en-US" sz="1400" dirty="0"/>
+          </a:p>
+        </p:txBody>
+      </p:sp>
+      <p:sp>
+        <p:nvSpPr>
+          <p:cNvPr id="17" name="文本框 16">
+            <a:extLst>
+              <a:ext uri="{FF2B5EF4-FFF2-40B4-BE49-F238E27FC236}">
+                <a16:creationId xmlns:a16="http://schemas.microsoft.com/office/drawing/2014/main" id="{258EEDBF-0F07-4D2D-801A-F2BE512F126A}"/>
+              </a:ext>
+            </a:extLst>
+          </p:cNvPr>
+          <p:cNvSpPr txBox="1"/>
+          <p:nvPr/>
+        </p:nvSpPr>
+        <p:spPr>
+          <a:xfrm>
+            <a:off x="6859475" y="2981686"/>
+            <a:ext cx="455574" cy="246221"/>
+          </a:xfrm>
+          <a:prstGeom prst="rect">
+            <a:avLst/>
+          </a:prstGeom>
+          <a:solidFill>
+            <a:schemeClr val="bg1"/>
+          </a:solidFill>
+        </p:spPr>
+        <p:txBody>
+          <a:bodyPr wrap="none" rtlCol="0">
+            <a:spAutoFit/>
+          </a:bodyPr>
+          <a:lstStyle/>
+          <a:p>
+            <a:r>
+              <a:rPr lang="en-US" altLang="zh-CN" sz="1000" dirty="0"/>
+              <a:t>Load</a:t>
+            </a:r>
+            <a:endParaRPr lang="zh-CN" altLang="en-US" sz="1000" dirty="0"/>
+          </a:p>
+        </p:txBody>
+      </p:sp>
+      <p:sp>
+        <p:nvSpPr>
+          <p:cNvPr id="18" name="文本框 17">
+            <a:extLst>
+              <a:ext uri="{FF2B5EF4-FFF2-40B4-BE49-F238E27FC236}">
+                <a16:creationId xmlns:a16="http://schemas.microsoft.com/office/drawing/2014/main" id="{86C40CF0-A49E-626C-F7C4-298765CF128E}"/>
+              </a:ext>
+            </a:extLst>
+          </p:cNvPr>
+          <p:cNvSpPr txBox="1"/>
+          <p:nvPr/>
+        </p:nvSpPr>
+        <p:spPr>
+          <a:xfrm>
+            <a:off x="6745661" y="4452938"/>
+            <a:ext cx="667170" cy="261610"/>
+          </a:xfrm>
+          <a:prstGeom prst="rect">
+            <a:avLst/>
+          </a:prstGeom>
+          <a:solidFill>
+            <a:schemeClr val="bg1"/>
+          </a:solidFill>
+        </p:spPr>
+        <p:txBody>
+          <a:bodyPr wrap="none" rtlCol="0">
+            <a:spAutoFit/>
+          </a:bodyPr>
+          <a:lstStyle/>
+          <a:p>
+            <a:r>
+              <a:rPr lang="en-US" altLang="zh-CN" sz="1050" dirty="0"/>
+              <a:t>GDB/MI</a:t>
+            </a:r>
+            <a:endParaRPr lang="zh-CN" altLang="en-US" sz="1050" dirty="0"/>
+          </a:p>
+        </p:txBody>
+      </p:sp>
+      <p:sp>
+        <p:nvSpPr>
+          <p:cNvPr id="19" name="文本框 18">
+            <a:extLst>
+              <a:ext uri="{FF2B5EF4-FFF2-40B4-BE49-F238E27FC236}">
+                <a16:creationId xmlns:a16="http://schemas.microsoft.com/office/drawing/2014/main" id="{4E1E5F7D-463A-0FF7-2226-6FDF368CB869}"/>
+              </a:ext>
+            </a:extLst>
+          </p:cNvPr>
+          <p:cNvSpPr txBox="1"/>
+          <p:nvPr/>
+        </p:nvSpPr>
+        <p:spPr>
+          <a:xfrm>
+            <a:off x="6533938" y="5220028"/>
+            <a:ext cx="1106647" cy="523220"/>
+          </a:xfrm>
+          <a:prstGeom prst="rect">
+            <a:avLst/>
+          </a:prstGeom>
+          <a:solidFill>
+            <a:schemeClr val="bg1"/>
+          </a:solidFill>
+        </p:spPr>
+        <p:txBody>
+          <a:bodyPr wrap="square" rtlCol="0">
+            <a:spAutoFit/>
+          </a:bodyPr>
+          <a:lstStyle/>
+          <a:p>
+            <a:pPr algn="ctr"/>
+            <a:r>
+              <a:rPr lang="en-US" altLang="zh-CN" sz="1400" dirty="0"/>
+              <a:t>Debug</a:t>
+            </a:r>
+          </a:p>
+          <a:p>
+            <a:pPr algn="ctr"/>
+            <a:r>
+              <a:rPr lang="en-US" altLang="zh-CN" sz="1400" dirty="0"/>
+              <a:t>Adapter</a:t>
+            </a:r>
+            <a:endParaRPr lang="zh-CN" altLang="en-US" sz="1400" dirty="0"/>
+          </a:p>
+        </p:txBody>
+      </p:sp>
+      <p:sp>
+        <p:nvSpPr>
+          <p:cNvPr id="20" name="文本框 19">
+            <a:extLst>
+              <a:ext uri="{FF2B5EF4-FFF2-40B4-BE49-F238E27FC236}">
+                <a16:creationId xmlns:a16="http://schemas.microsoft.com/office/drawing/2014/main" id="{A572AC8C-F84B-526D-ADD2-895AF2284E7D}"/>
+              </a:ext>
+            </a:extLst>
+          </p:cNvPr>
+          <p:cNvSpPr txBox="1"/>
+          <p:nvPr/>
+        </p:nvSpPr>
+        <p:spPr>
+          <a:xfrm>
+            <a:off x="4957762" y="5481638"/>
+            <a:ext cx="837550" cy="276999"/>
+          </a:xfrm>
+          <a:prstGeom prst="rect">
+            <a:avLst/>
+          </a:prstGeom>
+          <a:solidFill>
+            <a:schemeClr val="bg1"/>
+          </a:solidFill>
+        </p:spPr>
+        <p:txBody>
+          <a:bodyPr wrap="square" rtlCol="0">
+            <a:spAutoFit/>
+          </a:bodyPr>
+          <a:lstStyle/>
+          <a:p>
+            <a:pPr algn="ctr"/>
+            <a:r>
+              <a:rPr lang="en-US" altLang="zh-CN" sz="1200" dirty="0"/>
+              <a:t>OS</a:t>
+            </a:r>
+            <a:endParaRPr lang="zh-CN" altLang="en-US" sz="1200" dirty="0"/>
+          </a:p>
+        </p:txBody>
+      </p:sp>
+      <p:sp>
+        <p:nvSpPr>
+          <p:cNvPr id="22" name="文本框 21">
+            <a:extLst>
+              <a:ext uri="{FF2B5EF4-FFF2-40B4-BE49-F238E27FC236}">
+                <a16:creationId xmlns:a16="http://schemas.microsoft.com/office/drawing/2014/main" id="{CED3D006-E5C0-81EB-32D1-CE7C7B5A2D7A}"/>
+              </a:ext>
+            </a:extLst>
+          </p:cNvPr>
+          <p:cNvSpPr txBox="1"/>
+          <p:nvPr/>
+        </p:nvSpPr>
+        <p:spPr>
+          <a:xfrm>
+            <a:off x="3217482" y="3530600"/>
+            <a:ext cx="1081468" cy="307777"/>
+          </a:xfrm>
+          <a:prstGeom prst="rect">
+            <a:avLst/>
+          </a:prstGeom>
+          <a:solidFill>
+            <a:schemeClr val="bg1"/>
+          </a:solidFill>
+        </p:spPr>
+        <p:txBody>
+          <a:bodyPr wrap="square" rtlCol="0">
+            <a:spAutoFit/>
+          </a:bodyPr>
+          <a:lstStyle/>
+          <a:p>
+            <a:pPr algn="ctr"/>
+            <a:r>
+              <a:rPr lang="en-US" altLang="zh-CN" sz="1400" dirty="0" err="1"/>
+              <a:t>GDBServer</a:t>
+            </a:r>
+            <a:endParaRPr lang="zh-CN" altLang="en-US" sz="1400" dirty="0"/>
+          </a:p>
+        </p:txBody>
+      </p:sp>
+      <p:sp>
+        <p:nvSpPr>
+          <p:cNvPr id="24" name="文本框 23">
+            <a:extLst>
+              <a:ext uri="{FF2B5EF4-FFF2-40B4-BE49-F238E27FC236}">
+                <a16:creationId xmlns:a16="http://schemas.microsoft.com/office/drawing/2014/main" id="{562927A0-D3BF-8F40-C5B4-A455AE265803}"/>
+              </a:ext>
+            </a:extLst>
+          </p:cNvPr>
+          <p:cNvSpPr txBox="1"/>
+          <p:nvPr/>
+        </p:nvSpPr>
+        <p:spPr>
+          <a:xfrm>
+            <a:off x="4610855" y="4237494"/>
+            <a:ext cx="835485" cy="430887"/>
+          </a:xfrm>
+          <a:prstGeom prst="rect">
+            <a:avLst/>
+          </a:prstGeom>
+          <a:solidFill>
+            <a:schemeClr val="bg1"/>
+          </a:solidFill>
+        </p:spPr>
+        <p:txBody>
+          <a:bodyPr wrap="none" rtlCol="0">
+            <a:spAutoFit/>
+          </a:bodyPr>
+          <a:lstStyle/>
+          <a:p>
+            <a:pPr algn="ctr"/>
+            <a:r>
+              <a:rPr lang="en-US" altLang="zh-CN" sz="1100" dirty="0" err="1"/>
+              <a:t>eBPF</a:t>
+            </a:r>
+            <a:endParaRPr lang="en-US" altLang="zh-CN" sz="1100" dirty="0"/>
+          </a:p>
+          <a:p>
+            <a:pPr algn="ctr"/>
+            <a:r>
+              <a:rPr lang="en-US" altLang="zh-CN" sz="1100" dirty="0" err="1"/>
+              <a:t>GDBServer</a:t>
+            </a:r>
+            <a:endParaRPr lang="zh-CN" altLang="en-US" sz="1100" dirty="0"/>
+          </a:p>
+        </p:txBody>
+      </p:sp>
+      <p:sp>
+        <p:nvSpPr>
+          <p:cNvPr id="25" name="文本框 24">
+            <a:extLst>
+              <a:ext uri="{FF2B5EF4-FFF2-40B4-BE49-F238E27FC236}">
+                <a16:creationId xmlns:a16="http://schemas.microsoft.com/office/drawing/2014/main" id="{F1E06C47-68B1-DFA2-BF8B-3A90C663FEBE}"/>
+              </a:ext>
+            </a:extLst>
+          </p:cNvPr>
+          <p:cNvSpPr txBox="1"/>
+          <p:nvPr/>
+        </p:nvSpPr>
+        <p:spPr>
+          <a:xfrm>
+            <a:off x="3248038" y="5235418"/>
+            <a:ext cx="1025012" cy="461665"/>
+          </a:xfrm>
+          <a:prstGeom prst="rect">
+            <a:avLst/>
+          </a:prstGeom>
+          <a:solidFill>
+            <a:schemeClr val="bg1"/>
+          </a:solidFill>
+        </p:spPr>
+        <p:txBody>
+          <a:bodyPr wrap="square" rtlCol="0">
+            <a:spAutoFit/>
+          </a:bodyPr>
+          <a:lstStyle/>
+          <a:p>
+            <a:pPr algn="ctr"/>
+            <a:r>
+              <a:rPr lang="en-US" altLang="zh-CN" sz="1200" dirty="0"/>
+              <a:t>QEMU/</a:t>
+            </a:r>
+          </a:p>
+          <a:p>
+            <a:pPr algn="ctr"/>
+            <a:r>
+              <a:rPr lang="en-US" altLang="zh-CN" sz="1200" dirty="0" err="1"/>
+              <a:t>OpenOCD</a:t>
+            </a:r>
+            <a:endParaRPr lang="zh-CN" altLang="en-US" sz="1200" dirty="0"/>
+          </a:p>
+        </p:txBody>
+      </p:sp>
+      <p:sp>
+        <p:nvSpPr>
+          <p:cNvPr id="26" name="文本框 25">
+            <a:extLst>
+              <a:ext uri="{FF2B5EF4-FFF2-40B4-BE49-F238E27FC236}">
+                <a16:creationId xmlns:a16="http://schemas.microsoft.com/office/drawing/2014/main" id="{A116E219-6E83-CDA5-5219-D6486B3A0E45}"/>
+              </a:ext>
+            </a:extLst>
+          </p:cNvPr>
+          <p:cNvSpPr txBox="1"/>
+          <p:nvPr/>
+        </p:nvSpPr>
+        <p:spPr>
+          <a:xfrm>
+            <a:off x="8064697" y="5296436"/>
+            <a:ext cx="629028" cy="370404"/>
+          </a:xfrm>
+          <a:prstGeom prst="rect">
+            <a:avLst/>
+          </a:prstGeom>
+          <a:solidFill>
+            <a:schemeClr val="bg1"/>
+          </a:solidFill>
+        </p:spPr>
+        <p:txBody>
+          <a:bodyPr wrap="square" rtlCol="0">
+            <a:spAutoFit/>
+          </a:bodyPr>
+          <a:lstStyle/>
+          <a:p>
+            <a:r>
+              <a:rPr lang="en-US" altLang="zh-CN" dirty="0"/>
+              <a:t>DAP</a:t>
+            </a:r>
+            <a:endParaRPr lang="zh-CN" altLang="en-US" dirty="0"/>
+          </a:p>
+        </p:txBody>
+      </p:sp>
+      <p:sp>
+        <p:nvSpPr>
+          <p:cNvPr id="28" name="文本框 27">
+            <a:extLst>
+              <a:ext uri="{FF2B5EF4-FFF2-40B4-BE49-F238E27FC236}">
+                <a16:creationId xmlns:a16="http://schemas.microsoft.com/office/drawing/2014/main" id="{520B3A29-17B8-21D2-1ECE-0391E6C481D9}"/>
+              </a:ext>
+            </a:extLst>
+          </p:cNvPr>
+          <p:cNvSpPr txBox="1"/>
+          <p:nvPr/>
+        </p:nvSpPr>
+        <p:spPr>
+          <a:xfrm>
+            <a:off x="9204177" y="2220673"/>
+            <a:ext cx="1178228" cy="523220"/>
+          </a:xfrm>
+          <a:prstGeom prst="rect">
+            <a:avLst/>
+          </a:prstGeom>
+          <a:solidFill>
+            <a:schemeClr val="bg1"/>
+          </a:solidFill>
+        </p:spPr>
+        <p:txBody>
+          <a:bodyPr wrap="square" rtlCol="0">
+            <a:spAutoFit/>
+          </a:bodyPr>
+          <a:lstStyle/>
+          <a:p>
+            <a:pPr algn="ctr"/>
+            <a:r>
+              <a:rPr lang="en-US" altLang="zh-CN" sz="1400" dirty="0" err="1"/>
+              <a:t>VSCode</a:t>
+            </a:r>
+            <a:endParaRPr lang="en-US" altLang="zh-CN" sz="1400" dirty="0"/>
+          </a:p>
+          <a:p>
+            <a:pPr algn="ctr"/>
+            <a:r>
+              <a:rPr lang="en-US" altLang="zh-CN" sz="1400" dirty="0"/>
+              <a:t>Debug UI</a:t>
+            </a:r>
+            <a:endParaRPr lang="zh-CN" altLang="en-US" sz="1400" dirty="0"/>
+          </a:p>
+        </p:txBody>
+      </p:sp>
+      <p:sp>
+        <p:nvSpPr>
+          <p:cNvPr id="29" name="文本框 28">
+            <a:extLst>
+              <a:ext uri="{FF2B5EF4-FFF2-40B4-BE49-F238E27FC236}">
+                <a16:creationId xmlns:a16="http://schemas.microsoft.com/office/drawing/2014/main" id="{40B9A6AE-0D8D-09CA-7117-A0A9E0E1B439}"/>
+              </a:ext>
+            </a:extLst>
+          </p:cNvPr>
+          <p:cNvSpPr txBox="1"/>
+          <p:nvPr/>
+        </p:nvSpPr>
+        <p:spPr>
+          <a:xfrm>
+            <a:off x="10565618" y="3632210"/>
+            <a:ext cx="1175532" cy="526633"/>
+          </a:xfrm>
+          <a:prstGeom prst="rect">
+            <a:avLst/>
+          </a:prstGeom>
+          <a:solidFill>
+            <a:schemeClr val="bg1"/>
+          </a:solidFill>
+        </p:spPr>
+        <p:txBody>
+          <a:bodyPr wrap="square" rtlCol="0">
+            <a:spAutoFit/>
+          </a:bodyPr>
+          <a:lstStyle/>
+          <a:p>
+            <a:pPr algn="ctr"/>
+            <a:r>
+              <a:rPr lang="en-US" altLang="zh-CN" sz="1400" dirty="0" err="1"/>
+              <a:t>VSCode</a:t>
+            </a:r>
+            <a:endParaRPr lang="en-US" altLang="zh-CN" sz="1400" dirty="0"/>
+          </a:p>
+          <a:p>
+            <a:pPr algn="ctr"/>
+            <a:r>
+              <a:rPr lang="en-US" altLang="zh-CN" sz="1400" dirty="0"/>
+              <a:t>WebView</a:t>
+            </a:r>
+            <a:endParaRPr lang="zh-CN" altLang="en-US" sz="1400" dirty="0"/>
+          </a:p>
+        </p:txBody>
+      </p:sp>
+      <p:sp>
+        <p:nvSpPr>
+          <p:cNvPr id="30" name="文本框 29">
+            <a:extLst>
+              <a:ext uri="{FF2B5EF4-FFF2-40B4-BE49-F238E27FC236}">
+                <a16:creationId xmlns:a16="http://schemas.microsoft.com/office/drawing/2014/main" id="{A71E5CED-D217-482C-83F7-655EE91657EC}"/>
+              </a:ext>
+            </a:extLst>
+          </p:cNvPr>
+          <p:cNvSpPr txBox="1"/>
+          <p:nvPr/>
+        </p:nvSpPr>
+        <p:spPr>
+          <a:xfrm>
+            <a:off x="9065554" y="5235417"/>
+            <a:ext cx="1348446" cy="523220"/>
+          </a:xfrm>
+          <a:prstGeom prst="rect">
+            <a:avLst/>
+          </a:prstGeom>
+          <a:solidFill>
+            <a:schemeClr val="bg1"/>
+          </a:solidFill>
+        </p:spPr>
+        <p:txBody>
+          <a:bodyPr wrap="none" rtlCol="0">
+            <a:spAutoFit/>
+          </a:bodyPr>
+          <a:lstStyle/>
+          <a:p>
+            <a:pPr algn="ctr"/>
+            <a:r>
+              <a:rPr lang="en-US" altLang="zh-CN" sz="1400" dirty="0" err="1"/>
+              <a:t>VSCode</a:t>
+            </a:r>
+            <a:endParaRPr lang="en-US" altLang="zh-CN" sz="1400" dirty="0"/>
+          </a:p>
+          <a:p>
+            <a:pPr algn="ctr"/>
+            <a:r>
+              <a:rPr lang="en-US" altLang="zh-CN" sz="1400" dirty="0"/>
+              <a:t>Debug Module</a:t>
+            </a:r>
+            <a:endParaRPr lang="zh-CN" altLang="en-US" sz="1400" dirty="0"/>
+          </a:p>
+        </p:txBody>
+      </p:sp>
+      <p:sp>
+        <p:nvSpPr>
+          <p:cNvPr id="32" name="文本框 31">
+            <a:extLst>
+              <a:ext uri="{FF2B5EF4-FFF2-40B4-BE49-F238E27FC236}">
+                <a16:creationId xmlns:a16="http://schemas.microsoft.com/office/drawing/2014/main" id="{C2C1C648-4E15-2AA1-B823-53398CC42948}"/>
+              </a:ext>
+            </a:extLst>
+          </p:cNvPr>
+          <p:cNvSpPr txBox="1"/>
+          <p:nvPr/>
+        </p:nvSpPr>
+        <p:spPr>
+          <a:xfrm>
+            <a:off x="9578007" y="1382716"/>
+            <a:ext cx="1975221" cy="369332"/>
+          </a:xfrm>
+          <a:prstGeom prst="rect">
+            <a:avLst/>
+          </a:prstGeom>
+          <a:solidFill>
+            <a:schemeClr val="bg1"/>
+          </a:solidFill>
+        </p:spPr>
+        <p:txBody>
+          <a:bodyPr wrap="none" rtlCol="0">
+            <a:spAutoFit/>
+          </a:bodyPr>
+          <a:lstStyle/>
+          <a:p>
+            <a:r>
+              <a:rPr lang="en-US" altLang="zh-CN" dirty="0" err="1"/>
+              <a:t>VSCode</a:t>
+            </a:r>
+            <a:r>
+              <a:rPr lang="en-US" altLang="zh-CN" dirty="0"/>
+              <a:t> Extension</a:t>
+            </a:r>
+            <a:endParaRPr lang="zh-CN" altLang="en-US" dirty="0"/>
           </a:p>
         </p:txBody>
       </p:sp>
@@ -14627,7 +16481,7 @@
                             </p:stCondLst>
                             <p:childTnLst>
                               <p:par>
-                                <p:cTn id="5" presetID="2" presetClass="entr" presetSubtype="4" fill="hold" nodeType="clickEffect">
+                                <p:cTn id="5" presetID="2" presetClass="entr" presetSubtype="4" fill="hold" grpId="0" nodeType="clickEffect">
                                   <p:stCondLst>
                                     <p:cond delay="0"/>
                                   </p:stCondLst>
@@ -14635,97 +16489,6 @@
                                     <p:set>
                                       <p:cBhvr>
                                         <p:cTn id="6" dur="1" fill="hold">
-                                          <p:stCondLst>
-                                            <p:cond delay="0"/>
-                                          </p:stCondLst>
-                                        </p:cTn>
-                                        <p:tgtEl>
-                                          <p:spTgt spid="8"/>
-                                        </p:tgtEl>
-                                        <p:attrNameLst>
-                                          <p:attrName>style.visibility</p:attrName>
-                                        </p:attrNameLst>
-                                      </p:cBhvr>
-                                      <p:to>
-                                        <p:strVal val="visible"/>
-                                      </p:to>
-                                    </p:set>
-                                    <p:anim calcmode="lin" valueType="num">
-                                      <p:cBhvr additive="base">
-                                        <p:cTn id="7" dur="500" fill="hold"/>
-                                        <p:tgtEl>
-                                          <p:spTgt spid="8"/>
-                                        </p:tgtEl>
-                                        <p:attrNameLst>
-                                          <p:attrName>ppt_x</p:attrName>
-                                        </p:attrNameLst>
-                                      </p:cBhvr>
-                                      <p:tavLst>
-                                        <p:tav tm="0">
-                                          <p:val>
-                                            <p:strVal val="#ppt_x"/>
-                                          </p:val>
-                                        </p:tav>
-                                        <p:tav tm="100000">
-                                          <p:val>
-                                            <p:strVal val="#ppt_x"/>
-                                          </p:val>
-                                        </p:tav>
-                                      </p:tavLst>
-                                    </p:anim>
-                                    <p:anim calcmode="lin" valueType="num">
-                                      <p:cBhvr additive="base">
-                                        <p:cTn id="8" dur="500" fill="hold"/>
-                                        <p:tgtEl>
-                                          <p:spTgt spid="8"/>
-                                        </p:tgtEl>
-                                        <p:attrNameLst>
-                                          <p:attrName>ppt_y</p:attrName>
-                                        </p:attrNameLst>
-                                      </p:cBhvr>
-                                      <p:tavLst>
-                                        <p:tav tm="0">
-                                          <p:val>
-                                            <p:strVal val="1+#ppt_h/2"/>
-                                          </p:val>
-                                        </p:tav>
-                                        <p:tav tm="100000">
-                                          <p:val>
-                                            <p:strVal val="#ppt_y"/>
-                                          </p:val>
-                                        </p:tav>
-                                      </p:tavLst>
-                                    </p:anim>
-                                  </p:childTnLst>
-                                </p:cTn>
-                              </p:par>
-                            </p:childTnLst>
-                          </p:cTn>
-                        </p:par>
-                      </p:childTnLst>
-                    </p:cTn>
-                  </p:par>
-                  <p:par>
-                    <p:cTn id="9" fill="hold">
-                      <p:stCondLst>
-                        <p:cond delay="indefinite"/>
-                      </p:stCondLst>
-                      <p:childTnLst>
-                        <p:par>
-                          <p:cTn id="10" fill="hold">
-                            <p:stCondLst>
-                              <p:cond delay="0"/>
-                            </p:stCondLst>
-                            <p:childTnLst>
-                              <p:par>
-                                <p:cTn id="11" presetID="2" presetClass="entr" presetSubtype="4" fill="hold" grpId="0" nodeType="clickEffect">
-                                  <p:stCondLst>
-                                    <p:cond delay="0"/>
-                                  </p:stCondLst>
-                                  <p:childTnLst>
-                                    <p:set>
-                                      <p:cBhvr>
-                                        <p:cTn id="12" dur="1" fill="hold">
                                           <p:stCondLst>
                                             <p:cond delay="0"/>
                                           </p:stCondLst>
@@ -14743,7 +16506,7 @@
                                     </p:set>
                                     <p:anim calcmode="lin" valueType="num">
                                       <p:cBhvr additive="base">
-                                        <p:cTn id="13" dur="500" fill="hold"/>
+                                        <p:cTn id="7" dur="500" fill="hold"/>
                                         <p:tgtEl>
                                           <p:spTgt spid="31"/>
                                         </p:tgtEl>
@@ -14766,7 +16529,7 @@
                                     </p:anim>
                                     <p:anim calcmode="lin" valueType="num">
                                       <p:cBhvr additive="base">
-                                        <p:cTn id="14" dur="500" fill="hold"/>
+                                        <p:cTn id="8" dur="500" fill="hold"/>
                                         <p:tgtEl>
                                           <p:spTgt spid="31"/>
                                         </p:tgtEl>
@@ -14862,7 +16625,7 @@
         </p:blipFill>
         <p:spPr>
           <a:xfrm>
-            <a:off x="156824" y="2435551"/>
+            <a:off x="156825" y="2716357"/>
             <a:ext cx="11921709" cy="3909213"/>
           </a:xfrm>
           <a:prstGeom prst="rect">
@@ -15465,7 +17228,7 @@
                 <a:latin typeface="微软雅黑" panose="020B0503020204020204" pitchFamily="34" charset="-122"/>
                 <a:ea typeface="微软雅黑" panose="020B0503020204020204" pitchFamily="34" charset="-122"/>
               </a:rPr>
-              <a:t>Application Cases</a:t>
+              <a:t>Application</a:t>
             </a:r>
             <a:endParaRPr lang="zh-CN" altLang="en-US" sz="1600" dirty="0">
               <a:latin typeface="微软雅黑" panose="020B0503020204020204" pitchFamily="34" charset="-122"/>
@@ -15872,6 +17635,283 @@
               <a:latin typeface="微软雅黑" panose="020B0503020204020204" pitchFamily="34" charset="-122"/>
               <a:ea typeface="微软雅黑" panose="020B0503020204020204" pitchFamily="34" charset="-122"/>
             </a:endParaRPr>
+          </a:p>
+        </p:txBody>
+      </p:sp>
+      <p:sp>
+        <p:nvSpPr>
+          <p:cNvPr id="11" name="文本框 10">
+            <a:extLst>
+              <a:ext uri="{FF2B5EF4-FFF2-40B4-BE49-F238E27FC236}">
+                <a16:creationId xmlns:a16="http://schemas.microsoft.com/office/drawing/2014/main" id="{A6FA8CE9-CF88-2FEB-C778-F8A3930AEDEE}"/>
+              </a:ext>
+            </a:extLst>
+          </p:cNvPr>
+          <p:cNvSpPr txBox="1"/>
+          <p:nvPr/>
+        </p:nvSpPr>
+        <p:spPr>
+          <a:xfrm>
+            <a:off x="1821180" y="4260947"/>
+            <a:ext cx="752435" cy="738664"/>
+          </a:xfrm>
+          <a:prstGeom prst="rect">
+            <a:avLst/>
+          </a:prstGeom>
+          <a:solidFill>
+            <a:schemeClr val="bg1"/>
+          </a:solidFill>
+        </p:spPr>
+        <p:txBody>
+          <a:bodyPr wrap="square" rtlCol="0">
+            <a:spAutoFit/>
+          </a:bodyPr>
+          <a:lstStyle/>
+          <a:p>
+            <a:pPr algn="ctr"/>
+            <a:r>
+              <a:rPr lang="en-US" altLang="zh-CN" sz="1400" dirty="0"/>
+              <a:t>DAP</a:t>
+            </a:r>
+          </a:p>
+          <a:p>
+            <a:pPr algn="ctr"/>
+            <a:r>
+              <a:rPr lang="en-US" altLang="zh-CN" sz="1400" dirty="0"/>
+              <a:t>over</a:t>
+            </a:r>
+          </a:p>
+          <a:p>
+            <a:pPr algn="ctr"/>
+            <a:r>
+              <a:rPr lang="en-US" altLang="zh-CN" sz="1400" dirty="0"/>
+              <a:t>TCP</a:t>
+            </a:r>
+            <a:endParaRPr lang="zh-CN" altLang="en-US" sz="1400" dirty="0"/>
+          </a:p>
+        </p:txBody>
+      </p:sp>
+      <p:sp>
+        <p:nvSpPr>
+          <p:cNvPr id="12" name="文本框 11">
+            <a:extLst>
+              <a:ext uri="{FF2B5EF4-FFF2-40B4-BE49-F238E27FC236}">
+                <a16:creationId xmlns:a16="http://schemas.microsoft.com/office/drawing/2014/main" id="{35FEA544-D2AB-5F81-A6EA-9AC36C0CB2EA}"/>
+              </a:ext>
+            </a:extLst>
+          </p:cNvPr>
+          <p:cNvSpPr txBox="1"/>
+          <p:nvPr/>
+        </p:nvSpPr>
+        <p:spPr>
+          <a:xfrm>
+            <a:off x="4237970" y="4260947"/>
+            <a:ext cx="943630" cy="738664"/>
+          </a:xfrm>
+          <a:prstGeom prst="rect">
+            <a:avLst/>
+          </a:prstGeom>
+          <a:solidFill>
+            <a:schemeClr val="bg1"/>
+          </a:solidFill>
+        </p:spPr>
+        <p:txBody>
+          <a:bodyPr wrap="square" rtlCol="0">
+            <a:spAutoFit/>
+          </a:bodyPr>
+          <a:lstStyle/>
+          <a:p>
+            <a:pPr algn="ctr"/>
+            <a:r>
+              <a:rPr lang="en-US" altLang="zh-CN" sz="1400" dirty="0"/>
+              <a:t>GDB/MI</a:t>
+            </a:r>
+          </a:p>
+          <a:p>
+            <a:pPr algn="ctr"/>
+            <a:r>
+              <a:rPr lang="en-US" altLang="zh-CN" sz="1400" dirty="0"/>
+              <a:t>over</a:t>
+            </a:r>
+          </a:p>
+          <a:p>
+            <a:pPr algn="ctr"/>
+            <a:r>
+              <a:rPr lang="en-US" altLang="zh-CN" sz="1400" dirty="0"/>
+              <a:t>TCP</a:t>
+            </a:r>
+            <a:endParaRPr lang="zh-CN" altLang="en-US" sz="1400" dirty="0"/>
+          </a:p>
+        </p:txBody>
+      </p:sp>
+      <p:sp>
+        <p:nvSpPr>
+          <p:cNvPr id="13" name="文本框 12">
+            <a:extLst>
+              <a:ext uri="{FF2B5EF4-FFF2-40B4-BE49-F238E27FC236}">
+                <a16:creationId xmlns:a16="http://schemas.microsoft.com/office/drawing/2014/main" id="{EBA19561-4F3E-CF60-1710-1B25BD683833}"/>
+              </a:ext>
+            </a:extLst>
+          </p:cNvPr>
+          <p:cNvSpPr txBox="1"/>
+          <p:nvPr/>
+        </p:nvSpPr>
+        <p:spPr>
+          <a:xfrm>
+            <a:off x="6724650" y="4999611"/>
+            <a:ext cx="1289050" cy="584775"/>
+          </a:xfrm>
+          <a:prstGeom prst="rect">
+            <a:avLst/>
+          </a:prstGeom>
+          <a:solidFill>
+            <a:schemeClr val="bg1"/>
+          </a:solidFill>
+        </p:spPr>
+        <p:txBody>
+          <a:bodyPr wrap="square" rtlCol="0">
+            <a:spAutoFit/>
+          </a:bodyPr>
+          <a:lstStyle/>
+          <a:p>
+            <a:pPr algn="ctr"/>
+            <a:r>
+              <a:rPr lang="en-US" altLang="zh-CN" sz="1600" dirty="0"/>
+              <a:t>Python</a:t>
+            </a:r>
+          </a:p>
+          <a:p>
+            <a:pPr algn="ctr"/>
+            <a:r>
+              <a:rPr lang="en-US" altLang="zh-CN" sz="1600" dirty="0"/>
+              <a:t>script</a:t>
+            </a:r>
+            <a:endParaRPr lang="zh-CN" altLang="en-US" sz="1600" dirty="0"/>
+          </a:p>
+        </p:txBody>
+      </p:sp>
+      <p:sp>
+        <p:nvSpPr>
+          <p:cNvPr id="14" name="文本框 13">
+            <a:extLst>
+              <a:ext uri="{FF2B5EF4-FFF2-40B4-BE49-F238E27FC236}">
+                <a16:creationId xmlns:a16="http://schemas.microsoft.com/office/drawing/2014/main" id="{C870F53C-AED0-D281-DB8E-E18583877F1E}"/>
+              </a:ext>
+            </a:extLst>
+          </p:cNvPr>
+          <p:cNvSpPr txBox="1"/>
+          <p:nvPr/>
+        </p:nvSpPr>
+        <p:spPr>
+          <a:xfrm>
+            <a:off x="8135262" y="5695037"/>
+            <a:ext cx="1351638" cy="652325"/>
+          </a:xfrm>
+          <a:prstGeom prst="rect">
+            <a:avLst/>
+          </a:prstGeom>
+          <a:solidFill>
+            <a:schemeClr val="bg1"/>
+          </a:solidFill>
+        </p:spPr>
+        <p:txBody>
+          <a:bodyPr wrap="square" rtlCol="0">
+            <a:spAutoFit/>
+          </a:bodyPr>
+          <a:lstStyle/>
+          <a:p>
+            <a:pPr algn="ctr"/>
+            <a:r>
+              <a:rPr lang="en-US" altLang="zh-CN" dirty="0" err="1"/>
+              <a:t>eBPF</a:t>
+            </a:r>
+            <a:endParaRPr lang="en-US" altLang="zh-CN" dirty="0"/>
+          </a:p>
+          <a:p>
+            <a:pPr algn="ctr"/>
+            <a:r>
+              <a:rPr lang="en-US" altLang="zh-CN" dirty="0" err="1"/>
+              <a:t>GDBServer</a:t>
+            </a:r>
+            <a:endParaRPr lang="zh-CN" altLang="en-US" dirty="0"/>
+          </a:p>
+        </p:txBody>
+      </p:sp>
+      <p:sp>
+        <p:nvSpPr>
+          <p:cNvPr id="15" name="文本框 14">
+            <a:extLst>
+              <a:ext uri="{FF2B5EF4-FFF2-40B4-BE49-F238E27FC236}">
+                <a16:creationId xmlns:a16="http://schemas.microsoft.com/office/drawing/2014/main" id="{0991084A-D6A1-5C4F-BA5F-87146EB3D5B4}"/>
+              </a:ext>
+            </a:extLst>
+          </p:cNvPr>
+          <p:cNvSpPr txBox="1"/>
+          <p:nvPr/>
+        </p:nvSpPr>
+        <p:spPr>
+          <a:xfrm>
+            <a:off x="9578956" y="5325705"/>
+            <a:ext cx="1457450" cy="369332"/>
+          </a:xfrm>
+          <a:prstGeom prst="rect">
+            <a:avLst/>
+          </a:prstGeom>
+          <a:solidFill>
+            <a:schemeClr val="bg1"/>
+          </a:solidFill>
+        </p:spPr>
+        <p:txBody>
+          <a:bodyPr wrap="none" rtlCol="0">
+            <a:spAutoFit/>
+          </a:bodyPr>
+          <a:lstStyle/>
+          <a:p>
+            <a:pPr algn="ctr"/>
+            <a:r>
+              <a:rPr lang="en-US" altLang="zh-CN" dirty="0"/>
+              <a:t>RSP on serial</a:t>
+            </a:r>
+            <a:endParaRPr lang="zh-CN" altLang="en-US" dirty="0"/>
+          </a:p>
+        </p:txBody>
+      </p:sp>
+      <p:sp>
+        <p:nvSpPr>
+          <p:cNvPr id="17" name="文本框 16">
+            <a:extLst>
+              <a:ext uri="{FF2B5EF4-FFF2-40B4-BE49-F238E27FC236}">
+                <a16:creationId xmlns:a16="http://schemas.microsoft.com/office/drawing/2014/main" id="{C1E792F6-C10D-C0C4-3D7A-82445181E6EF}"/>
+              </a:ext>
+            </a:extLst>
+          </p:cNvPr>
+          <p:cNvSpPr txBox="1"/>
+          <p:nvPr/>
+        </p:nvSpPr>
+        <p:spPr>
+          <a:xfrm>
+            <a:off x="10991956" y="3088481"/>
+            <a:ext cx="745225" cy="253916"/>
+          </a:xfrm>
+          <a:prstGeom prst="rect">
+            <a:avLst/>
+          </a:prstGeom>
+          <a:solidFill>
+            <a:schemeClr val="bg1"/>
+          </a:solidFill>
+        </p:spPr>
+        <p:txBody>
+          <a:bodyPr wrap="square" rtlCol="0">
+            <a:spAutoFit/>
+          </a:bodyPr>
+          <a:lstStyle/>
+          <a:p>
+            <a:pPr algn="ctr"/>
+            <a:r>
+              <a:rPr lang="en-US" altLang="zh-CN" sz="1050" dirty="0"/>
+              <a:t>Hardware</a:t>
+            </a:r>
+            <a:endParaRPr lang="zh-CN" altLang="en-US" sz="1050" dirty="0"/>
           </a:p>
         </p:txBody>
       </p:sp>
@@ -15984,97 +18024,6 @@
                       </p:childTnLst>
                     </p:cTn>
                   </p:par>
-                  <p:par>
-                    <p:cTn id="9" fill="hold">
-                      <p:stCondLst>
-                        <p:cond delay="indefinite"/>
-                      </p:stCondLst>
-                      <p:childTnLst>
-                        <p:par>
-                          <p:cTn id="10" fill="hold">
-                            <p:stCondLst>
-                              <p:cond delay="0"/>
-                            </p:stCondLst>
-                            <p:childTnLst>
-                              <p:par>
-                                <p:cTn id="11" presetID="2" presetClass="entr" presetSubtype="4" fill="hold" nodeType="clickEffect">
-                                  <p:stCondLst>
-                                    <p:cond delay="0"/>
-                                  </p:stCondLst>
-                                  <p:childTnLst>
-                                    <p:set>
-                                      <p:cBhvr>
-                                        <p:cTn id="12" dur="1" fill="hold">
-                                          <p:stCondLst>
-                                            <p:cond delay="0"/>
-                                          </p:stCondLst>
-                                        </p:cTn>
-                                        <p:tgtEl>
-                                          <p:spTgt spid="5"/>
-                                        </p:tgtEl>
-                                        <p:attrNameLst>
-                                          <p:attrName>style.visibility</p:attrName>
-                                        </p:attrNameLst>
-                                      </p:cBhvr>
-                                      <p:to>
-                                        <p:strVal val="visible"/>
-                                      </p:to>
-                                    </p:set>
-                                    <p:anim calcmode="lin" valueType="num">
-                                      <p:cBhvr additive="base">
-                                        <p:cTn id="13" dur="500" fill="hold"/>
-                                        <p:tgtEl>
-                                          <p:spTgt spid="5"/>
-                                        </p:tgtEl>
-                                        <p:attrNameLst>
-                                          <p:attrName>ppt_x</p:attrName>
-                                        </p:attrNameLst>
-                                      </p:cBhvr>
-                                      <p:tavLst>
-                                        <p:tav tm="0">
-                                          <p:val>
-                                            <p:strVal val="#ppt_x"/>
-                                          </p:val>
-                                        </p:tav>
-                                        <p:tav tm="100000">
-                                          <p:val>
-                                            <p:strVal val="#ppt_x"/>
-                                          </p:val>
-                                        </p:tav>
-                                      </p:tavLst>
-                                    </p:anim>
-                                    <p:anim calcmode="lin" valueType="num">
-                                      <p:cBhvr additive="base">
-                                        <p:cTn id="14" dur="500" fill="hold"/>
-                                        <p:tgtEl>
-                                          <p:spTgt spid="5"/>
-                                        </p:tgtEl>
-                                        <p:attrNameLst>
-                                          <p:attrName>ppt_y</p:attrName>
-                                        </p:attrNameLst>
-                                      </p:cBhvr>
-                                      <p:tavLst>
-                                        <p:tav tm="0">
-                                          <p:val>
-                                            <p:strVal val="1+#ppt_h/2"/>
-                                          </p:val>
-                                        </p:tav>
-                                        <p:tav tm="100000">
-                                          <p:val>
-                                            <p:strVal val="#ppt_y"/>
-                                          </p:val>
-                                        </p:tav>
-                                      </p:tavLst>
-                                    </p:anim>
-                                  </p:childTnLst>
-                                </p:cTn>
-                              </p:par>
-                            </p:childTnLst>
-                          </p:cTn>
-                        </p:par>
-                      </p:childTnLst>
-                    </p:cTn>
-                  </p:par>
                 </p:childTnLst>
               </p:cTn>
               <p:prevCondLst>
@@ -16531,7 +18480,7 @@
         <p:spPr>
           <a:xfrm>
             <a:off x="871330" y="1918531"/>
-            <a:ext cx="10449340" cy="4739759"/>
+            <a:ext cx="10449340" cy="3677930"/>
           </a:xfrm>
           <a:prstGeom prst="rect">
             <a:avLst/>
@@ -16750,7 +18699,7 @@
                 <a:ea typeface="微软雅黑" panose="020B0503020204020204" pitchFamily="34" charset="-122"/>
                 <a:cs typeface="Times New Roman" panose="02020603050405020304" pitchFamily="18" charset="0"/>
               </a:rPr>
-              <a:t>, support source-code-level tracing and debugging across kernel space and user space;</a:t>
+              <a:t>, support source-level debugging across kernel/user state;</a:t>
             </a:r>
           </a:p>
           <a:p>
@@ -16783,7 +18732,7 @@
                 <a:ea typeface="微软雅黑" panose="020B0503020204020204" pitchFamily="34" charset="-122"/>
                 <a:cs typeface="Times New Roman" panose="02020603050405020304" pitchFamily="18" charset="0"/>
               </a:rPr>
-              <a:t>breakpoint group switching, privilege level detection, </a:t>
+              <a:t>breakpoint group switching, </a:t>
             </a:r>
             <a:r>
               <a:rPr lang="en-US" altLang="zh-CN" sz="1600" dirty="0" err="1">
@@ -16805,7 +18754,7 @@
                 <a:ea typeface="微软雅黑" panose="020B0503020204020204" pitchFamily="34" charset="-122"/>
                 <a:cs typeface="Times New Roman" panose="02020603050405020304" pitchFamily="18" charset="0"/>
               </a:rPr>
-              <a:t> support, and configuration parameterization</a:t>
+              <a:t> support &amp; configuration parameterization</a:t>
             </a:r>
             <a:endParaRPr lang="zh-CN" altLang="en-US" sz="1600" dirty="0">
               <a:solidFill>
@@ -16892,7 +18841,7 @@
                 <a:ea typeface="微软雅黑" panose="020B0503020204020204" pitchFamily="34" charset="-122"/>
                 <a:cs typeface="Times New Roman" panose="02020603050405020304" pitchFamily="18" charset="0"/>
               </a:rPr>
-              <a:t>, enable performance analysis and detection across kernel and user space on development boards;</a:t>
+              <a:t>, enable performance analysis and detection across kernel and user state on development boards;</a:t>
             </a:r>
           </a:p>
           <a:p>
@@ -17013,7 +18962,7 @@
                 <a:ea typeface="微软雅黑" panose="020B0503020204020204" pitchFamily="34" charset="-122"/>
                 <a:cs typeface="Times New Roman" panose="02020603050405020304" pitchFamily="18" charset="0"/>
               </a:rPr>
-              <a:t>-Tutorial and modularizing </a:t>
+              <a:t>-Tutorial &amp; modularizing </a:t>
             </a:r>
             <a:r>
               <a:rPr lang="en-US" altLang="zh-CN" sz="1600" dirty="0" err="1">
@@ -17122,7 +19071,7 @@
                 <a:ea typeface="微软雅黑" panose="020B0503020204020204" pitchFamily="34" charset="-122"/>
                 <a:cs typeface="Times New Roman" panose="02020603050405020304" pitchFamily="18" charset="0"/>
               </a:rPr>
-              <a:t> that integrates breakpoint debugging and performance detection.</a:t>
+              <a:t> that integrates breakpoint debugging and performance analysis.</a:t>
             </a:r>
           </a:p>
           <a:p>
@@ -17199,7 +19148,7 @@
                 <a:ea typeface="微软雅黑" panose="020B0503020204020204" pitchFamily="34" charset="-122"/>
                 <a:cs typeface="Times New Roman" panose="02020603050405020304" pitchFamily="18" charset="0"/>
               </a:rPr>
-              <a:t> while supporting both </a:t>
+              <a:t> while supporting </a:t>
             </a:r>
             <a:r>
               <a:rPr lang="en-US" altLang="zh-CN" sz="1600" dirty="0" err="1">
@@ -17221,7 +19170,7 @@
                 <a:ea typeface="微软雅黑" panose="020B0503020204020204" pitchFamily="34" charset="-122"/>
                 <a:cs typeface="Times New Roman" panose="02020603050405020304" pitchFamily="18" charset="0"/>
               </a:rPr>
-              <a:t> and actual hardware</a:t>
+              <a:t> &amp; real hardware</a:t>
             </a:r>
             <a:endParaRPr lang="zh-CN" altLang="en-US" sz="1400" dirty="0">
               <a:solidFill>
@@ -17294,7 +19243,7 @@
                 <a:latin typeface="微软雅黑" panose="020B0503020204020204" pitchFamily="34" charset="-122"/>
                 <a:ea typeface="微软雅黑" panose="020B0503020204020204" pitchFamily="34" charset="-122"/>
               </a:rPr>
-              <a:t>Application Cases</a:t>
+              <a:t>Application</a:t>
             </a:r>
             <a:endParaRPr lang="zh-CN" altLang="en-US" sz="1600" dirty="0">
               <a:latin typeface="微软雅黑" panose="020B0503020204020204" pitchFamily="34" charset="-122"/>
@@ -17688,8 +19637,8 @@
         </p:nvSpPr>
         <p:spPr>
           <a:xfrm>
-            <a:off x="334169" y="1670646"/>
-            <a:ext cx="10754745" cy="1138773"/>
+            <a:off x="156825" y="2725322"/>
+            <a:ext cx="5308642" cy="2985433"/>
           </a:xfrm>
           <a:prstGeom prst="rect">
             <a:avLst/>
@@ -17726,6 +19675,54 @@
             </a:r>
           </a:p>
           <a:p>
+            <a:pPr marL="1200150" lvl="2" indent="-285750">
+              <a:spcBef>
+                <a:spcPts val="600"/>
+              </a:spcBef>
+              <a:spcAft>
+                <a:spcPts val="600"/>
+              </a:spcAft>
+              <a:buFont typeface="Wingdings" panose="05000000000000000000" pitchFamily="2" charset="2"/>
+              <a:buChar char="Ø"/>
+            </a:pPr>
+            <a:r>
+              <a:rPr lang="en-US" altLang="zh-CN" sz="1600" b="1" dirty="0">
+                <a:solidFill>
+                  <a:schemeClr val="accent1">
+                    <a:lumMod val="75000"/>
+                  </a:schemeClr>
+                </a:solidFill>
+                <a:latin typeface="微软雅黑" panose="020B0503020204020204" pitchFamily="34" charset="-122"/>
+                <a:ea typeface="微软雅黑" panose="020B0503020204020204" pitchFamily="34" charset="-122"/>
+              </a:rPr>
+              <a:t>Avoid GDB’s limitation of cross-</a:t>
+            </a:r>
+            <a:r>
+              <a:rPr lang="en-US" altLang="zh-CN" sz="1600" b="1" dirty="0" err="1">
+                <a:solidFill>
+                  <a:schemeClr val="accent1">
+                    <a:lumMod val="75000"/>
+                  </a:schemeClr>
+                </a:solidFill>
+                <a:latin typeface="微软雅黑" panose="020B0503020204020204" pitchFamily="34" charset="-122"/>
+                <a:ea typeface="微软雅黑" panose="020B0503020204020204" pitchFamily="34" charset="-122"/>
+              </a:rPr>
+              <a:t>pagetable</a:t>
+            </a:r>
+            <a:r>
+              <a:rPr lang="en-US" altLang="zh-CN" sz="1600" b="1" dirty="0">
+                <a:solidFill>
+                  <a:schemeClr val="accent1">
+                    <a:lumMod val="75000"/>
+                  </a:schemeClr>
+                </a:solidFill>
+                <a:latin typeface="微软雅黑" panose="020B0503020204020204" pitchFamily="34" charset="-122"/>
+                <a:ea typeface="微软雅黑" panose="020B0503020204020204" pitchFamily="34" charset="-122"/>
+              </a:rPr>
+              <a:t> debugging</a:t>
+            </a:r>
+          </a:p>
+          <a:p>
             <a:pPr marL="742950" lvl="1" indent="-285750">
               <a:spcBef>
                 <a:spcPts val="600"/>
@@ -17750,6 +19747,30 @@
             </a:r>
           </a:p>
           <a:p>
+            <a:pPr marL="1200150" lvl="2" indent="-285750">
+              <a:spcBef>
+                <a:spcPts val="600"/>
+              </a:spcBef>
+              <a:spcAft>
+                <a:spcPts val="600"/>
+              </a:spcAft>
+              <a:buFont typeface="Wingdings" panose="05000000000000000000" pitchFamily="2" charset="2"/>
+              <a:buChar char="Ø"/>
+            </a:pPr>
+            <a:r>
+              <a:rPr lang="en-US" altLang="zh-CN" sz="1600" b="1" dirty="0">
+                <a:solidFill>
+                  <a:schemeClr val="accent1">
+                    <a:lumMod val="75000"/>
+                  </a:schemeClr>
+                </a:solidFill>
+                <a:latin typeface="微软雅黑" panose="020B0503020204020204" pitchFamily="34" charset="-122"/>
+                <a:ea typeface="微软雅黑" panose="020B0503020204020204" pitchFamily="34" charset="-122"/>
+              </a:rPr>
+              <a:t>Enable breakpoint group switching</a:t>
+            </a:r>
+          </a:p>
+          <a:p>
             <a:pPr marL="742950" lvl="1" indent="-285750">
               <a:spcBef>
                 <a:spcPts val="600"/>
@@ -17771,6 +19792,78 @@
                 <a:ea typeface="微软雅黑" panose="020B0503020204020204" pitchFamily="34" charset="-122"/>
               </a:rPr>
               <a:t>Hook breakpoints</a:t>
+            </a:r>
+          </a:p>
+          <a:p>
+            <a:pPr marL="1200150" lvl="2" indent="-285750">
+              <a:spcBef>
+                <a:spcPts val="600"/>
+              </a:spcBef>
+              <a:spcAft>
+                <a:spcPts val="600"/>
+              </a:spcAft>
+              <a:buFont typeface="Wingdings" panose="05000000000000000000" pitchFamily="2" charset="2"/>
+              <a:buChar char="Ø"/>
+            </a:pPr>
+            <a:r>
+              <a:rPr lang="en-US" altLang="zh-CN" sz="1600" b="1" dirty="0">
+                <a:solidFill>
+                  <a:schemeClr val="accent1">
+                    <a:lumMod val="75000"/>
+                  </a:schemeClr>
+                </a:solidFill>
+                <a:latin typeface="微软雅黑" panose="020B0503020204020204" pitchFamily="34" charset="-122"/>
+                <a:ea typeface="微软雅黑" panose="020B0503020204020204" pitchFamily="34" charset="-122"/>
+              </a:rPr>
+              <a:t>Get next process name in advance;</a:t>
+            </a:r>
+          </a:p>
+          <a:p>
+            <a:pPr marL="1200150" lvl="2" indent="-285750">
+              <a:spcBef>
+                <a:spcPts val="600"/>
+              </a:spcBef>
+              <a:spcAft>
+                <a:spcPts val="600"/>
+              </a:spcAft>
+              <a:buFont typeface="Wingdings" panose="05000000000000000000" pitchFamily="2" charset="2"/>
+              <a:buChar char="Ø"/>
+            </a:pPr>
+            <a:r>
+              <a:rPr lang="en-US" altLang="zh-CN" sz="1600" b="1" dirty="0">
+                <a:solidFill>
+                  <a:schemeClr val="accent1">
+                    <a:lumMod val="75000"/>
+                  </a:schemeClr>
+                </a:solidFill>
+                <a:latin typeface="微软雅黑" panose="020B0503020204020204" pitchFamily="34" charset="-122"/>
+                <a:ea typeface="微软雅黑" panose="020B0503020204020204" pitchFamily="34" charset="-122"/>
+              </a:rPr>
+              <a:t>Vital for </a:t>
+            </a:r>
+            <a:r>
+              <a:rPr lang="en-US" altLang="zh-CN" sz="1600" b="1" dirty="0" err="1">
+                <a:solidFill>
+                  <a:schemeClr val="accent1">
+                    <a:lumMod val="75000"/>
+                  </a:schemeClr>
+                </a:solidFill>
+                <a:latin typeface="微软雅黑" panose="020B0503020204020204" pitchFamily="34" charset="-122"/>
+                <a:ea typeface="微软雅黑" panose="020B0503020204020204" pitchFamily="34" charset="-122"/>
+              </a:rPr>
+              <a:t>multiprocess</a:t>
+            </a:r>
+            <a:r>
+              <a:rPr lang="en-US" altLang="zh-CN" sz="1600" b="1" dirty="0">
+                <a:solidFill>
+                  <a:schemeClr val="accent1">
+                    <a:lumMod val="75000"/>
+                  </a:schemeClr>
+                </a:solidFill>
+                <a:latin typeface="微软雅黑" panose="020B0503020204020204" pitchFamily="34" charset="-122"/>
+                <a:ea typeface="微软雅黑" panose="020B0503020204020204" pitchFamily="34" charset="-122"/>
+              </a:rPr>
+              <a:t> debugging</a:t>
             </a:r>
           </a:p>
         </p:txBody>
@@ -17829,7 +19922,7 @@
                 <a:latin typeface="微软雅黑" panose="020B0503020204020204" pitchFamily="34" charset="-122"/>
                 <a:ea typeface="微软雅黑" panose="020B0503020204020204" pitchFamily="34" charset="-122"/>
               </a:rPr>
-              <a:t>Based on QEMU and GDB, support source-code-level tracing and debugging across kernel space and user space</a:t>
+              <a:t>Based on QEMU and GDB, support source-level debugging across kernel/user state</a:t>
             </a:r>
             <a:endParaRPr lang="zh-CN" altLang="en-US" sz="2000" b="1" kern="100" dirty="0">
               <a:solidFill>
@@ -17981,97 +20074,6 @@
               <a:t>7</a:t>
             </a:fld>
             <a:endParaRPr lang="zh-CN" altLang="en-US"/>
-          </a:p>
-        </p:txBody>
-      </p:sp>
-      <p:sp>
-        <p:nvSpPr>
-          <p:cNvPr id="25" name="文本框 24">
-            <a:extLst>
-              <a:ext uri="{FF2B5EF4-FFF2-40B4-BE49-F238E27FC236}">
-                <a16:creationId xmlns:a16="http://schemas.microsoft.com/office/drawing/2014/main" id="{3C37619B-7CEA-E583-DD9C-303CF46AB9A3}"/>
-              </a:ext>
-            </a:extLst>
-          </p:cNvPr>
-          <p:cNvSpPr txBox="1"/>
-          <p:nvPr/>
-        </p:nvSpPr>
-        <p:spPr>
-          <a:xfrm>
-            <a:off x="546979" y="3589700"/>
-            <a:ext cx="4975515" cy="2793457"/>
-          </a:xfrm>
-          <a:prstGeom prst="rect">
-            <a:avLst/>
-          </a:prstGeom>
-          <a:noFill/>
-        </p:spPr>
-        <p:txBody>
-          <a:bodyPr wrap="square">
-            <a:spAutoFit/>
-          </a:bodyPr>
-          <a:lstStyle/>
-          <a:p>
-            <a:pPr marL="360000">
-              <a:lnSpc>
-                <a:spcPct val="150000"/>
-              </a:lnSpc>
-              <a:spcBef>
-                <a:spcPts val="600"/>
-              </a:spcBef>
-              <a:spcAft>
-                <a:spcPts val="600"/>
-              </a:spcAft>
-            </a:pPr>
-            <a:r>
-              <a:rPr lang="en-US" altLang="zh-CN" sz="1400" b="1" dirty="0">
-                <a:solidFill>
-                  <a:schemeClr val="accent1">
-                    <a:lumMod val="75000"/>
-                  </a:schemeClr>
-                </a:solidFill>
-                <a:latin typeface="微软雅黑" panose="020B0503020204020204" pitchFamily="34" charset="-122"/>
-                <a:ea typeface="微软雅黑" panose="020B0503020204020204" pitchFamily="34" charset="-122"/>
-              </a:rPr>
-              <a:t>Switching the symbol table is based on the process name; therefore, it is necessary to obtain the name of the next process to be executed.</a:t>
-            </a:r>
-            <a:endParaRPr lang="en-US" altLang="zh-CN" sz="1400" b="1" dirty="0">
-              <a:solidFill>
-                <a:srgbClr val="FF0000"/>
-              </a:solidFill>
-              <a:latin typeface="微软雅黑" panose="020B0503020204020204" pitchFamily="34" charset="-122"/>
-              <a:ea typeface="微软雅黑" panose="020B0503020204020204" pitchFamily="34" charset="-122"/>
-            </a:endParaRPr>
-          </a:p>
-          <a:p>
-            <a:pPr marL="360000">
-              <a:lnSpc>
-                <a:spcPct val="150000"/>
-              </a:lnSpc>
-              <a:spcBef>
-                <a:spcPts val="600"/>
-              </a:spcBef>
-              <a:spcAft>
-                <a:spcPts val="600"/>
-              </a:spcAft>
-            </a:pPr>
-            <a:r>
-              <a:rPr lang="en-US" altLang="zh-CN" sz="1400" b="1" dirty="0">
-                <a:solidFill>
-                  <a:srgbClr val="FF0000"/>
-                </a:solidFill>
-                <a:latin typeface="微软雅黑" panose="020B0503020204020204" pitchFamily="34" charset="-122"/>
-                <a:ea typeface="微软雅黑" panose="020B0503020204020204" pitchFamily="34" charset="-122"/>
-              </a:rPr>
-              <a:t>A hook breakpoint is set before the privilege level switch, and after stepping over, both the symbol table and breakpoints are switched, thereby circumventing GDB’s single address space limitation.</a:t>
-            </a:r>
-            <a:endParaRPr lang="zh-CN" altLang="en-US" sz="1400" b="1" dirty="0">
-              <a:solidFill>
-                <a:srgbClr val="FF0000"/>
-              </a:solidFill>
-              <a:latin typeface="微软雅黑" panose="020B0503020204020204" pitchFamily="34" charset="-122"/>
-              <a:ea typeface="微软雅黑" panose="020B0503020204020204" pitchFamily="34" charset="-122"/>
-            </a:endParaRPr>
           </a:p>
         </p:txBody>
       </p:sp>
@@ -18320,7 +20322,7 @@
         </p:nvSpPr>
         <p:spPr>
           <a:xfrm>
-            <a:off x="334169" y="2884373"/>
+            <a:off x="334169" y="1841300"/>
             <a:ext cx="5308642" cy="458908"/>
           </a:xfrm>
           <a:prstGeom prst="rect">
@@ -18386,8 +20388,8 @@
         </p:blipFill>
         <p:spPr bwMode="auto">
           <a:xfrm>
-            <a:off x="6096000" y="2771148"/>
-            <a:ext cx="4626227" cy="3896538"/>
+            <a:off x="5570203" y="1523388"/>
+            <a:ext cx="5846287" cy="4924160"/>
           </a:xfrm>
           <a:prstGeom prst="rect">
             <a:avLst/>
@@ -18477,7 +20479,7 @@
                 <a:latin typeface="微软雅黑" panose="020B0503020204020204" pitchFamily="34" charset="-122"/>
                 <a:ea typeface="微软雅黑" panose="020B0503020204020204" pitchFamily="34" charset="-122"/>
               </a:rPr>
-              <a:t>Application Cases</a:t>
+              <a:t>Application</a:t>
             </a:r>
             <a:endParaRPr lang="zh-CN" altLang="en-US" sz="1600" dirty="0">
               <a:latin typeface="微软雅黑" panose="020B0503020204020204" pitchFamily="34" charset="-122"/>
@@ -19012,109 +21014,6 @@
                       </p:childTnLst>
                     </p:cTn>
                   </p:par>
-                  <p:par>
-                    <p:cTn id="21" fill="hold">
-                      <p:stCondLst>
-                        <p:cond delay="indefinite"/>
-                      </p:stCondLst>
-                      <p:childTnLst>
-                        <p:par>
-                          <p:cTn id="22" fill="hold">
-                            <p:stCondLst>
-                              <p:cond delay="0"/>
-                            </p:stCondLst>
-                            <p:childTnLst>
-                              <p:par>
-                                <p:cTn id="23" presetID="2" presetClass="entr" presetSubtype="4" fill="hold" nodeType="clickEffect">
-                                  <p:stCondLst>
-                                    <p:cond delay="0"/>
-                                  </p:stCondLst>
-                                  <p:childTnLst>
-                                    <p:set>
-                                      <p:cBhvr>
-                                        <p:cTn id="24" dur="1" fill="hold">
-                                          <p:stCondLst>
-                                            <p:cond delay="0"/>
-                                          </p:stCondLst>
-                                        </p:cTn>
-                                        <p:tgtEl>
-                                          <p:spTgt spid="25">
-                                            <p:txEl>
-                                              <p:pRg st="0" end="0"/>
-                                            </p:txEl>
-                                          </p:spTgt>
-                                        </p:tgtEl>
-                                        <p:attrNameLst>
-                                          <p:attrName>style.visibility</p:attrName>
-                                        </p:attrNameLst>
-                                      </p:cBhvr>
-                                      <p:to>
-                                        <p:strVal val="visible"/>
-                                      </p:to>
-                                    </p:set>
-                                    <p:anim calcmode="lin" valueType="num">
-                                      <p:cBhvr additive="base">
-                                        <p:cTn id="25" dur="500" fill="hold"/>
-                                        <p:tgtEl>
-                                          <p:spTgt spid="25">
-                                            <p:txEl>
-                                              <p:pRg st="0" end="0"/>
-                                            </p:txEl>
-                                          </p:spTgt>
-                                        </p:tgtEl>
-                                        <p:attrNameLst>
-                                          <p:attrName>ppt_x</p:attrName>
-                                        </p:attrNameLst>
-                                      </p:cBhvr>
-                                      <p:tavLst>
-                                        <p:tav tm="0">
-                                          <p:val>
-                                            <p:strVal val="#ppt_x"/>
-                                          </p:val>
-                                        </p:tav>
-                                        <p:tav tm="100000">
-                                          <p:val>
-                                            <p:strVal val="#ppt_x"/>
-                                          </p:val>
-                                        </p:tav>
-                                      </p:tavLst>
-                                    </p:anim>
-                                    <p:anim calcmode="lin" valueType="num">
-                                      <p:cBhvr additive="base">
-                                        <p:cTn id="26" dur="500" fill="hold"/>
-                                        <p:tgtEl>
-                                          <p:spTgt spid="25">
-                                            <p:txEl>
-                                              <p:pRg st="0" end="0"/>
-                                            </p:txEl>
-                                          </p:spTgt>
-                                        </p:tgtEl>
-                                        <p:attrNameLst>
-                                          <p:attrName>ppt_y</p:attrName>
-                                        </p:attrNameLst>
-                                      </p:cBhvr>
-                                      <p:tavLst>
-                                        <p:tav tm="0">
-                                          <p:val>
-                                            <p:strVal val="1+#ppt_h/2"/>
-                                          </p:val>
-                                        </p:tav>
-                                        <p:tav tm="100000">
-                                          <p:val>
-                                            <p:strVal val="#ppt_y"/>
-                                          </p:val>
-                                        </p:tav>
-                                      </p:tavLst>
-                                    </p:anim>
-                                  </p:childTnLst>
-                                </p:cTn>
-                              </p:par>
-                            </p:childTnLst>
-                          </p:cTn>
-                        </p:par>
-                      </p:childTnLst>
-                    </p:cTn>
-                  </p:par>
                 </p:childTnLst>
               </p:cTn>
               <p:prevCondLst>
@@ -19164,299 +21063,13 @@
       </p:grpSpPr>
       <p:sp>
         <p:nvSpPr>
-          <p:cNvPr id="3" name="文本框 2">
-            <a:extLst>
-              <a:ext uri="{FF2B5EF4-FFF2-40B4-BE49-F238E27FC236}">
-                <a16:creationId xmlns:a16="http://schemas.microsoft.com/office/drawing/2014/main" id="{0C028307-2C79-B7A7-0615-5DC499D65504}"/>
-              </a:ext>
-            </a:extLst>
-          </p:cNvPr>
-          <p:cNvSpPr txBox="1"/>
-          <p:nvPr/>
-        </p:nvSpPr>
-        <p:spPr>
-          <a:xfrm>
-            <a:off x="334169" y="1439408"/>
-            <a:ext cx="11611088" cy="1415772"/>
-          </a:xfrm>
-          <a:prstGeom prst="rect">
-            <a:avLst/>
-          </a:prstGeom>
-          <a:noFill/>
-        </p:spPr>
-        <p:txBody>
-          <a:bodyPr wrap="square">
-            <a:spAutoFit/>
-          </a:bodyPr>
-          <a:lstStyle/>
-          <a:p>
-            <a:pPr marL="742950" lvl="1" indent="-285750">
-              <a:spcBef>
-                <a:spcPts val="600"/>
-              </a:spcBef>
-              <a:spcAft>
-                <a:spcPts val="600"/>
-              </a:spcAft>
-              <a:buFont typeface="Wingdings" panose="05000000000000000000" pitchFamily="2" charset="2"/>
-              <a:buChar char="Ø"/>
-            </a:pPr>
-            <a:r>
-              <a:rPr lang="en-US" altLang="zh-CN" sz="1600" b="1" dirty="0">
-                <a:solidFill>
-                  <a:schemeClr val="accent1">
-                    <a:lumMod val="75000"/>
-                  </a:schemeClr>
-                </a:solidFill>
-                <a:latin typeface="微软雅黑" panose="020B0503020204020204" pitchFamily="34" charset="-122"/>
-                <a:ea typeface="微软雅黑" panose="020B0503020204020204" pitchFamily="34" charset="-122"/>
-              </a:rPr>
-              <a:t>Porting work of </a:t>
-            </a:r>
-            <a:r>
-              <a:rPr lang="en-US" altLang="zh-CN" sz="1600" b="1" dirty="0" err="1">
-                <a:solidFill>
-                  <a:schemeClr val="accent1">
-                    <a:lumMod val="75000"/>
-                  </a:schemeClr>
-                </a:solidFill>
-                <a:latin typeface="微软雅黑" panose="020B0503020204020204" pitchFamily="34" charset="-122"/>
-                <a:ea typeface="微软雅黑" panose="020B0503020204020204" pitchFamily="34" charset="-122"/>
-              </a:rPr>
-              <a:t>eBPF</a:t>
-            </a:r>
-            <a:r>
-              <a:rPr lang="en-US" altLang="zh-CN" sz="1600" b="1" dirty="0">
-                <a:solidFill>
-                  <a:schemeClr val="accent1">
-                    <a:lumMod val="75000"/>
-                  </a:schemeClr>
-                </a:solidFill>
-                <a:latin typeface="微软雅黑" panose="020B0503020204020204" pitchFamily="34" charset="-122"/>
-                <a:ea typeface="微软雅黑" panose="020B0503020204020204" pitchFamily="34" charset="-122"/>
-              </a:rPr>
-              <a:t> in </a:t>
-            </a:r>
-            <a:r>
-              <a:rPr lang="en-US" altLang="zh-CN" sz="1600" b="1" dirty="0" err="1">
-                <a:solidFill>
-                  <a:schemeClr val="accent1">
-                    <a:lumMod val="75000"/>
-                  </a:schemeClr>
-                </a:solidFill>
-                <a:latin typeface="微软雅黑" panose="020B0503020204020204" pitchFamily="34" charset="-122"/>
-                <a:ea typeface="微软雅黑" panose="020B0503020204020204" pitchFamily="34" charset="-122"/>
-              </a:rPr>
-              <a:t>rCore</a:t>
-            </a:r>
-            <a:r>
-              <a:rPr lang="en-US" altLang="zh-CN" sz="1600" b="1" dirty="0">
-                <a:solidFill>
-                  <a:schemeClr val="accent1">
-                    <a:lumMod val="75000"/>
-                  </a:schemeClr>
-                </a:solidFill>
-                <a:latin typeface="微软雅黑" panose="020B0503020204020204" pitchFamily="34" charset="-122"/>
-                <a:ea typeface="微软雅黑" panose="020B0503020204020204" pitchFamily="34" charset="-122"/>
-              </a:rPr>
-              <a:t>-Tutorial (porting the </a:t>
-            </a:r>
-            <a:r>
-              <a:rPr lang="en-US" altLang="zh-CN" sz="1600" b="1" dirty="0" err="1">
-                <a:solidFill>
-                  <a:schemeClr val="accent1">
-                    <a:lumMod val="75000"/>
-                  </a:schemeClr>
-                </a:solidFill>
-                <a:latin typeface="微软雅黑" panose="020B0503020204020204" pitchFamily="34" charset="-122"/>
-                <a:ea typeface="微软雅黑" panose="020B0503020204020204" pitchFamily="34" charset="-122"/>
-              </a:rPr>
-              <a:t>eBPF</a:t>
-            </a:r>
-            <a:r>
-              <a:rPr lang="en-US" altLang="zh-CN" sz="1600" b="1" dirty="0">
-                <a:solidFill>
-                  <a:schemeClr val="accent1">
-                    <a:lumMod val="75000"/>
-                  </a:schemeClr>
-                </a:solidFill>
-                <a:latin typeface="微软雅黑" panose="020B0503020204020204" pitchFamily="34" charset="-122"/>
-                <a:ea typeface="微软雅黑" panose="020B0503020204020204" pitchFamily="34" charset="-122"/>
-              </a:rPr>
-              <a:t> virtual machine to execute </a:t>
-            </a:r>
-            <a:r>
-              <a:rPr lang="en-US" altLang="zh-CN" sz="1600" b="1" dirty="0" err="1">
-                <a:solidFill>
-                  <a:schemeClr val="accent1">
-                    <a:lumMod val="75000"/>
-                  </a:schemeClr>
-                </a:solidFill>
-                <a:latin typeface="微软雅黑" panose="020B0503020204020204" pitchFamily="34" charset="-122"/>
-                <a:ea typeface="微软雅黑" panose="020B0503020204020204" pitchFamily="34" charset="-122"/>
-              </a:rPr>
-              <a:t>eBPF</a:t>
-            </a:r>
-            <a:r>
-              <a:rPr lang="en-US" altLang="zh-CN" sz="1600" b="1" dirty="0">
-                <a:solidFill>
-                  <a:schemeClr val="accent1">
-                    <a:lumMod val="75000"/>
-                  </a:schemeClr>
-                </a:solidFill>
-                <a:latin typeface="微软雅黑" panose="020B0503020204020204" pitchFamily="34" charset="-122"/>
-                <a:ea typeface="微软雅黑" panose="020B0503020204020204" pitchFamily="34" charset="-122"/>
-              </a:rPr>
-              <a:t> bytecode)</a:t>
-            </a:r>
-            <a:endParaRPr lang="zh-CN" altLang="en-US" sz="1600" b="1" dirty="0">
-              <a:solidFill>
-                <a:schemeClr val="accent1">
-                  <a:lumMod val="75000"/>
-                </a:schemeClr>
-              </a:solidFill>
-              <a:latin typeface="微软雅黑" panose="020B0503020204020204" pitchFamily="34" charset="-122"/>
-              <a:ea typeface="微软雅黑" panose="020B0503020204020204" pitchFamily="34" charset="-122"/>
-            </a:endParaRPr>
-          </a:p>
-          <a:p>
-            <a:pPr marL="742950" lvl="1" indent="-285750">
-              <a:spcBef>
-                <a:spcPts val="600"/>
-              </a:spcBef>
-              <a:spcAft>
-                <a:spcPts val="600"/>
-              </a:spcAft>
-              <a:buFont typeface="Wingdings" panose="05000000000000000000" pitchFamily="2" charset="2"/>
-              <a:buChar char="Ø"/>
-            </a:pPr>
-            <a:r>
-              <a:rPr lang="en-US" altLang="zh-CN" sz="1600" b="1" dirty="0">
-                <a:solidFill>
-                  <a:srgbClr val="FF0000"/>
-                </a:solidFill>
-                <a:latin typeface="微软雅黑" panose="020B0503020204020204" pitchFamily="34" charset="-122"/>
-                <a:ea typeface="微软雅黑" panose="020B0503020204020204" pitchFamily="34" charset="-122"/>
-              </a:rPr>
-              <a:t>Porting of </a:t>
-            </a:r>
-            <a:r>
-              <a:rPr lang="en-US" altLang="zh-CN" sz="1600" b="1" dirty="0" err="1">
-                <a:solidFill>
-                  <a:srgbClr val="FF0000"/>
-                </a:solidFill>
-                <a:latin typeface="微软雅黑" panose="020B0503020204020204" pitchFamily="34" charset="-122"/>
-                <a:ea typeface="微软雅黑" panose="020B0503020204020204" pitchFamily="34" charset="-122"/>
-              </a:rPr>
-              <a:t>kprobe</a:t>
-            </a:r>
-            <a:r>
-              <a:rPr lang="en-US" altLang="zh-CN" sz="1600" b="1" dirty="0">
-                <a:solidFill>
-                  <a:srgbClr val="FF0000"/>
-                </a:solidFill>
-                <a:latin typeface="微软雅黑" panose="020B0503020204020204" pitchFamily="34" charset="-122"/>
-                <a:ea typeface="微软雅黑" panose="020B0503020204020204" pitchFamily="34" charset="-122"/>
-              </a:rPr>
-              <a:t> (which supports kernel function instrumentation) and </a:t>
-            </a:r>
-            <a:r>
-              <a:rPr lang="en-US" altLang="zh-CN" sz="1600" b="1" dirty="0" err="1">
-                <a:solidFill>
-                  <a:srgbClr val="FF0000"/>
-                </a:solidFill>
-                <a:latin typeface="微软雅黑" panose="020B0503020204020204" pitchFamily="34" charset="-122"/>
-                <a:ea typeface="微软雅黑" panose="020B0503020204020204" pitchFamily="34" charset="-122"/>
-              </a:rPr>
-              <a:t>uprobe</a:t>
-            </a:r>
-            <a:r>
-              <a:rPr lang="en-US" altLang="zh-CN" sz="1600" b="1" dirty="0">
-                <a:solidFill>
-                  <a:srgbClr val="FF0000"/>
-                </a:solidFill>
-                <a:latin typeface="微软雅黑" panose="020B0503020204020204" pitchFamily="34" charset="-122"/>
-                <a:ea typeface="微软雅黑" panose="020B0503020204020204" pitchFamily="34" charset="-122"/>
-              </a:rPr>
-              <a:t> (which supports user space function instrumentation)</a:t>
-            </a:r>
-            <a:endParaRPr lang="zh-CN" altLang="en-US" sz="1600" b="1" dirty="0">
-              <a:solidFill>
-                <a:schemeClr val="accent1">
-                  <a:lumMod val="75000"/>
-                </a:schemeClr>
-              </a:solidFill>
-              <a:latin typeface="微软雅黑" panose="020B0503020204020204" pitchFamily="34" charset="-122"/>
-              <a:ea typeface="微软雅黑" panose="020B0503020204020204" pitchFamily="34" charset="-122"/>
-            </a:endParaRPr>
-          </a:p>
-          <a:p>
-            <a:pPr marL="742950" lvl="1" indent="-285750">
-              <a:spcBef>
-                <a:spcPts val="600"/>
-              </a:spcBef>
-              <a:spcAft>
-                <a:spcPts val="600"/>
-              </a:spcAft>
-              <a:buFont typeface="Wingdings" panose="05000000000000000000" pitchFamily="2" charset="2"/>
-              <a:buChar char="Ø"/>
-            </a:pPr>
-            <a:r>
-              <a:rPr lang="en-US" altLang="zh-CN" sz="1600" b="1" dirty="0">
-                <a:solidFill>
-                  <a:schemeClr val="accent1">
-                    <a:lumMod val="75000"/>
-                  </a:schemeClr>
-                </a:solidFill>
-                <a:latin typeface="微软雅黑" panose="020B0503020204020204" pitchFamily="34" charset="-122"/>
-                <a:ea typeface="微软雅黑" panose="020B0503020204020204" pitchFamily="34" charset="-122"/>
-              </a:rPr>
-              <a:t>Modularization of </a:t>
-            </a:r>
-            <a:r>
-              <a:rPr lang="en-US" altLang="zh-CN" sz="1600" b="1" dirty="0" err="1">
-                <a:solidFill>
-                  <a:schemeClr val="accent1">
-                    <a:lumMod val="75000"/>
-                  </a:schemeClr>
-                </a:solidFill>
-                <a:latin typeface="微软雅黑" panose="020B0503020204020204" pitchFamily="34" charset="-122"/>
-                <a:ea typeface="微软雅黑" panose="020B0503020204020204" pitchFamily="34" charset="-122"/>
-              </a:rPr>
-              <a:t>uprobe</a:t>
-            </a:r>
-            <a:r>
-              <a:rPr lang="en-US" altLang="zh-CN" sz="1600" b="1" dirty="0">
-                <a:solidFill>
-                  <a:schemeClr val="accent1">
-                    <a:lumMod val="75000"/>
-                  </a:schemeClr>
-                </a:solidFill>
-                <a:latin typeface="微软雅黑" panose="020B0503020204020204" pitchFamily="34" charset="-122"/>
-                <a:ea typeface="微软雅黑" panose="020B0503020204020204" pitchFamily="34" charset="-122"/>
-              </a:rPr>
-              <a:t>, with attempts to address the challenge of multi-OS support</a:t>
-            </a:r>
-            <a:endParaRPr lang="zh-CN" altLang="en-US" sz="1600" b="1" dirty="0">
-              <a:solidFill>
-                <a:schemeClr val="accent1">
-                  <a:lumMod val="75000"/>
-                </a:schemeClr>
-              </a:solidFill>
-              <a:latin typeface="微软雅黑" panose="020B0503020204020204" pitchFamily="34" charset="-122"/>
-              <a:ea typeface="微软雅黑" panose="020B0503020204020204" pitchFamily="34" charset="-122"/>
-            </a:endParaRPr>
-          </a:p>
-        </p:txBody>
-      </p:sp>
-      <p:sp>
-        <p:nvSpPr>
           <p:cNvPr id="15" name="矩形 14"/>
           <p:cNvSpPr/>
           <p:nvPr/>
         </p:nvSpPr>
         <p:spPr bwMode="auto">
           <a:xfrm>
-            <a:off x="334169" y="821819"/>
+            <a:off x="362638" y="1156538"/>
             <a:ext cx="9165771" cy="504778"/>
           </a:xfrm>
           <a:prstGeom prst="rect">
@@ -19495,17 +21108,17 @@
               <a:buChar char="l"/>
             </a:pPr>
             <a:r>
-              <a:rPr lang="en-US" altLang="zh-CN" b="1" kern="100" dirty="0">
+              <a:rPr lang="en-US" altLang="zh-CN" sz="2000" b="1" kern="100" dirty="0">
                 <a:solidFill>
                   <a:schemeClr val="tx1"/>
                 </a:solidFill>
                 <a:latin typeface="微软雅黑" panose="020B0503020204020204" pitchFamily="34" charset="-122"/>
                 <a:ea typeface="微软雅黑" panose="020B0503020204020204" pitchFamily="34" charset="-122"/>
               </a:rPr>
-              <a:t>Based on </a:t>
-            </a:r>
-            <a:r>
-              <a:rPr lang="en-US" altLang="zh-CN" b="1" kern="100" dirty="0" err="1">
+              <a:t>Using </a:t>
+            </a:r>
+            <a:r>
+              <a:rPr lang="en-US" altLang="zh-CN" sz="2000" b="1" kern="100" dirty="0" err="1">
                 <a:solidFill>
                   <a:schemeClr val="tx1"/>
                 </a:solidFill>
@@ -19515,17 +21128,17 @@
               <a:t>eBPF</a:t>
             </a:r>
             <a:r>
-              <a:rPr lang="en-US" altLang="zh-CN" b="1" kern="100" dirty="0">
+              <a:rPr lang="en-US" altLang="zh-CN" sz="2000" b="1" kern="100" dirty="0">
                 <a:solidFill>
                   <a:schemeClr val="tx1"/>
                 </a:solidFill>
                 <a:latin typeface="微软雅黑" panose="020B0503020204020204" pitchFamily="34" charset="-122"/>
                 <a:ea typeface="微软雅黑" panose="020B0503020204020204" pitchFamily="34" charset="-122"/>
               </a:rPr>
-              <a:t>, support performance analysis and detection across kernel and user space on development boards</a:t>
-            </a:r>
-            <a:r>
-              <a:rPr lang="zh-CN" altLang="en-US" b="1" kern="100" dirty="0">
+              <a:t>, enable performance analysis and detection across kernel and user state on development boards</a:t>
+            </a:r>
+            <a:r>
+              <a:rPr lang="zh-CN" altLang="en-US" sz="2000" b="1" kern="100" dirty="0">
                 <a:solidFill>
                   <a:schemeClr val="tx1"/>
                 </a:solidFill>
@@ -19915,8 +21528,8 @@
         </p:nvSpPr>
         <p:spPr>
           <a:xfrm>
-            <a:off x="749378" y="2855180"/>
-            <a:ext cx="10780670" cy="3631763"/>
+            <a:off x="705665" y="1961225"/>
+            <a:ext cx="10780670" cy="3954929"/>
           </a:xfrm>
           <a:prstGeom prst="rect">
             <a:avLst/>
@@ -20077,7 +21690,7 @@
               <a:defRPr/>
             </a:pPr>
             <a:r>
-              <a:rPr lang="en-US" altLang="zh-CN" sz="1600" dirty="0" err="1">
+              <a:rPr lang="en-US" altLang="zh-CN" sz="1800" dirty="0" err="1">
                 <a:solidFill>
                   <a:schemeClr val="accent1">
                     <a:lumMod val="75000"/>
@@ -20090,7 +21703,7 @@
               <a:t>eBPF</a:t>
             </a:r>
             <a:r>
-              <a:rPr lang="en-US" altLang="zh-CN" sz="1600" dirty="0">
+              <a:rPr lang="en-US" altLang="zh-CN" sz="1800" dirty="0">
                 <a:solidFill>
                   <a:schemeClr val="accent1">
                     <a:lumMod val="75000"/>
@@ -20118,7 +21731,7 @@
               <a:defRPr/>
             </a:pPr>
             <a:r>
-              <a:rPr lang="en-US" altLang="zh-CN" sz="1400" dirty="0">
+              <a:rPr lang="en-US" altLang="zh-CN" sz="1600" dirty="0" err="1">
                 <a:solidFill>
                   <a:schemeClr val="tx1"/>
                 </a:solidFill>
@@ -20126,10 +21739,10 @@
                 <a:ea typeface="微软雅黑" panose="020B0503020204020204" pitchFamily="34" charset="-122"/>
                 <a:cs typeface="Times New Roman" panose="02020603050405020304" pitchFamily="18" charset="0"/>
               </a:rPr>
-              <a:t>In order to debug </a:t>
-            </a:r>
-            <a:r>
-              <a:rPr lang="en-US" altLang="zh-CN" sz="1400" dirty="0" err="1">
+              <a:t>eBPF</a:t>
+            </a:r>
+            <a:r>
+              <a:rPr lang="en-US" altLang="zh-CN" sz="1600" dirty="0">
                 <a:solidFill>
                   <a:schemeClr val="tx1"/>
                 </a:solidFill>
@@ -20137,10 +21750,10 @@
                 <a:ea typeface="微软雅黑" panose="020B0503020204020204" pitchFamily="34" charset="-122"/>
                 <a:cs typeface="Times New Roman" panose="02020603050405020304" pitchFamily="18" charset="0"/>
               </a:rPr>
-              <a:t>eBPF</a:t>
-            </a:r>
-            <a:r>
-              <a:rPr lang="en-US" altLang="zh-CN" sz="1400" dirty="0">
+              <a:t> debugging data needs to be sent to </a:t>
+            </a:r>
+            <a:r>
+              <a:rPr lang="en-US" altLang="zh-CN" sz="1600" dirty="0" err="1">
                 <a:solidFill>
                   <a:schemeClr val="tx1"/>
                 </a:solidFill>
@@ -20148,10 +21761,10 @@
                 <a:ea typeface="微软雅黑" panose="020B0503020204020204" pitchFamily="34" charset="-122"/>
                 <a:cs typeface="Times New Roman" panose="02020603050405020304" pitchFamily="18" charset="0"/>
               </a:rPr>
-              <a:t> on the debugging interface, </a:t>
-            </a:r>
-            <a:r>
-              <a:rPr lang="en-US" altLang="zh-CN" sz="1400" dirty="0" err="1">
+              <a:t>VSCode</a:t>
+            </a:r>
+            <a:r>
+              <a:rPr lang="en-US" altLang="zh-CN" sz="1600" dirty="0">
                 <a:solidFill>
                   <a:schemeClr val="tx1"/>
                 </a:solidFill>
@@ -20159,42 +21772,9 @@
                 <a:ea typeface="微软雅黑" panose="020B0503020204020204" pitchFamily="34" charset="-122"/>
                 <a:cs typeface="Times New Roman" panose="02020603050405020304" pitchFamily="18" charset="0"/>
               </a:rPr>
-              <a:t>eBPF</a:t>
-            </a:r>
-            <a:r>
-              <a:rPr lang="en-US" altLang="zh-CN" sz="1400" dirty="0">
-                <a:solidFill>
-                  <a:schemeClr val="tx1"/>
-                </a:solidFill>
-                <a:latin typeface="微软雅黑" panose="020B0503020204020204" pitchFamily="34" charset="-122"/>
-                <a:ea typeface="微软雅黑" panose="020B0503020204020204" pitchFamily="34" charset="-122"/>
-                <a:cs typeface="Times New Roman" panose="02020603050405020304" pitchFamily="18" charset="0"/>
-              </a:rPr>
-              <a:t> debugging data needs to be output to </a:t>
-            </a:r>
-            <a:r>
-              <a:rPr lang="en-US" altLang="zh-CN" sz="1400" dirty="0" err="1">
-                <a:solidFill>
-                  <a:schemeClr val="tx1"/>
-                </a:solidFill>
-                <a:latin typeface="微软雅黑" panose="020B0503020204020204" pitchFamily="34" charset="-122"/>
-                <a:ea typeface="微软雅黑" panose="020B0503020204020204" pitchFamily="34" charset="-122"/>
-                <a:cs typeface="Times New Roman" panose="02020603050405020304" pitchFamily="18" charset="0"/>
-              </a:rPr>
-              <a:t>VSCode</a:t>
-            </a:r>
-            <a:r>
-              <a:rPr lang="en-US" altLang="zh-CN" sz="1400" dirty="0">
-                <a:solidFill>
-                  <a:schemeClr val="tx1"/>
-                </a:solidFill>
-                <a:latin typeface="微软雅黑" panose="020B0503020204020204" pitchFamily="34" charset="-122"/>
-                <a:ea typeface="微软雅黑" panose="020B0503020204020204" pitchFamily="34" charset="-122"/>
-                <a:cs typeface="Times New Roman" panose="02020603050405020304" pitchFamily="18" charset="0"/>
-              </a:rPr>
-              <a:t>.</a:t>
-            </a:r>
-            <a:endParaRPr lang="zh-CN" altLang="en-US" sz="1400" dirty="0">
+              <a:t> without interfering with default serial port</a:t>
+            </a:r>
+            <a:endParaRPr lang="zh-CN" altLang="en-US" sz="1600" dirty="0">
               <a:solidFill>
                 <a:srgbClr val="FF0000"/>
               </a:solidFill>
@@ -20218,7 +21798,7 @@
               <a:defRPr/>
             </a:pPr>
             <a:r>
-              <a:rPr lang="en-US" altLang="zh-CN" sz="1400" dirty="0">
+              <a:rPr lang="en-US" altLang="zh-CN" sz="1600" dirty="0">
                 <a:solidFill>
                   <a:schemeClr val="tx1"/>
                 </a:solidFill>
@@ -20228,7 +21808,7 @@
               </a:rPr>
               <a:t>A dedicated serial port is used for information output, which minimally impacts the OS.</a:t>
             </a:r>
-            <a:endParaRPr lang="zh-CN" altLang="en-US" sz="1400" dirty="0">
+            <a:endParaRPr lang="zh-CN" altLang="en-US" sz="1600" dirty="0">
               <a:solidFill>
                 <a:schemeClr val="tx1"/>
               </a:solidFill>
@@ -20252,7 +21832,7 @@
               <a:defRPr/>
             </a:pPr>
             <a:r>
-              <a:rPr lang="en-US" altLang="zh-CN" sz="1400" dirty="0">
+              <a:rPr lang="en-US" altLang="zh-CN" sz="1600" dirty="0">
                 <a:solidFill>
                   <a:schemeClr val="tx1"/>
                 </a:solidFill>
@@ -20263,7 +21843,7 @@
               <a:t>To work together with the existing GDB breakpoints, the </a:t>
             </a:r>
             <a:r>
-              <a:rPr lang="en-US" altLang="zh-CN" sz="1400" dirty="0" err="1">
+              <a:rPr lang="en-US" altLang="zh-CN" sz="1600" dirty="0" err="1">
                 <a:solidFill>
                   <a:schemeClr val="tx1"/>
                 </a:solidFill>
@@ -20274,7 +21854,7 @@
               <a:t>eBPF</a:t>
             </a:r>
             <a:r>
-              <a:rPr lang="en-US" altLang="zh-CN" sz="1400" dirty="0">
+              <a:rPr lang="en-US" altLang="zh-CN" sz="1600" dirty="0">
                 <a:solidFill>
                   <a:schemeClr val="tx1"/>
                 </a:solidFill>
@@ -20285,7 +21865,7 @@
               <a:t> debugging data is fed into GDB, which then transfers it to </a:t>
             </a:r>
             <a:r>
-              <a:rPr lang="en-US" altLang="zh-CN" sz="1400" dirty="0" err="1">
+              <a:rPr lang="en-US" altLang="zh-CN" sz="1600" dirty="0" err="1">
                 <a:solidFill>
                   <a:schemeClr val="tx1"/>
                 </a:solidFill>
@@ -20296,7 +21876,7 @@
               <a:t>VSCode</a:t>
             </a:r>
             <a:r>
-              <a:rPr lang="en-US" altLang="zh-CN" sz="1400" dirty="0">
+              <a:rPr lang="en-US" altLang="zh-CN" sz="1600" dirty="0">
                 <a:solidFill>
                   <a:schemeClr val="tx1"/>
                 </a:solidFill>
@@ -20306,7 +21886,7 @@
               </a:rPr>
               <a:t>.</a:t>
             </a:r>
-            <a:endParaRPr lang="zh-CN" altLang="en-US" sz="1400" dirty="0">
+            <a:endParaRPr lang="zh-CN" altLang="en-US" sz="1600" dirty="0">
               <a:solidFill>
                 <a:schemeClr val="tx1"/>
               </a:solidFill>
@@ -20330,7 +21910,7 @@
               <a:defRPr/>
             </a:pPr>
             <a:r>
-              <a:rPr lang="en-US" altLang="zh-CN" sz="1400" dirty="0">
+              <a:rPr lang="en-US" altLang="zh-CN" sz="1600" dirty="0">
                 <a:solidFill>
                   <a:schemeClr val="tx1"/>
                 </a:solidFill>
@@ -20354,7 +21934,7 @@
               <a:defRPr/>
             </a:pPr>
             <a:r>
-              <a:rPr lang="en-US" altLang="zh-CN" sz="1400" dirty="0">
+              <a:rPr lang="en-US" altLang="zh-CN" sz="1600" dirty="0">
                 <a:solidFill>
                   <a:srgbClr val="FF0000"/>
                 </a:solidFill>
@@ -20362,9 +21942,20 @@
                 <a:ea typeface="微软雅黑" panose="020B0503020204020204" pitchFamily="34" charset="-122"/>
                 <a:cs typeface="Times New Roman" panose="02020603050405020304" pitchFamily="18" charset="0"/>
               </a:rPr>
-              <a:t>QEMU: Modify the initialization code to support a second serial port.</a:t>
-            </a:r>
-            <a:endParaRPr lang="zh-CN" altLang="en-US" sz="1400" dirty="0">
+              <a:t>QEMU</a:t>
+            </a:r>
+            <a:r>
+              <a:rPr lang="en-US" altLang="zh-CN" sz="1600" dirty="0">
+                <a:solidFill>
+                  <a:schemeClr val="tx1"/>
+                </a:solidFill>
+                <a:latin typeface="微软雅黑" panose="020B0503020204020204" pitchFamily="34" charset="-122"/>
+                <a:ea typeface="微软雅黑" panose="020B0503020204020204" pitchFamily="34" charset="-122"/>
+                <a:cs typeface="Times New Roman" panose="02020603050405020304" pitchFamily="18" charset="0"/>
+              </a:rPr>
+              <a:t>: Modify the initialization code to support a second serial port.</a:t>
+            </a:r>
+            <a:endParaRPr lang="zh-CN" altLang="en-US" sz="1600" dirty="0">
               <a:solidFill>
                 <a:schemeClr val="tx1"/>
               </a:solidFill>
@@ -20386,7 +21977,7 @@
               <a:defRPr/>
             </a:pPr>
             <a:r>
-              <a:rPr lang="en-US" altLang="zh-CN" sz="1400" dirty="0">
+              <a:rPr lang="en-US" altLang="zh-CN" sz="1600" dirty="0">
                 <a:solidFill>
                   <a:srgbClr val="FF0000"/>
                 </a:solidFill>
@@ -20394,9 +21985,20 @@
                 <a:ea typeface="微软雅黑" panose="020B0503020204020204" pitchFamily="34" charset="-122"/>
                 <a:cs typeface="Times New Roman" panose="02020603050405020304" pitchFamily="18" charset="0"/>
               </a:rPr>
-              <a:t>SBI: Relax physical memory protection (PMP).</a:t>
-            </a:r>
-            <a:endParaRPr lang="zh-CN" altLang="en-US" sz="1400" dirty="0">
+              <a:t>SBI</a:t>
+            </a:r>
+            <a:r>
+              <a:rPr lang="en-US" altLang="zh-CN" sz="1600" dirty="0">
+                <a:solidFill>
+                  <a:schemeClr val="tx1"/>
+                </a:solidFill>
+                <a:latin typeface="微软雅黑" panose="020B0503020204020204" pitchFamily="34" charset="-122"/>
+                <a:ea typeface="微软雅黑" panose="020B0503020204020204" pitchFamily="34" charset="-122"/>
+                <a:cs typeface="Times New Roman" panose="02020603050405020304" pitchFamily="18" charset="0"/>
+              </a:rPr>
+              <a:t>: Modify physical memory protection (PMP).</a:t>
+            </a:r>
+            <a:endParaRPr lang="zh-CN" altLang="en-US" sz="1600" dirty="0">
               <a:solidFill>
                 <a:schemeClr val="tx1"/>
               </a:solidFill>
@@ -20418,7 +22020,7 @@
               <a:defRPr/>
             </a:pPr>
             <a:r>
-              <a:rPr lang="en-US" altLang="zh-CN" sz="1400" dirty="0">
+              <a:rPr lang="en-US" altLang="zh-CN" sz="1600" dirty="0">
                 <a:solidFill>
                   <a:srgbClr val="FF0000"/>
                 </a:solidFill>
@@ -20426,9 +22028,20 @@
                 <a:ea typeface="微软雅黑" panose="020B0503020204020204" pitchFamily="34" charset="-122"/>
                 <a:cs typeface="Times New Roman" panose="02020603050405020304" pitchFamily="18" charset="0"/>
               </a:rPr>
-              <a:t>OS: Implement an MMIO-based serial port output function</a:t>
-            </a:r>
-            <a:endParaRPr lang="zh-CN" altLang="en-US" sz="1400" dirty="0">
+              <a:t>OS</a:t>
+            </a:r>
+            <a:r>
+              <a:rPr lang="en-US" altLang="zh-CN" sz="1600" dirty="0">
+                <a:solidFill>
+                  <a:schemeClr val="tx1"/>
+                </a:solidFill>
+                <a:latin typeface="微软雅黑" panose="020B0503020204020204" pitchFamily="34" charset="-122"/>
+                <a:ea typeface="微软雅黑" panose="020B0503020204020204" pitchFamily="34" charset="-122"/>
+                <a:cs typeface="Times New Roman" panose="02020603050405020304" pitchFamily="18" charset="0"/>
+              </a:rPr>
+              <a:t>: Implement an MMIO-based serial port output function</a:t>
+            </a:r>
+            <a:endParaRPr lang="zh-CN" altLang="en-US" sz="1600" dirty="0">
               <a:solidFill>
                 <a:schemeClr val="tx1"/>
               </a:solidFill>
@@ -20450,7 +22063,7 @@
               <a:defRPr/>
             </a:pPr>
             <a:r>
-              <a:rPr lang="en-US" altLang="zh-CN" sz="1400" dirty="0">
+              <a:rPr lang="en-US" altLang="zh-CN" sz="1600" dirty="0">
                 <a:solidFill>
                   <a:srgbClr val="FF0000"/>
                 </a:solidFill>
@@ -20458,23 +22071,34 @@
                 <a:ea typeface="微软雅黑" panose="020B0503020204020204" pitchFamily="34" charset="-122"/>
                 <a:cs typeface="Times New Roman" panose="02020603050405020304" pitchFamily="18" charset="0"/>
               </a:rPr>
-              <a:t>GDB: Use a Python extension script to receive </a:t>
-            </a:r>
-            <a:r>
-              <a:rPr lang="en-US" altLang="zh-CN" sz="1400" dirty="0" err="1">
-                <a:solidFill>
-                  <a:srgbClr val="FF0000"/>
+              <a:t>GDB</a:t>
+            </a:r>
+            <a:r>
+              <a:rPr lang="en-US" altLang="zh-CN" sz="1600" dirty="0">
+                <a:solidFill>
+                  <a:schemeClr val="tx1"/>
                 </a:solidFill>
                 <a:latin typeface="微软雅黑" panose="020B0503020204020204" pitchFamily="34" charset="-122"/>
                 <a:ea typeface="微软雅黑" panose="020B0503020204020204" pitchFamily="34" charset="-122"/>
                 <a:cs typeface="Times New Roman" panose="02020603050405020304" pitchFamily="18" charset="0"/>
               </a:rPr>
+              <a:t>: Use a Python extension script to receive </a:t>
+            </a:r>
+            <a:r>
+              <a:rPr lang="en-US" altLang="zh-CN" sz="1600" dirty="0" err="1">
+                <a:solidFill>
+                  <a:schemeClr val="tx1"/>
+                </a:solidFill>
+                <a:latin typeface="微软雅黑" panose="020B0503020204020204" pitchFamily="34" charset="-122"/>
+                <a:ea typeface="微软雅黑" panose="020B0503020204020204" pitchFamily="34" charset="-122"/>
+                <a:cs typeface="Times New Roman" panose="02020603050405020304" pitchFamily="18" charset="0"/>
+              </a:rPr>
               <a:t>eBPF</a:t>
             </a:r>
             <a:r>
-              <a:rPr lang="en-US" altLang="zh-CN" sz="1400" dirty="0">
-                <a:solidFill>
-                  <a:srgbClr val="FF0000"/>
+              <a:rPr lang="en-US" altLang="zh-CN" sz="1600" dirty="0">
+                <a:solidFill>
+                  <a:schemeClr val="tx1"/>
                 </a:solidFill>
                 <a:latin typeface="微软雅黑" panose="020B0503020204020204" pitchFamily="34" charset="-122"/>
                 <a:ea typeface="微软雅黑" panose="020B0503020204020204" pitchFamily="34" charset="-122"/>
@@ -20482,7 +22106,7 @@
               </a:rPr>
               <a:t> data.</a:t>
             </a:r>
-            <a:endParaRPr lang="zh-CN" altLang="en-US" sz="1400" dirty="0">
+            <a:endParaRPr lang="zh-CN" altLang="en-US" sz="1600" dirty="0">
               <a:solidFill>
                 <a:schemeClr val="tx1"/>
               </a:solidFill>
@@ -20553,7 +22177,7 @@
                 <a:latin typeface="微软雅黑" panose="020B0503020204020204" pitchFamily="34" charset="-122"/>
                 <a:ea typeface="微软雅黑" panose="020B0503020204020204" pitchFamily="34" charset="-122"/>
               </a:rPr>
-              <a:t>Application Cases</a:t>
+              <a:t>Application</a:t>
             </a:r>
             <a:endParaRPr lang="zh-CN" altLang="en-US" sz="1600" dirty="0">
               <a:latin typeface="微软雅黑" panose="020B0503020204020204" pitchFamily="34" charset="-122"/>
@@ -20942,7 +22566,7 @@
                                           </p:stCondLst>
                                         </p:cTn>
                                         <p:tgtEl>
-                                          <p:spTgt spid="3"/>
+                                          <p:spTgt spid="4"/>
                                         </p:tgtEl>
                                         <p:attrNameLst>
                                           <p:attrName>style.visibility</p:attrName>
@@ -20955,97 +22579,6 @@
                                     <p:anim calcmode="lin" valueType="num">
                                       <p:cBhvr additive="base">
                                         <p:cTn id="13" dur="500" fill="hold"/>
-                                        <p:tgtEl>
-                                          <p:spTgt spid="3"/>
-                                        </p:tgtEl>
-                                        <p:attrNameLst>
-                                          <p:attrName>ppt_x</p:attrName>
-                                        </p:attrNameLst>
-                                      </p:cBhvr>
-                                      <p:tavLst>
-                                        <p:tav tm="0">
-                                          <p:val>
-                                            <p:strVal val="#ppt_x"/>
-                                          </p:val>
-                                        </p:tav>
-                                        <p:tav tm="100000">
-                                          <p:val>
-                                            <p:strVal val="#ppt_x"/>
-                                          </p:val>
-                                        </p:tav>
-                                      </p:tavLst>
-                                    </p:anim>
-                                    <p:anim calcmode="lin" valueType="num">
-                                      <p:cBhvr additive="base">
-                                        <p:cTn id="14" dur="500" fill="hold"/>
-                                        <p:tgtEl>
-                                          <p:spTgt spid="3"/>
-                                        </p:tgtEl>
-                                        <p:attrNameLst>
-                                          <p:attrName>ppt_y</p:attrName>
-                                        </p:attrNameLst>
-                                      </p:cBhvr>
-                                      <p:tavLst>
-                                        <p:tav tm="0">
-                                          <p:val>
-                                            <p:strVal val="1+#ppt_h/2"/>
-                                          </p:val>
-                                        </p:tav>
-                                        <p:tav tm="100000">
-                                          <p:val>
-                                            <p:strVal val="#ppt_y"/>
-                                          </p:val>
-                                        </p:tav>
-                                      </p:tavLst>
-                                    </p:anim>
-                                  </p:childTnLst>
-                                </p:cTn>
-                              </p:par>
-                            </p:childTnLst>
-                          </p:cTn>
-                        </p:par>
-                      </p:childTnLst>
-                    </p:cTn>
-                  </p:par>
-                  <p:par>
-                    <p:cTn id="15" fill="hold">
-                      <p:stCondLst>
-                        <p:cond delay="indefinite"/>
-                      </p:stCondLst>
-                      <p:childTnLst>
-                        <p:par>
-                          <p:cTn id="16" fill="hold">
-                            <p:stCondLst>
-                              <p:cond delay="0"/>
-                            </p:stCondLst>
-                            <p:childTnLst>
-                              <p:par>
-                                <p:cTn id="17" presetID="2" presetClass="entr" presetSubtype="4" fill="hold" grpId="0" nodeType="clickEffect">
-                                  <p:stCondLst>
-                                    <p:cond delay="0"/>
-                                  </p:stCondLst>
-                                  <p:childTnLst>
-                                    <p:set>
-                                      <p:cBhvr>
-                                        <p:cTn id="18" dur="1" fill="hold">
-                                          <p:stCondLst>
-                                            <p:cond delay="0"/>
-                                          </p:stCondLst>
-                                        </p:cTn>
-                                        <p:tgtEl>
-                                          <p:spTgt spid="4"/>
-                                        </p:tgtEl>
-                                        <p:attrNameLst>
-                                          <p:attrName>style.visibility</p:attrName>
-                                        </p:attrNameLst>
-                                      </p:cBhvr>
-                                      <p:to>
-                                        <p:strVal val="visible"/>
-                                      </p:to>
-                                    </p:set>
-                                    <p:anim calcmode="lin" valueType="num">
-                                      <p:cBhvr additive="base">
-                                        <p:cTn id="19" dur="500" fill="hold"/>
                                         <p:tgtEl>
                                           <p:spTgt spid="4"/>
                                         </p:tgtEl>
@@ -21068,7 +22601,7 @@
                                     </p:anim>
                                     <p:anim calcmode="lin" valueType="num">
                                       <p:cBhvr additive="base">
-                                        <p:cTn id="20" dur="500" fill="hold"/>
+                                        <p:cTn id="14" dur="500" fill="hold"/>
                                         <p:tgtEl>
                                           <p:spTgt spid="4"/>
                                         </p:tgtEl>
@@ -21120,7 +22653,6 @@
       </p:par>
     </p:tnLst>
     <p:bldLst>
-      <p:bldP spid="3" grpId="0"/>
       <p:bldP spid="15" grpId="0"/>
       <p:bldP spid="4" grpId="0" animBg="1"/>
     </p:bldLst>
@@ -21153,7 +22685,7 @@
         </p:nvSpPr>
         <p:spPr bwMode="auto">
           <a:xfrm>
-            <a:off x="334169" y="821819"/>
+            <a:off x="156825" y="1063533"/>
             <a:ext cx="10072574" cy="504778"/>
           </a:xfrm>
           <a:prstGeom prst="rect">
@@ -21192,17 +22724,17 @@
               <a:buChar char="l"/>
             </a:pPr>
             <a:r>
-              <a:rPr lang="en-US" altLang="zh-CN" b="1" kern="100" dirty="0">
+              <a:rPr lang="en-US" altLang="zh-CN" sz="2000" b="1" kern="100" dirty="0">
                 <a:solidFill>
                   <a:schemeClr val="tx1"/>
                 </a:solidFill>
                 <a:latin typeface="微软雅黑" panose="020B0503020204020204" pitchFamily="34" charset="-122"/>
                 <a:ea typeface="微软雅黑" panose="020B0503020204020204" pitchFamily="34" charset="-122"/>
               </a:rPr>
-              <a:t>A remote development environment is built on </a:t>
-            </a:r>
-            <a:r>
-              <a:rPr lang="en-US" altLang="zh-CN" b="1" kern="100" dirty="0" err="1">
+              <a:t>Construct a remote development environment based on </a:t>
+            </a:r>
+            <a:r>
+              <a:rPr lang="en-US" altLang="zh-CN" sz="2000" b="1" kern="100" dirty="0" err="1">
                 <a:solidFill>
                   <a:schemeClr val="tx1"/>
                 </a:solidFill>
@@ -21212,16 +22744,16 @@
               <a:t>VSCode</a:t>
             </a:r>
             <a:r>
-              <a:rPr lang="en-US" altLang="zh-CN" b="1" kern="100" dirty="0">
+              <a:rPr lang="en-US" altLang="zh-CN" sz="2000" b="1" kern="100" dirty="0">
                 <a:solidFill>
                   <a:schemeClr val="tx1"/>
                 </a:solidFill>
                 <a:latin typeface="微软雅黑" panose="020B0503020204020204" pitchFamily="34" charset="-122"/>
                 <a:ea typeface="微软雅黑" panose="020B0503020204020204" pitchFamily="34" charset="-122"/>
               </a:rPr>
-              <a:t>, combining breakpoint debugging and performance detection functionalities.</a:t>
-            </a:r>
-            <a:endParaRPr lang="zh-CN" altLang="en-US" b="1" kern="100" dirty="0">
+              <a:t> that integrates breakpoint debugging and performance analysis</a:t>
+            </a:r>
+            <a:endParaRPr lang="zh-CN" altLang="en-US" sz="2000" b="1" kern="100" dirty="0">
               <a:solidFill>
                 <a:schemeClr val="tx1"/>
               </a:solidFill>
@@ -21536,8 +23068,8 @@
         </p:nvSpPr>
         <p:spPr>
           <a:xfrm>
-            <a:off x="383539" y="1897741"/>
-            <a:ext cx="4454062" cy="1346907"/>
+            <a:off x="376620" y="2118836"/>
+            <a:ext cx="4454062" cy="3772956"/>
           </a:xfrm>
           <a:prstGeom prst="rect">
             <a:avLst/>
@@ -21550,7 +23082,7 @@
           </a:bodyPr>
           <a:lstStyle/>
           <a:p>
-            <a:pPr>
+            <a:pPr marL="342900" indent="-342900">
               <a:lnSpc>
                 <a:spcPct val="150000"/>
               </a:lnSpc>
@@ -21560,17 +23092,32 @@
               <a:spcAft>
                 <a:spcPts val="600"/>
               </a:spcAft>
+              <a:buAutoNum type="arabicPeriod"/>
             </a:pPr>
             <a:r>
-              <a:rPr lang="en-US" altLang="zh-CN" sz="1400" b="1" dirty="0">
+              <a:rPr lang="en-US" altLang="zh-CN" sz="1600" b="1" dirty="0">
                 <a:latin typeface="微软雅黑" panose="020B0503020204020204" pitchFamily="34" charset="-122"/>
                 <a:ea typeface="微软雅黑" panose="020B0503020204020204" pitchFamily="34" charset="-122"/>
                 <a:cs typeface="Times New Roman" panose="02020603050405020304" pitchFamily="18" charset="0"/>
               </a:rPr>
-              <a:t>1. GDB integrates debugging information from </a:t>
-            </a:r>
-            <a:r>
-              <a:rPr lang="en-US" altLang="zh-CN" sz="1400" b="1" dirty="0" err="1">
+              <a:t>GDB integrates debugging information from</a:t>
+            </a:r>
+          </a:p>
+          <a:p>
+            <a:pPr marL="800100" lvl="1" indent="-342900">
+              <a:lnSpc>
+                <a:spcPct val="150000"/>
+              </a:lnSpc>
+              <a:spcBef>
+                <a:spcPts val="600"/>
+              </a:spcBef>
+              <a:spcAft>
+                <a:spcPts val="600"/>
+              </a:spcAft>
+              <a:buAutoNum type="arabicPeriod"/>
+            </a:pPr>
+            <a:r>
+              <a:rPr lang="en-US" altLang="zh-CN" sz="1600" b="1" dirty="0" err="1">
                 <a:latin typeface="微软雅黑" panose="020B0503020204020204" pitchFamily="34" charset="-122"/>
                 <a:ea typeface="微软雅黑" panose="020B0503020204020204" pitchFamily="34" charset="-122"/>
                 <a:cs typeface="Times New Roman" panose="02020603050405020304" pitchFamily="18" charset="0"/>
@@ -21578,7 +23125,7 @@
               <a:t>Qemu</a:t>
             </a:r>
             <a:r>
-              <a:rPr lang="en-US" altLang="zh-CN" sz="1400" b="1" dirty="0">
+              <a:rPr lang="en-US" altLang="zh-CN" sz="1600" b="1" dirty="0">
                 <a:latin typeface="微软雅黑" panose="020B0503020204020204" pitchFamily="34" charset="-122"/>
                 <a:ea typeface="微软雅黑" panose="020B0503020204020204" pitchFamily="34" charset="-122"/>
                 <a:cs typeface="Times New Roman" panose="02020603050405020304" pitchFamily="18" charset="0"/>
@@ -21586,36 +23133,126 @@
               <a:t>/</a:t>
             </a:r>
             <a:r>
-              <a:rPr lang="en-US" altLang="zh-CN" sz="1400" b="1" dirty="0" err="1">
+              <a:rPr lang="en-US" altLang="zh-CN" sz="1600" b="1" dirty="0" err="1">
                 <a:latin typeface="微软雅黑" panose="020B0503020204020204" pitchFamily="34" charset="-122"/>
                 <a:ea typeface="微软雅黑" panose="020B0503020204020204" pitchFamily="34" charset="-122"/>
                 <a:cs typeface="Times New Roman" panose="02020603050405020304" pitchFamily="18" charset="0"/>
               </a:rPr>
               <a:t>OpenOCD</a:t>
             </a:r>
-            <a:r>
-              <a:rPr lang="en-US" altLang="zh-CN" sz="1400" b="1" dirty="0">
+            <a:endParaRPr lang="en-US" altLang="zh-CN" sz="1600" b="1" dirty="0">
+              <a:latin typeface="微软雅黑" panose="020B0503020204020204" pitchFamily="34" charset="-122"/>
+              <a:ea typeface="微软雅黑" panose="020B0503020204020204" pitchFamily="34" charset="-122"/>
+              <a:cs typeface="Times New Roman" panose="02020603050405020304" pitchFamily="18" charset="0"/>
+            </a:endParaRPr>
+          </a:p>
+          <a:p>
+            <a:pPr marL="800100" lvl="1" indent="-342900">
+              <a:lnSpc>
+                <a:spcPct val="150000"/>
+              </a:lnSpc>
+              <a:spcBef>
+                <a:spcPts val="600"/>
+              </a:spcBef>
+              <a:spcAft>
+                <a:spcPts val="600"/>
+              </a:spcAft>
+              <a:buAutoNum type="arabicPeriod"/>
+            </a:pPr>
+            <a:r>
+              <a:rPr lang="en-US" altLang="zh-CN" sz="1600" b="1" dirty="0" err="1">
                 <a:latin typeface="微软雅黑" panose="020B0503020204020204" pitchFamily="34" charset="-122"/>
                 <a:ea typeface="微软雅黑" panose="020B0503020204020204" pitchFamily="34" charset="-122"/>
                 <a:cs typeface="Times New Roman" panose="02020603050405020304" pitchFamily="18" charset="0"/>
               </a:rPr>
-              <a:t> and </a:t>
-            </a:r>
-            <a:r>
-              <a:rPr lang="en-US" altLang="zh-CN" sz="1400" b="1" dirty="0" err="1">
+              <a:t>eBPF</a:t>
+            </a:r>
+            <a:endParaRPr lang="en-US" altLang="zh-CN" sz="1600" b="1" dirty="0">
+              <a:latin typeface="微软雅黑" panose="020B0503020204020204" pitchFamily="34" charset="-122"/>
+              <a:ea typeface="微软雅黑" panose="020B0503020204020204" pitchFamily="34" charset="-122"/>
+              <a:cs typeface="Times New Roman" panose="02020603050405020304" pitchFamily="18" charset="0"/>
+            </a:endParaRPr>
+          </a:p>
+          <a:p>
+            <a:pPr marL="342900" indent="-342900">
+              <a:lnSpc>
+                <a:spcPct val="150000"/>
+              </a:lnSpc>
+              <a:spcBef>
+                <a:spcPts val="600"/>
+              </a:spcBef>
+              <a:spcAft>
+                <a:spcPts val="600"/>
+              </a:spcAft>
+              <a:buAutoNum type="arabicPeriod"/>
+            </a:pPr>
+            <a:r>
+              <a:rPr lang="en-US" altLang="zh-CN" sz="1600" b="1" dirty="0">
                 <a:latin typeface="微软雅黑" panose="020B0503020204020204" pitchFamily="34" charset="-122"/>
                 <a:ea typeface="微软雅黑" panose="020B0503020204020204" pitchFamily="34" charset="-122"/>
                 <a:cs typeface="Times New Roman" panose="02020603050405020304" pitchFamily="18" charset="0"/>
               </a:rPr>
-              <a:t>eBPF</a:t>
-            </a:r>
-            <a:r>
-              <a:rPr lang="en-US" altLang="zh-CN" sz="1400" b="1" dirty="0">
+              <a:t>The Debug Adapter </a:t>
+            </a:r>
+          </a:p>
+          <a:p>
+            <a:pPr marL="800100" lvl="1" indent="-342900">
+              <a:lnSpc>
+                <a:spcPct val="150000"/>
+              </a:lnSpc>
+              <a:spcBef>
+                <a:spcPts val="600"/>
+              </a:spcBef>
+              <a:spcAft>
+                <a:spcPts val="600"/>
+              </a:spcAft>
+              <a:buAutoNum type="arabicPeriod"/>
+            </a:pPr>
+            <a:r>
+              <a:rPr lang="en-US" altLang="zh-CN" sz="1600" b="1" dirty="0">
                 <a:latin typeface="微软雅黑" panose="020B0503020204020204" pitchFamily="34" charset="-122"/>
                 <a:ea typeface="微软雅黑" panose="020B0503020204020204" pitchFamily="34" charset="-122"/>
                 <a:cs typeface="Times New Roman" panose="02020603050405020304" pitchFamily="18" charset="0"/>
               </a:rPr>
-              <a:t> (via a Python extension script) and transmits it to the Debug Adapter.</a:t>
+              <a:t>receives data packets from GDB</a:t>
+            </a:r>
+          </a:p>
+          <a:p>
+            <a:pPr marL="800100" lvl="1" indent="-342900">
+              <a:lnSpc>
+                <a:spcPct val="150000"/>
+              </a:lnSpc>
+              <a:spcBef>
+                <a:spcPts val="600"/>
+              </a:spcBef>
+              <a:spcAft>
+                <a:spcPts val="600"/>
+              </a:spcAft>
+              <a:buAutoNum type="arabicPeriod"/>
+            </a:pPr>
+            <a:r>
+              <a:rPr lang="en-US" altLang="zh-CN" sz="1600" b="1" dirty="0">
+                <a:latin typeface="微软雅黑" panose="020B0503020204020204" pitchFamily="34" charset="-122"/>
+                <a:ea typeface="微软雅黑" panose="020B0503020204020204" pitchFamily="34" charset="-122"/>
+                <a:cs typeface="Times New Roman" panose="02020603050405020304" pitchFamily="18" charset="0"/>
+              </a:rPr>
+              <a:t>distribute to different modules in the </a:t>
+            </a:r>
+            <a:r>
+              <a:rPr lang="en-US" altLang="zh-CN" sz="1600" b="1" dirty="0" err="1">
+                <a:latin typeface="微软雅黑" panose="020B0503020204020204" pitchFamily="34" charset="-122"/>
+                <a:ea typeface="微软雅黑" panose="020B0503020204020204" pitchFamily="34" charset="-122"/>
+                <a:cs typeface="Times New Roman" panose="02020603050405020304" pitchFamily="18" charset="0"/>
+              </a:rPr>
+              <a:t>VSCode</a:t>
+            </a:r>
+            <a:r>
+              <a:rPr lang="en-US" altLang="zh-CN" sz="1600" b="1" dirty="0">
+                <a:latin typeface="微软雅黑" panose="020B0503020204020204" pitchFamily="34" charset="-122"/>
+                <a:ea typeface="微软雅黑" panose="020B0503020204020204" pitchFamily="34" charset="-122"/>
+                <a:cs typeface="Times New Roman" panose="02020603050405020304" pitchFamily="18" charset="0"/>
+              </a:rPr>
+              <a:t> plugin.</a:t>
             </a:r>
           </a:p>
         </p:txBody>
@@ -21649,109 +23286,6 @@
           </a:prstGeom>
         </p:spPr>
       </p:pic>
-      <p:sp>
-        <p:nvSpPr>
-          <p:cNvPr id="6" name="文本框 5">
-            <a:extLst>
-              <a:ext uri="{FF2B5EF4-FFF2-40B4-BE49-F238E27FC236}">
-                <a16:creationId xmlns:a16="http://schemas.microsoft.com/office/drawing/2014/main" id="{E3BE738D-E1B6-25C6-D959-438900D769BF}"/>
-              </a:ext>
-            </a:extLst>
-          </p:cNvPr>
-          <p:cNvSpPr txBox="1"/>
-          <p:nvPr/>
-        </p:nvSpPr>
-        <p:spPr>
-          <a:xfrm>
-            <a:off x="383539" y="3504399"/>
-            <a:ext cx="4252596" cy="3116622"/>
-          </a:xfrm>
-          <a:prstGeom prst="rect">
-            <a:avLst/>
-          </a:prstGeom>
-          <a:noFill/>
-        </p:spPr>
-        <p:txBody>
-          <a:bodyPr wrap="square">
-            <a:spAutoFit/>
-          </a:bodyPr>
-          <a:lstStyle/>
-          <a:p>
-            <a:pPr>
-              <a:lnSpc>
-                <a:spcPct val="150000"/>
-              </a:lnSpc>
-              <a:spcBef>
-                <a:spcPts val="600"/>
-              </a:spcBef>
-              <a:spcAft>
-                <a:spcPts val="600"/>
-              </a:spcAft>
-            </a:pPr>
-            <a:r>
-              <a:rPr lang="en-US" altLang="zh-CN" sz="1400" b="1" dirty="0">
-                <a:latin typeface="微软雅黑" panose="020B0503020204020204" pitchFamily="34" charset="-122"/>
-                <a:ea typeface="微软雅黑" panose="020B0503020204020204" pitchFamily="34" charset="-122"/>
-                <a:cs typeface="Times New Roman" panose="02020603050405020304" pitchFamily="18" charset="0"/>
-              </a:rPr>
-              <a:t>2. The Debug Adapter analyzes the data packets received from GDB, identifies the type of debugging information based on identifiers within the packets, and sends it to the corresponding processing module in the </a:t>
-            </a:r>
-            <a:r>
-              <a:rPr lang="en-US" altLang="zh-CN" sz="1400" b="1" dirty="0" err="1">
-                <a:latin typeface="微软雅黑" panose="020B0503020204020204" pitchFamily="34" charset="-122"/>
-                <a:ea typeface="微软雅黑" panose="020B0503020204020204" pitchFamily="34" charset="-122"/>
-                <a:cs typeface="Times New Roman" panose="02020603050405020304" pitchFamily="18" charset="0"/>
-              </a:rPr>
-              <a:t>VSCode</a:t>
-            </a:r>
-            <a:r>
-              <a:rPr lang="en-US" altLang="zh-CN" sz="1400" b="1" dirty="0">
-                <a:latin typeface="微软雅黑" panose="020B0503020204020204" pitchFamily="34" charset="-122"/>
-                <a:ea typeface="微软雅黑" panose="020B0503020204020204" pitchFamily="34" charset="-122"/>
-                <a:cs typeface="Times New Roman" panose="02020603050405020304" pitchFamily="18" charset="0"/>
-              </a:rPr>
-              <a:t> plugin.</a:t>
-            </a:r>
-          </a:p>
-          <a:p>
-            <a:pPr>
-              <a:lnSpc>
-                <a:spcPct val="150000"/>
-              </a:lnSpc>
-              <a:spcBef>
-                <a:spcPts val="600"/>
-              </a:spcBef>
-              <a:spcAft>
-                <a:spcPts val="600"/>
-              </a:spcAft>
-            </a:pPr>
-            <a:r>
-              <a:rPr lang="en-US" altLang="zh-CN" sz="1400" b="1" dirty="0">
-                <a:latin typeface="微软雅黑" panose="020B0503020204020204" pitchFamily="34" charset="-122"/>
-                <a:ea typeface="微软雅黑" panose="020B0503020204020204" pitchFamily="34" charset="-122"/>
-                <a:cs typeface="Times New Roman" panose="02020603050405020304" pitchFamily="18" charset="0"/>
-              </a:rPr>
-              <a:t>A remote development environment based on </a:t>
-            </a:r>
-            <a:r>
-              <a:rPr lang="en-US" altLang="zh-CN" sz="1400" b="1" dirty="0" err="1">
-                <a:latin typeface="微软雅黑" panose="020B0503020204020204" pitchFamily="34" charset="-122"/>
-                <a:ea typeface="微软雅黑" panose="020B0503020204020204" pitchFamily="34" charset="-122"/>
-                <a:cs typeface="Times New Roman" panose="02020603050405020304" pitchFamily="18" charset="0"/>
-              </a:rPr>
-              <a:t>VSCode</a:t>
-            </a:r>
-            <a:r>
-              <a:rPr lang="en-US" altLang="zh-CN" sz="1400" b="1" dirty="0">
-                <a:latin typeface="微软雅黑" panose="020B0503020204020204" pitchFamily="34" charset="-122"/>
-                <a:ea typeface="微软雅黑" panose="020B0503020204020204" pitchFamily="34" charset="-122"/>
-                <a:cs typeface="Times New Roman" panose="02020603050405020304" pitchFamily="18" charset="0"/>
-              </a:rPr>
-              <a:t> is built, combining breakpoint debugging and performance detection.</a:t>
-            </a:r>
-          </a:p>
-        </p:txBody>
-      </p:sp>
       <p:sp>
         <p:nvSpPr>
           <p:cNvPr id="2" name="矩形 1">
@@ -21812,7 +23346,7 @@
                 <a:latin typeface="微软雅黑" panose="020B0503020204020204" pitchFamily="34" charset="-122"/>
                 <a:ea typeface="微软雅黑" panose="020B0503020204020204" pitchFamily="34" charset="-122"/>
               </a:rPr>
-              <a:t>Application Cases</a:t>
+              <a:t>Application</a:t>
             </a:r>
             <a:endParaRPr lang="zh-CN" altLang="en-US" sz="1600" dirty="0">
               <a:latin typeface="微软雅黑" panose="020B0503020204020204" pitchFamily="34" charset="-122"/>
@@ -22440,97 +23974,6 @@
                       </p:childTnLst>
                     </p:cTn>
                   </p:par>
-                  <p:par>
-                    <p:cTn id="22" fill="hold">
-                      <p:stCondLst>
-                        <p:cond delay="indefinite"/>
-                      </p:stCondLst>
-                      <p:childTnLst>
-                        <p:par>
-                          <p:cTn id="23" fill="hold">
-                            <p:stCondLst>
-                              <p:cond delay="0"/>
-                            </p:stCondLst>
-                            <p:childTnLst>
-                              <p:par>
-                                <p:cTn id="24" presetID="2" presetClass="entr" presetSubtype="4" fill="hold" grpId="0" nodeType="clickEffect">
-                                  <p:stCondLst>
-                                    <p:cond delay="0"/>
-                                  </p:stCondLst>
-                                  <p:childTnLst>
-                                    <p:set>
-                                      <p:cBhvr>
-                                        <p:cTn id="25" dur="1" fill="hold">
-                                          <p:stCondLst>
-                                            <p:cond delay="0"/>
-                                          </p:stCondLst>
-                                        </p:cTn>
-                                        <p:tgtEl>
-                                          <p:spTgt spid="6"/>
-                                        </p:tgtEl>
-                                        <p:attrNameLst>
-                                          <p:attrName>style.visibility</p:attrName>
-                                        </p:attrNameLst>
-                                      </p:cBhvr>
-                                      <p:to>
-                                        <p:strVal val="visible"/>
-                                      </p:to>
-                                    </p:set>
-                                    <p:anim calcmode="lin" valueType="num">
-                                      <p:cBhvr additive="base">
-                                        <p:cTn id="26" dur="500" fill="hold"/>
-                                        <p:tgtEl>
-                                          <p:spTgt spid="6"/>
-                                        </p:tgtEl>
-                                        <p:attrNameLst>
-                                          <p:attrName>ppt_x</p:attrName>
-                                        </p:attrNameLst>
-                                      </p:cBhvr>
-                                      <p:tavLst>
-                                        <p:tav tm="0">
-                                          <p:val>
-                                            <p:strVal val="#ppt_x"/>
-                                          </p:val>
-                                        </p:tav>
-                                        <p:tav tm="100000">
-                                          <p:val>
-                                            <p:strVal val="#ppt_x"/>
-                                          </p:val>
-                                        </p:tav>
-                                      </p:tavLst>
-                                    </p:anim>
-                                    <p:anim calcmode="lin" valueType="num">
-                                      <p:cBhvr additive="base">
-                                        <p:cTn id="27" dur="500" fill="hold"/>
-                                        <p:tgtEl>
-                                          <p:spTgt spid="6"/>
-                                        </p:tgtEl>
-                                        <p:attrNameLst>
-                                          <p:attrName>ppt_y</p:attrName>
-                                        </p:attrNameLst>
-                                      </p:cBhvr>
-                                      <p:tavLst>
-                                        <p:tav tm="0">
-                                          <p:val>
-                                            <p:strVal val="1+#ppt_h/2"/>
-                                          </p:val>
-                                        </p:tav>
-                                        <p:tav tm="100000">
-                                          <p:val>
-                                            <p:strVal val="#ppt_y"/>
-                                          </p:val>
-                                        </p:tav>
-                                      </p:tavLst>
-                                    </p:anim>
-                                  </p:childTnLst>
-                                </p:cTn>
-                              </p:par>
-                            </p:childTnLst>
-                          </p:cTn>
-                        </p:par>
-                      </p:childTnLst>
-                    </p:cTn>
-                  </p:par>
                 </p:childTnLst>
               </p:cTn>
               <p:prevCondLst>
@@ -22555,7 +23998,6 @@
     <p:bldLst>
       <p:bldP spid="15" grpId="0"/>
       <p:bldP spid="5" grpId="0"/>
-      <p:bldP spid="6" grpId="0"/>
     </p:bldLst>
   </p:timing>
 </p:sld>
